--- a/RealWorldScalability/Real World Scalability.pptx
+++ b/RealWorldScalability/Real World Scalability.pptx
@@ -5,7 +5,7 @@
     <p:sldMasterId id="2147483648" r:id="rId1"/>
   </p:sldMasterIdLst>
   <p:notesMasterIdLst>
-    <p:notesMasterId r:id="rId22"/>
+    <p:notesMasterId r:id="rId34"/>
   </p:notesMasterIdLst>
   <p:sldIdLst>
     <p:sldId id="256" r:id="rId2"/>
@@ -14,20 +14,32 @@
     <p:sldId id="259" r:id="rId5"/>
     <p:sldId id="260" r:id="rId6"/>
     <p:sldId id="261" r:id="rId7"/>
-    <p:sldId id="262" r:id="rId8"/>
-    <p:sldId id="263" r:id="rId9"/>
-    <p:sldId id="264" r:id="rId10"/>
-    <p:sldId id="267" r:id="rId11"/>
-    <p:sldId id="268" r:id="rId12"/>
-    <p:sldId id="269" r:id="rId13"/>
-    <p:sldId id="270" r:id="rId14"/>
-    <p:sldId id="271" r:id="rId15"/>
-    <p:sldId id="272" r:id="rId16"/>
-    <p:sldId id="273" r:id="rId17"/>
-    <p:sldId id="274" r:id="rId18"/>
-    <p:sldId id="275" r:id="rId19"/>
-    <p:sldId id="276" r:id="rId20"/>
-    <p:sldId id="277" r:id="rId21"/>
+    <p:sldId id="278" r:id="rId8"/>
+    <p:sldId id="262" r:id="rId9"/>
+    <p:sldId id="289" r:id="rId10"/>
+    <p:sldId id="284" r:id="rId11"/>
+    <p:sldId id="263" r:id="rId12"/>
+    <p:sldId id="264" r:id="rId13"/>
+    <p:sldId id="285" r:id="rId14"/>
+    <p:sldId id="267" r:id="rId15"/>
+    <p:sldId id="268" r:id="rId16"/>
+    <p:sldId id="269" r:id="rId17"/>
+    <p:sldId id="286" r:id="rId18"/>
+    <p:sldId id="270" r:id="rId19"/>
+    <p:sldId id="271" r:id="rId20"/>
+    <p:sldId id="272" r:id="rId21"/>
+    <p:sldId id="287" r:id="rId22"/>
+    <p:sldId id="273" r:id="rId23"/>
+    <p:sldId id="274" r:id="rId24"/>
+    <p:sldId id="288" r:id="rId25"/>
+    <p:sldId id="275" r:id="rId26"/>
+    <p:sldId id="276" r:id="rId27"/>
+    <p:sldId id="277" r:id="rId28"/>
+    <p:sldId id="279" r:id="rId29"/>
+    <p:sldId id="280" r:id="rId30"/>
+    <p:sldId id="281" r:id="rId31"/>
+    <p:sldId id="282" r:id="rId32"/>
+    <p:sldId id="283" r:id="rId33"/>
   </p:sldIdLst>
   <p:sldSz cx="12192000" cy="6858000"/>
   <p:notesSz cx="6858000" cy="9144000"/>
@@ -126,6 +138,11 @@
       </a:defRPr>
     </a:lvl9pPr>
   </p:defaultTextStyle>
+  <p:extLst>
+    <p:ext uri="{EFAFB233-063F-42B5-8137-9DF3F51BA10A}">
+      <p15:sldGuideLst xmlns:p15="http://schemas.microsoft.com/office/powerpoint/2012/main"/>
+    </p:ext>
+  </p:extLst>
 </p:presentation>
 </file>
 
@@ -3455,23 +3472,73 @@
         </p:nvSpPr>
         <p:spPr/>
         <p:txBody>
-          <a:bodyPr/>
+          <a:bodyPr>
+            <a:normAutofit lnSpcReduction="10000"/>
+          </a:bodyPr>
           <a:lstStyle/>
           <a:p>
             <a:r>
               <a:rPr lang="en-US" dirty="0" smtClean="0"/>
-              <a:t>Dallas C# Sig – 5/5/2016</a:t>
-            </a:r>
-          </a:p>
-          <a:p>
+              <a:t>Dallas C# Sig – </a:t>
+            </a:r>
+            <a:r>
+              <a:rPr lang="en-US" dirty="0" smtClean="0"/>
+              <a:t>5/5/2016</a:t>
+            </a:r>
             <a:endParaRPr lang="en-US" dirty="0"/>
           </a:p>
           <a:p>
             <a:r>
               <a:rPr lang="en-US" dirty="0" smtClean="0"/>
-              <a:t>Mark Doyle</a:t>
-            </a:r>
+              <a:t>Mark </a:t>
+            </a:r>
+            <a:r>
+              <a:rPr lang="en-US" dirty="0" smtClean="0"/>
+              <a:t>Doyle</a:t>
+            </a:r>
+          </a:p>
+          <a:p>
             <a:endParaRPr lang="en-US" dirty="0"/>
+          </a:p>
+          <a:p>
+            <a:r>
+              <a:rPr lang="en-US" dirty="0" smtClean="0"/>
+              <a:t>Materials </a:t>
+            </a:r>
+            <a:r>
+              <a:rPr lang="en-US" dirty="0"/>
+              <a:t>on GitHub: </a:t>
+            </a:r>
+            <a:r>
+              <a:rPr lang="en-US" u="sng" dirty="0">
+                <a:solidFill>
+                  <a:schemeClr val="accent1"/>
+                </a:solidFill>
+                <a:hlinkClick r:id="rId3"/>
+              </a:rPr>
+              <a:t>https://</a:t>
+            </a:r>
+            <a:r>
+              <a:rPr lang="en-US" u="sng" dirty="0" smtClean="0">
+                <a:solidFill>
+                  <a:schemeClr val="accent1"/>
+                </a:solidFill>
+                <a:hlinkClick r:id="rId3"/>
+              </a:rPr>
+              <a:t>github.com/mark-doyle/dal-cs-sig</a:t>
+            </a:r>
+            <a:endParaRPr lang="en-US" u="sng" dirty="0" smtClean="0">
+              <a:solidFill>
+                <a:schemeClr val="accent1"/>
+              </a:solidFill>
+            </a:endParaRPr>
+          </a:p>
+          <a:p>
+            <a:endParaRPr lang="en-US" u="sng" dirty="0">
+              <a:solidFill>
+                <a:schemeClr val="accent1"/>
+              </a:solidFill>
+            </a:endParaRPr>
           </a:p>
         </p:txBody>
       </p:sp>
@@ -3529,6 +3596,521 @@
           <a:p>
             <a:r>
               <a:rPr lang="en-US" dirty="0" smtClean="0"/>
+              <a:t>Load Testing</a:t>
+            </a:r>
+            <a:endParaRPr lang="en-US" dirty="0"/>
+          </a:p>
+        </p:txBody>
+      </p:sp>
+      <p:sp>
+        <p:nvSpPr>
+          <p:cNvPr id="3" name="Content Placeholder 2"/>
+          <p:cNvSpPr>
+            <a:spLocks noGrp="1"/>
+          </p:cNvSpPr>
+          <p:nvPr>
+            <p:ph idx="1"/>
+          </p:nvPr>
+        </p:nvSpPr>
+        <p:spPr/>
+        <p:txBody>
+          <a:bodyPr/>
+          <a:lstStyle/>
+          <a:p>
+            <a:pPr marL="0" indent="0">
+              <a:buNone/>
+            </a:pPr>
+            <a:r>
+              <a:rPr lang="en-US" dirty="0" smtClean="0"/>
+              <a:t>See the code…</a:t>
+            </a:r>
+            <a:endParaRPr lang="en-US" dirty="0"/>
+          </a:p>
+        </p:txBody>
+      </p:sp>
+    </p:spTree>
+    <p:extLst>
+      <p:ext uri="{BB962C8B-B14F-4D97-AF65-F5344CB8AC3E}">
+        <p14:creationId xmlns:p14="http://schemas.microsoft.com/office/powerpoint/2010/main" val="938120310"/>
+      </p:ext>
+    </p:extLst>
+  </p:cSld>
+  <p:clrMapOvr>
+    <a:masterClrMapping/>
+  </p:clrMapOvr>
+  <p:timing>
+    <p:tnLst>
+      <p:par>
+        <p:cTn id="1" dur="indefinite" restart="never" nodeType="tmRoot"/>
+      </p:par>
+    </p:tnLst>
+  </p:timing>
+</p:sld>
+</file>
+
+<file path=ppt/slides/slide11.xml><?xml version="1.0" encoding="utf-8"?>
+<p:sld xmlns:a="http://schemas.openxmlformats.org/drawingml/2006/main" xmlns:r="http://schemas.openxmlformats.org/officeDocument/2006/relationships" xmlns:p="http://schemas.openxmlformats.org/presentationml/2006/main">
+  <p:cSld>
+    <p:spTree>
+      <p:nvGrpSpPr>
+        <p:cNvPr id="1" name=""/>
+        <p:cNvGrpSpPr/>
+        <p:nvPr/>
+      </p:nvGrpSpPr>
+      <p:grpSpPr>
+        <a:xfrm>
+          <a:off x="0" y="0"/>
+          <a:ext cx="0" cy="0"/>
+          <a:chOff x="0" y="0"/>
+          <a:chExt cx="0" cy="0"/>
+        </a:xfrm>
+      </p:grpSpPr>
+      <p:sp>
+        <p:nvSpPr>
+          <p:cNvPr id="2" name="Title 1"/>
+          <p:cNvSpPr>
+            <a:spLocks noGrp="1"/>
+          </p:cNvSpPr>
+          <p:nvPr>
+            <p:ph type="title"/>
+          </p:nvPr>
+        </p:nvSpPr>
+        <p:spPr/>
+        <p:txBody>
+          <a:bodyPr/>
+          <a:lstStyle/>
+          <a:p>
+            <a:r>
+              <a:rPr lang="en-US" dirty="0" smtClean="0"/>
+              <a:t>Problem 1 – CPU Bound Operations</a:t>
+            </a:r>
+            <a:endParaRPr lang="en-US" dirty="0"/>
+          </a:p>
+        </p:txBody>
+      </p:sp>
+      <p:sp>
+        <p:nvSpPr>
+          <p:cNvPr id="3" name="Content Placeholder 2"/>
+          <p:cNvSpPr>
+            <a:spLocks noGrp="1"/>
+          </p:cNvSpPr>
+          <p:nvPr>
+            <p:ph idx="1"/>
+          </p:nvPr>
+        </p:nvSpPr>
+        <p:spPr/>
+        <p:txBody>
+          <a:bodyPr/>
+          <a:lstStyle/>
+          <a:p>
+            <a:pPr marL="0" indent="0">
+              <a:buNone/>
+            </a:pPr>
+            <a:r>
+              <a:rPr lang="en-US" dirty="0" smtClean="0"/>
+              <a:t>Example: Primary number calculation</a:t>
+            </a:r>
+          </a:p>
+          <a:p>
+            <a:pPr marL="0" indent="0">
+              <a:buNone/>
+            </a:pPr>
+            <a:endParaRPr lang="en-US" dirty="0"/>
+          </a:p>
+          <a:p>
+            <a:pPr marL="0" indent="0">
+              <a:buNone/>
+            </a:pPr>
+            <a:endParaRPr lang="en-US" dirty="0" smtClean="0"/>
+          </a:p>
+          <a:p>
+            <a:pPr marL="0" indent="0">
+              <a:buNone/>
+            </a:pPr>
+            <a:endParaRPr lang="en-US" dirty="0"/>
+          </a:p>
+          <a:p>
+            <a:pPr marL="0" indent="0">
+              <a:buNone/>
+            </a:pPr>
+            <a:endParaRPr lang="en-US" dirty="0" smtClean="0"/>
+          </a:p>
+          <a:p>
+            <a:pPr marL="0" indent="0">
+              <a:buNone/>
+            </a:pPr>
+            <a:endParaRPr lang="en-US" dirty="0"/>
+          </a:p>
+          <a:p>
+            <a:pPr marL="0" indent="0">
+              <a:buNone/>
+            </a:pPr>
+            <a:endParaRPr lang="en-US" dirty="0" smtClean="0"/>
+          </a:p>
+        </p:txBody>
+      </p:sp>
+      <p:pic>
+        <p:nvPicPr>
+          <p:cNvPr id="4" name="Picture 3"/>
+          <p:cNvPicPr>
+            <a:picLocks noChangeAspect="1"/>
+          </p:cNvPicPr>
+          <p:nvPr/>
+        </p:nvPicPr>
+        <p:blipFill>
+          <a:blip r:embed="rId2"/>
+          <a:stretch>
+            <a:fillRect/>
+          </a:stretch>
+        </p:blipFill>
+        <p:spPr>
+          <a:xfrm>
+            <a:off x="1042737" y="2425115"/>
+            <a:ext cx="6733782" cy="3401603"/>
+          </a:xfrm>
+          <a:prstGeom prst="rect">
+            <a:avLst/>
+          </a:prstGeom>
+        </p:spPr>
+      </p:pic>
+    </p:spTree>
+    <p:extLst>
+      <p:ext uri="{BB962C8B-B14F-4D97-AF65-F5344CB8AC3E}">
+        <p14:creationId xmlns:p14="http://schemas.microsoft.com/office/powerpoint/2010/main" val="1694484148"/>
+      </p:ext>
+    </p:extLst>
+  </p:cSld>
+  <p:clrMapOvr>
+    <a:masterClrMapping/>
+  </p:clrMapOvr>
+  <p:timing>
+    <p:tnLst>
+      <p:par>
+        <p:cTn id="1" dur="indefinite" restart="never" nodeType="tmRoot"/>
+      </p:par>
+    </p:tnLst>
+  </p:timing>
+</p:sld>
+</file>
+
+<file path=ppt/slides/slide12.xml><?xml version="1.0" encoding="utf-8"?>
+<p:sld xmlns:a="http://schemas.openxmlformats.org/drawingml/2006/main" xmlns:r="http://schemas.openxmlformats.org/officeDocument/2006/relationships" xmlns:p="http://schemas.openxmlformats.org/presentationml/2006/main">
+  <p:cSld>
+    <p:spTree>
+      <p:nvGrpSpPr>
+        <p:cNvPr id="1" name=""/>
+        <p:cNvGrpSpPr/>
+        <p:nvPr/>
+      </p:nvGrpSpPr>
+      <p:grpSpPr>
+        <a:xfrm>
+          <a:off x="0" y="0"/>
+          <a:ext cx="0" cy="0"/>
+          <a:chOff x="0" y="0"/>
+          <a:chExt cx="0" cy="0"/>
+        </a:xfrm>
+      </p:grpSpPr>
+      <p:sp>
+        <p:nvSpPr>
+          <p:cNvPr id="2" name="Title 1"/>
+          <p:cNvSpPr>
+            <a:spLocks noGrp="1"/>
+          </p:cNvSpPr>
+          <p:nvPr>
+            <p:ph type="title"/>
+          </p:nvPr>
+        </p:nvSpPr>
+        <p:spPr/>
+        <p:txBody>
+          <a:bodyPr/>
+          <a:lstStyle/>
+          <a:p>
+            <a:r>
+              <a:rPr lang="en-US" dirty="0" smtClean="0"/>
+              <a:t>Problem 1 – CPU Bound Operations</a:t>
+            </a:r>
+            <a:endParaRPr lang="en-US" dirty="0"/>
+          </a:p>
+        </p:txBody>
+      </p:sp>
+      <p:sp>
+        <p:nvSpPr>
+          <p:cNvPr id="3" name="Content Placeholder 2"/>
+          <p:cNvSpPr>
+            <a:spLocks noGrp="1"/>
+          </p:cNvSpPr>
+          <p:nvPr>
+            <p:ph idx="1"/>
+          </p:nvPr>
+        </p:nvSpPr>
+        <p:spPr/>
+        <p:txBody>
+          <a:bodyPr/>
+          <a:lstStyle/>
+          <a:p>
+            <a:pPr marL="0" indent="0">
+              <a:buNone/>
+            </a:pPr>
+            <a:r>
+              <a:rPr lang="en-US" dirty="0" smtClean="0"/>
+              <a:t>Solution 2: </a:t>
+            </a:r>
+            <a:r>
+              <a:rPr lang="en-US" dirty="0" err="1" smtClean="0"/>
+              <a:t>Async</a:t>
+            </a:r>
+            <a:r>
+              <a:rPr lang="en-US" dirty="0" smtClean="0"/>
+              <a:t>/await, no caching</a:t>
+            </a:r>
+          </a:p>
+          <a:p>
+            <a:pPr marL="0" indent="0">
+              <a:buNone/>
+            </a:pPr>
+            <a:endParaRPr lang="en-US" dirty="0"/>
+          </a:p>
+          <a:p>
+            <a:pPr marL="0" indent="0">
+              <a:buNone/>
+            </a:pPr>
+            <a:endParaRPr lang="en-US" dirty="0" smtClean="0"/>
+          </a:p>
+          <a:p>
+            <a:pPr marL="0" indent="0">
+              <a:buNone/>
+            </a:pPr>
+            <a:endParaRPr lang="en-US" dirty="0"/>
+          </a:p>
+          <a:p>
+            <a:pPr marL="0" indent="0">
+              <a:buNone/>
+            </a:pPr>
+            <a:endParaRPr lang="en-US" dirty="0" smtClean="0"/>
+          </a:p>
+          <a:p>
+            <a:pPr marL="0" indent="0">
+              <a:buNone/>
+            </a:pPr>
+            <a:r>
+              <a:rPr lang="en-US" dirty="0" smtClean="0"/>
+              <a:t>Solution 3: Caching, no </a:t>
+            </a:r>
+            <a:r>
+              <a:rPr lang="en-US" dirty="0" err="1" smtClean="0"/>
+              <a:t>async</a:t>
+            </a:r>
+            <a:r>
+              <a:rPr lang="en-US" dirty="0" smtClean="0"/>
+              <a:t>/await</a:t>
+            </a:r>
+          </a:p>
+          <a:p>
+            <a:pPr marL="0" indent="0">
+              <a:buNone/>
+            </a:pPr>
+            <a:endParaRPr lang="en-US" dirty="0" smtClean="0"/>
+          </a:p>
+          <a:p>
+            <a:pPr marL="0" indent="0">
+              <a:buNone/>
+            </a:pPr>
+            <a:r>
+              <a:rPr lang="en-US" dirty="0" smtClean="0"/>
+              <a:t>Solution 4: Caching, with </a:t>
+            </a:r>
+            <a:r>
+              <a:rPr lang="en-US" dirty="0" err="1" smtClean="0"/>
+              <a:t>async</a:t>
+            </a:r>
+            <a:r>
+              <a:rPr lang="en-US" dirty="0" smtClean="0"/>
+              <a:t>/await</a:t>
+            </a:r>
+          </a:p>
+          <a:p>
+            <a:pPr marL="0" indent="0">
+              <a:buNone/>
+            </a:pPr>
+            <a:endParaRPr lang="en-US" dirty="0" smtClean="0"/>
+          </a:p>
+          <a:p>
+            <a:pPr marL="0" indent="0">
+              <a:buNone/>
+            </a:pPr>
+            <a:endParaRPr lang="en-US" dirty="0"/>
+          </a:p>
+          <a:p>
+            <a:pPr marL="0" indent="0">
+              <a:buNone/>
+            </a:pPr>
+            <a:endParaRPr lang="en-US" dirty="0"/>
+          </a:p>
+        </p:txBody>
+      </p:sp>
+      <p:pic>
+        <p:nvPicPr>
+          <p:cNvPr id="4" name="Picture 3"/>
+          <p:cNvPicPr>
+            <a:picLocks noChangeAspect="1"/>
+          </p:cNvPicPr>
+          <p:nvPr/>
+        </p:nvPicPr>
+        <p:blipFill>
+          <a:blip r:embed="rId2"/>
+          <a:stretch>
+            <a:fillRect/>
+          </a:stretch>
+        </p:blipFill>
+        <p:spPr>
+          <a:xfrm>
+            <a:off x="1050760" y="2502569"/>
+            <a:ext cx="8859359" cy="1208095"/>
+          </a:xfrm>
+          <a:prstGeom prst="rect">
+            <a:avLst/>
+          </a:prstGeom>
+        </p:spPr>
+      </p:pic>
+    </p:spTree>
+    <p:extLst>
+      <p:ext uri="{BB962C8B-B14F-4D97-AF65-F5344CB8AC3E}">
+        <p14:creationId xmlns:p14="http://schemas.microsoft.com/office/powerpoint/2010/main" val="1218057866"/>
+      </p:ext>
+    </p:extLst>
+  </p:cSld>
+  <p:clrMapOvr>
+    <a:masterClrMapping/>
+  </p:clrMapOvr>
+  <p:timing>
+    <p:tnLst>
+      <p:par>
+        <p:cTn id="1" dur="indefinite" restart="never" nodeType="tmRoot"/>
+      </p:par>
+    </p:tnLst>
+  </p:timing>
+</p:sld>
+</file>
+
+<file path=ppt/slides/slide13.xml><?xml version="1.0" encoding="utf-8"?>
+<p:sld xmlns:a="http://schemas.openxmlformats.org/drawingml/2006/main" xmlns:r="http://schemas.openxmlformats.org/officeDocument/2006/relationships" xmlns:p="http://schemas.openxmlformats.org/presentationml/2006/main">
+  <p:cSld>
+    <p:spTree>
+      <p:nvGrpSpPr>
+        <p:cNvPr id="1" name=""/>
+        <p:cNvGrpSpPr/>
+        <p:nvPr/>
+      </p:nvGrpSpPr>
+      <p:grpSpPr>
+        <a:xfrm>
+          <a:off x="0" y="0"/>
+          <a:ext cx="0" cy="0"/>
+          <a:chOff x="0" y="0"/>
+          <a:chExt cx="0" cy="0"/>
+        </a:xfrm>
+      </p:grpSpPr>
+      <p:sp>
+        <p:nvSpPr>
+          <p:cNvPr id="2" name="Title 1"/>
+          <p:cNvSpPr>
+            <a:spLocks noGrp="1"/>
+          </p:cNvSpPr>
+          <p:nvPr>
+            <p:ph type="title"/>
+          </p:nvPr>
+        </p:nvSpPr>
+        <p:spPr/>
+        <p:txBody>
+          <a:bodyPr/>
+          <a:lstStyle/>
+          <a:p>
+            <a:r>
+              <a:rPr lang="en-US" dirty="0"/>
+              <a:t>Problem 1 – CPU Bound Operations</a:t>
+            </a:r>
+          </a:p>
+        </p:txBody>
+      </p:sp>
+      <p:sp>
+        <p:nvSpPr>
+          <p:cNvPr id="3" name="Content Placeholder 2"/>
+          <p:cNvSpPr>
+            <a:spLocks noGrp="1"/>
+          </p:cNvSpPr>
+          <p:nvPr>
+            <p:ph idx="1"/>
+          </p:nvPr>
+        </p:nvSpPr>
+        <p:spPr/>
+        <p:txBody>
+          <a:bodyPr/>
+          <a:lstStyle/>
+          <a:p>
+            <a:pPr marL="0" indent="0">
+              <a:buNone/>
+            </a:pPr>
+            <a:r>
+              <a:rPr lang="en-US" dirty="0" smtClean="0"/>
+              <a:t>See the code…</a:t>
+            </a:r>
+            <a:endParaRPr lang="en-US" dirty="0"/>
+          </a:p>
+        </p:txBody>
+      </p:sp>
+    </p:spTree>
+    <p:extLst>
+      <p:ext uri="{BB962C8B-B14F-4D97-AF65-F5344CB8AC3E}">
+        <p14:creationId xmlns:p14="http://schemas.microsoft.com/office/powerpoint/2010/main" val="3600046564"/>
+      </p:ext>
+    </p:extLst>
+  </p:cSld>
+  <p:clrMapOvr>
+    <a:masterClrMapping/>
+  </p:clrMapOvr>
+  <p:timing>
+    <p:tnLst>
+      <p:par>
+        <p:cTn id="1" dur="indefinite" restart="never" nodeType="tmRoot"/>
+      </p:par>
+    </p:tnLst>
+  </p:timing>
+</p:sld>
+</file>
+
+<file path=ppt/slides/slide14.xml><?xml version="1.0" encoding="utf-8"?>
+<p:sld xmlns:a="http://schemas.openxmlformats.org/drawingml/2006/main" xmlns:r="http://schemas.openxmlformats.org/officeDocument/2006/relationships" xmlns:p="http://schemas.openxmlformats.org/presentationml/2006/main">
+  <p:cSld>
+    <p:spTree>
+      <p:nvGrpSpPr>
+        <p:cNvPr id="1" name=""/>
+        <p:cNvGrpSpPr/>
+        <p:nvPr/>
+      </p:nvGrpSpPr>
+      <p:grpSpPr>
+        <a:xfrm>
+          <a:off x="0" y="0"/>
+          <a:ext cx="0" cy="0"/>
+          <a:chOff x="0" y="0"/>
+          <a:chExt cx="0" cy="0"/>
+        </a:xfrm>
+      </p:grpSpPr>
+      <p:sp>
+        <p:nvSpPr>
+          <p:cNvPr id="2" name="Title 1"/>
+          <p:cNvSpPr>
+            <a:spLocks noGrp="1"/>
+          </p:cNvSpPr>
+          <p:nvPr>
+            <p:ph type="title"/>
+          </p:nvPr>
+        </p:nvSpPr>
+        <p:spPr/>
+        <p:txBody>
+          <a:bodyPr/>
+          <a:lstStyle/>
+          <a:p>
+            <a:r>
+              <a:rPr lang="en-US" dirty="0" smtClean="0"/>
               <a:t>Problem 1 – CPU Bound Operations</a:t>
             </a:r>
             <a:endParaRPr lang="en-US" dirty="0"/>
@@ -4423,7 +5005,7 @@
 </p:sld>
 </file>
 
-<file path=ppt/slides/slide11.xml><?xml version="1.0" encoding="utf-8"?>
+<file path=ppt/slides/slide15.xml><?xml version="1.0" encoding="utf-8"?>
 <p:sld xmlns:a="http://schemas.openxmlformats.org/drawingml/2006/main" xmlns:r="http://schemas.openxmlformats.org/officeDocument/2006/relationships" xmlns:p="http://schemas.openxmlformats.org/presentationml/2006/main">
   <p:cSld>
     <p:spTree>
@@ -4538,7 +5120,7 @@
 </p:sld>
 </file>
 
-<file path=ppt/slides/slide12.xml><?xml version="1.0" encoding="utf-8"?>
+<file path=ppt/slides/slide16.xml><?xml version="1.0" encoding="utf-8"?>
 <p:sld xmlns:a="http://schemas.openxmlformats.org/drawingml/2006/main" xmlns:r="http://schemas.openxmlformats.org/officeDocument/2006/relationships" xmlns:p="http://schemas.openxmlformats.org/presentationml/2006/main">
   <p:cSld>
     <p:spTree>
@@ -4668,7 +5250,92 @@
 </p:sld>
 </file>
 
-<file path=ppt/slides/slide13.xml><?xml version="1.0" encoding="utf-8"?>
+<file path=ppt/slides/slide17.xml><?xml version="1.0" encoding="utf-8"?>
+<p:sld xmlns:a="http://schemas.openxmlformats.org/drawingml/2006/main" xmlns:r="http://schemas.openxmlformats.org/officeDocument/2006/relationships" xmlns:p="http://schemas.openxmlformats.org/presentationml/2006/main">
+  <p:cSld>
+    <p:spTree>
+      <p:nvGrpSpPr>
+        <p:cNvPr id="1" name=""/>
+        <p:cNvGrpSpPr/>
+        <p:nvPr/>
+      </p:nvGrpSpPr>
+      <p:grpSpPr>
+        <a:xfrm>
+          <a:off x="0" y="0"/>
+          <a:ext cx="0" cy="0"/>
+          <a:chOff x="0" y="0"/>
+          <a:chExt cx="0" cy="0"/>
+        </a:xfrm>
+      </p:grpSpPr>
+      <p:sp>
+        <p:nvSpPr>
+          <p:cNvPr id="2" name="Title 1"/>
+          <p:cNvSpPr>
+            <a:spLocks noGrp="1"/>
+          </p:cNvSpPr>
+          <p:nvPr>
+            <p:ph type="title"/>
+          </p:nvPr>
+        </p:nvSpPr>
+        <p:spPr/>
+        <p:txBody>
+          <a:bodyPr/>
+          <a:lstStyle/>
+          <a:p>
+            <a:r>
+              <a:rPr lang="en-US" dirty="0"/>
+              <a:t>Problem 2 – Storage Read with CPU</a:t>
+            </a:r>
+          </a:p>
+        </p:txBody>
+      </p:sp>
+      <p:sp>
+        <p:nvSpPr>
+          <p:cNvPr id="3" name="Content Placeholder 2"/>
+          <p:cNvSpPr>
+            <a:spLocks noGrp="1"/>
+          </p:cNvSpPr>
+          <p:nvPr>
+            <p:ph idx="1"/>
+          </p:nvPr>
+        </p:nvSpPr>
+        <p:spPr/>
+        <p:txBody>
+          <a:bodyPr/>
+          <a:lstStyle/>
+          <a:p>
+            <a:pPr marL="0" indent="0">
+              <a:buNone/>
+            </a:pPr>
+            <a:r>
+              <a:rPr lang="en-US" dirty="0" smtClean="0"/>
+              <a:t>See the code…</a:t>
+            </a:r>
+            <a:endParaRPr lang="en-US" dirty="0"/>
+          </a:p>
+        </p:txBody>
+      </p:sp>
+    </p:spTree>
+    <p:extLst>
+      <p:ext uri="{BB962C8B-B14F-4D97-AF65-F5344CB8AC3E}">
+        <p14:creationId xmlns:p14="http://schemas.microsoft.com/office/powerpoint/2010/main" val="1066176034"/>
+      </p:ext>
+    </p:extLst>
+  </p:cSld>
+  <p:clrMapOvr>
+    <a:masterClrMapping/>
+  </p:clrMapOvr>
+  <p:timing>
+    <p:tnLst>
+      <p:par>
+        <p:cTn id="1" dur="indefinite" restart="never" nodeType="tmRoot"/>
+      </p:par>
+    </p:tnLst>
+  </p:timing>
+</p:sld>
+</file>
+
+<file path=ppt/slides/slide18.xml><?xml version="1.0" encoding="utf-8"?>
 <p:sld xmlns:a="http://schemas.openxmlformats.org/drawingml/2006/main" xmlns:r="http://schemas.openxmlformats.org/officeDocument/2006/relationships" xmlns:p="http://schemas.openxmlformats.org/presentationml/2006/main">
   <p:cSld>
     <p:spTree>
@@ -6560,7 +7227,7 @@
 </p:sld>
 </file>
 
-<file path=ppt/slides/slide14.xml><?xml version="1.0" encoding="utf-8"?>
+<file path=ppt/slides/slide19.xml><?xml version="1.0" encoding="utf-8"?>
 <p:sld xmlns:a="http://schemas.openxmlformats.org/drawingml/2006/main" xmlns:r="http://schemas.openxmlformats.org/officeDocument/2006/relationships" xmlns:p="http://schemas.openxmlformats.org/presentationml/2006/main">
   <p:cSld>
     <p:spTree>
@@ -6675,7 +7342,307 @@
 </p:sld>
 </file>
 
-<file path=ppt/slides/slide15.xml><?xml version="1.0" encoding="utf-8"?>
+<file path=ppt/slides/slide2.xml><?xml version="1.0" encoding="utf-8"?>
+<p:sld xmlns:a="http://schemas.openxmlformats.org/drawingml/2006/main" xmlns:r="http://schemas.openxmlformats.org/officeDocument/2006/relationships" xmlns:p="http://schemas.openxmlformats.org/presentationml/2006/main">
+  <p:cSld>
+    <p:spTree>
+      <p:nvGrpSpPr>
+        <p:cNvPr id="1" name=""/>
+        <p:cNvGrpSpPr/>
+        <p:nvPr/>
+      </p:nvGrpSpPr>
+      <p:grpSpPr>
+        <a:xfrm>
+          <a:off x="0" y="0"/>
+          <a:ext cx="0" cy="0"/>
+          <a:chOff x="0" y="0"/>
+          <a:chExt cx="0" cy="0"/>
+        </a:xfrm>
+      </p:grpSpPr>
+      <p:sp>
+        <p:nvSpPr>
+          <p:cNvPr id="2" name="Title 1"/>
+          <p:cNvSpPr>
+            <a:spLocks noGrp="1"/>
+          </p:cNvSpPr>
+          <p:nvPr>
+            <p:ph type="title"/>
+          </p:nvPr>
+        </p:nvSpPr>
+        <p:spPr/>
+        <p:txBody>
+          <a:bodyPr/>
+          <a:lstStyle/>
+          <a:p>
+            <a:r>
+              <a:rPr lang="en-US" dirty="0" smtClean="0"/>
+              <a:t>What is Scalability?</a:t>
+            </a:r>
+            <a:endParaRPr lang="en-US" dirty="0"/>
+          </a:p>
+        </p:txBody>
+      </p:sp>
+      <p:graphicFrame>
+        <p:nvGraphicFramePr>
+          <p:cNvPr id="4" name="Content Placeholder 3"/>
+          <p:cNvGraphicFramePr>
+            <a:graphicFrameLocks noGrp="1"/>
+          </p:cNvGraphicFramePr>
+          <p:nvPr>
+            <p:ph idx="1"/>
+            <p:extLst>
+              <p:ext uri="{D42A27DB-BD31-4B8C-83A1-F6EECF244321}">
+                <p14:modId xmlns:p14="http://schemas.microsoft.com/office/powerpoint/2010/main" val="3588982039"/>
+              </p:ext>
+            </p:extLst>
+          </p:nvPr>
+        </p:nvGraphicFramePr>
+        <p:xfrm>
+          <a:off x="838200" y="1825625"/>
+          <a:ext cx="10515600" cy="3017520"/>
+        </p:xfrm>
+        <a:graphic>
+          <a:graphicData uri="http://schemas.openxmlformats.org/drawingml/2006/table">
+            <a:tbl>
+              <a:tblPr firstRow="1" bandRow="1">
+                <a:tableStyleId>{5C22544A-7EE6-4342-B048-85BDC9FD1C3A}</a:tableStyleId>
+              </a:tblPr>
+              <a:tblGrid>
+                <a:gridCol w="5257800"/>
+                <a:gridCol w="5257800"/>
+              </a:tblGrid>
+              <a:tr h="370840">
+                <a:tc>
+                  <a:txBody>
+                    <a:bodyPr/>
+                    <a:lstStyle/>
+                    <a:p>
+                      <a:pPr marL="0" indent="0">
+                        <a:buNone/>
+                      </a:pPr>
+                      <a:r>
+                        <a:rPr lang="en-US" b="0" dirty="0" smtClean="0"/>
+                        <a:t>Writing better or more performant code</a:t>
+                      </a:r>
+                      <a:endParaRPr lang="en-US" b="0" dirty="0"/>
+                    </a:p>
+                  </a:txBody>
+                  <a:tcPr/>
+                </a:tc>
+                <a:tc>
+                  <a:txBody>
+                    <a:bodyPr/>
+                    <a:lstStyle/>
+                    <a:p>
+                      <a:pPr marL="285750" indent="-285750">
+                        <a:buFont typeface="Arial" panose="020B0604020202020204" pitchFamily="34" charset="0"/>
+                        <a:buChar char="•"/>
+                      </a:pPr>
+                      <a:r>
+                        <a:rPr lang="en-US" b="0" dirty="0" smtClean="0"/>
+                        <a:t>Thoughtful,</a:t>
+                      </a:r>
+                      <a:r>
+                        <a:rPr lang="en-US" b="0" baseline="0" dirty="0" smtClean="0"/>
+                        <a:t> efficient code</a:t>
+                      </a:r>
+                    </a:p>
+                    <a:p>
+                      <a:pPr marL="285750" indent="-285750">
+                        <a:buFont typeface="Arial" panose="020B0604020202020204" pitchFamily="34" charset="0"/>
+                        <a:buChar char="•"/>
+                      </a:pPr>
+                      <a:r>
+                        <a:rPr lang="en-US" b="0" baseline="0" dirty="0" smtClean="0"/>
+                        <a:t>Asynchronous programming</a:t>
+                      </a:r>
+                    </a:p>
+                    <a:p>
+                      <a:pPr marL="285750" indent="-285750">
+                        <a:buFont typeface="Arial" panose="020B0604020202020204" pitchFamily="34" charset="0"/>
+                        <a:buChar char="•"/>
+                      </a:pPr>
+                      <a:r>
+                        <a:rPr lang="en-US" b="0" baseline="0" dirty="0" smtClean="0"/>
+                        <a:t>Parallelism</a:t>
+                      </a:r>
+                      <a:endParaRPr lang="en-US" b="0" dirty="0"/>
+                    </a:p>
+                  </a:txBody>
+                  <a:tcPr/>
+                </a:tc>
+              </a:tr>
+              <a:tr h="370840">
+                <a:tc>
+                  <a:txBody>
+                    <a:bodyPr/>
+                    <a:lstStyle/>
+                    <a:p>
+                      <a:r>
+                        <a:rPr lang="en-US" dirty="0" smtClean="0"/>
+                        <a:t>Implementing improved</a:t>
+                      </a:r>
+                      <a:r>
+                        <a:rPr lang="en-US" baseline="0" dirty="0" smtClean="0"/>
+                        <a:t> architecture or design</a:t>
+                      </a:r>
+                      <a:endParaRPr lang="en-US" dirty="0"/>
+                    </a:p>
+                  </a:txBody>
+                  <a:tcPr/>
+                </a:tc>
+                <a:tc>
+                  <a:txBody>
+                    <a:bodyPr/>
+                    <a:lstStyle/>
+                    <a:p>
+                      <a:pPr marL="285750" indent="-285750">
+                        <a:buFont typeface="Arial" panose="020B0604020202020204" pitchFamily="34" charset="0"/>
+                        <a:buChar char="•"/>
+                      </a:pPr>
+                      <a:r>
+                        <a:rPr lang="en-US" dirty="0" smtClean="0"/>
+                        <a:t>Data</a:t>
+                      </a:r>
+                      <a:r>
+                        <a:rPr lang="en-US" baseline="0" dirty="0" smtClean="0"/>
+                        <a:t> / calculation storage</a:t>
+                      </a:r>
+                    </a:p>
+                    <a:p>
+                      <a:pPr marL="285750" indent="-285750">
+                        <a:buFont typeface="Arial" panose="020B0604020202020204" pitchFamily="34" charset="0"/>
+                        <a:buChar char="•"/>
+                      </a:pPr>
+                      <a:r>
+                        <a:rPr lang="en-US" baseline="0" dirty="0" smtClean="0"/>
+                        <a:t>Disconnected / </a:t>
+                      </a:r>
+                      <a:r>
+                        <a:rPr lang="en-US" baseline="0" dirty="0" err="1" smtClean="0"/>
+                        <a:t>async</a:t>
+                      </a:r>
+                      <a:r>
+                        <a:rPr lang="en-US" baseline="0" dirty="0" smtClean="0"/>
+                        <a:t> processing</a:t>
+                      </a:r>
+                    </a:p>
+                    <a:p>
+                      <a:pPr marL="285750" indent="-285750">
+                        <a:buFont typeface="Arial" panose="020B0604020202020204" pitchFamily="34" charset="0"/>
+                        <a:buChar char="•"/>
+                      </a:pPr>
+                      <a:r>
+                        <a:rPr lang="en-US" baseline="0" dirty="0" smtClean="0"/>
+                        <a:t>Caching</a:t>
+                      </a:r>
+                    </a:p>
+                    <a:p>
+                      <a:pPr marL="285750" indent="-285750">
+                        <a:buFont typeface="Arial" panose="020B0604020202020204" pitchFamily="34" charset="0"/>
+                        <a:buChar char="•"/>
+                      </a:pPr>
+                      <a:r>
+                        <a:rPr lang="en-US" baseline="0" dirty="0" smtClean="0"/>
+                        <a:t>Compression</a:t>
+                      </a:r>
+                      <a:endParaRPr lang="en-US" dirty="0"/>
+                    </a:p>
+                  </a:txBody>
+                  <a:tcPr/>
+                </a:tc>
+              </a:tr>
+              <a:tr h="370840">
+                <a:tc>
+                  <a:txBody>
+                    <a:bodyPr/>
+                    <a:lstStyle/>
+                    <a:p>
+                      <a:r>
+                        <a:rPr lang="en-US" dirty="0" smtClean="0"/>
+                        <a:t>Hardware or environment</a:t>
+                      </a:r>
+                      <a:r>
+                        <a:rPr lang="en-US" baseline="0" dirty="0" smtClean="0"/>
+                        <a:t> solutions</a:t>
+                      </a:r>
+                      <a:endParaRPr lang="en-US" dirty="0"/>
+                    </a:p>
+                  </a:txBody>
+                  <a:tcPr/>
+                </a:tc>
+                <a:tc>
+                  <a:txBody>
+                    <a:bodyPr/>
+                    <a:lstStyle/>
+                    <a:p>
+                      <a:pPr marL="285750" indent="-285750">
+                        <a:buFont typeface="Arial" panose="020B0604020202020204" pitchFamily="34" charset="0"/>
+                        <a:buChar char="•"/>
+                      </a:pPr>
+                      <a:r>
+                        <a:rPr lang="en-US" dirty="0" smtClean="0"/>
+                        <a:t>Data center considerations</a:t>
+                      </a:r>
+                    </a:p>
+                    <a:p>
+                      <a:pPr marL="285750" indent="-285750">
+                        <a:buFont typeface="Arial" panose="020B0604020202020204" pitchFamily="34" charset="0"/>
+                        <a:buChar char="•"/>
+                      </a:pPr>
+                      <a:r>
+                        <a:rPr lang="en-US" dirty="0" smtClean="0"/>
+                        <a:t>Scale</a:t>
+                      </a:r>
+                      <a:r>
+                        <a:rPr lang="en-US" baseline="0" dirty="0" smtClean="0"/>
+                        <a:t> </a:t>
+                      </a:r>
+                      <a:r>
+                        <a:rPr lang="en-US" baseline="0" dirty="0" smtClean="0"/>
+                        <a:t>up</a:t>
+                      </a:r>
+                    </a:p>
+                    <a:p>
+                      <a:pPr marL="285750" indent="-285750">
+                        <a:buFont typeface="Arial" panose="020B0604020202020204" pitchFamily="34" charset="0"/>
+                        <a:buChar char="•"/>
+                      </a:pPr>
+                      <a:r>
+                        <a:rPr lang="en-US" baseline="0" dirty="0" smtClean="0"/>
+                        <a:t>Scale out</a:t>
+                      </a:r>
+                      <a:endParaRPr lang="en-US" dirty="0"/>
+                    </a:p>
+                  </a:txBody>
+                  <a:tcPr/>
+                </a:tc>
+              </a:tr>
+            </a:tbl>
+          </a:graphicData>
+        </a:graphic>
+      </p:graphicFrame>
+    </p:spTree>
+    <p:extLst>
+      <p:ext uri="{BB962C8B-B14F-4D97-AF65-F5344CB8AC3E}">
+        <p14:creationId xmlns:p14="http://schemas.microsoft.com/office/powerpoint/2010/main" val="2081422526"/>
+      </p:ext>
+    </p:extLst>
+  </p:cSld>
+  <p:clrMapOvr>
+    <a:masterClrMapping/>
+  </p:clrMapOvr>
+  <p:timing>
+    <p:tnLst>
+      <p:par>
+        <p:cTn id="1" dur="indefinite" restart="never" nodeType="tmRoot"/>
+      </p:par>
+    </p:tnLst>
+  </p:timing>
+</p:sld>
+</file>
+
+<file path=ppt/slides/slide20.xml><?xml version="1.0" encoding="utf-8"?>
 <p:sld xmlns:a="http://schemas.openxmlformats.org/drawingml/2006/main" xmlns:r="http://schemas.openxmlformats.org/officeDocument/2006/relationships" xmlns:p="http://schemas.openxmlformats.org/presentationml/2006/main">
   <p:cSld>
     <p:spTree>
@@ -6820,7 +7787,92 @@
 </p:sld>
 </file>
 
-<file path=ppt/slides/slide16.xml><?xml version="1.0" encoding="utf-8"?>
+<file path=ppt/slides/slide21.xml><?xml version="1.0" encoding="utf-8"?>
+<p:sld xmlns:a="http://schemas.openxmlformats.org/drawingml/2006/main" xmlns:r="http://schemas.openxmlformats.org/officeDocument/2006/relationships" xmlns:p="http://schemas.openxmlformats.org/presentationml/2006/main">
+  <p:cSld>
+    <p:spTree>
+      <p:nvGrpSpPr>
+        <p:cNvPr id="1" name=""/>
+        <p:cNvGrpSpPr/>
+        <p:nvPr/>
+      </p:nvGrpSpPr>
+      <p:grpSpPr>
+        <a:xfrm>
+          <a:off x="0" y="0"/>
+          <a:ext cx="0" cy="0"/>
+          <a:chOff x="0" y="0"/>
+          <a:chExt cx="0" cy="0"/>
+        </a:xfrm>
+      </p:grpSpPr>
+      <p:sp>
+        <p:nvSpPr>
+          <p:cNvPr id="2" name="Title 1"/>
+          <p:cNvSpPr>
+            <a:spLocks noGrp="1"/>
+          </p:cNvSpPr>
+          <p:nvPr>
+            <p:ph type="title"/>
+          </p:nvPr>
+        </p:nvSpPr>
+        <p:spPr/>
+        <p:txBody>
+          <a:bodyPr/>
+          <a:lstStyle/>
+          <a:p>
+            <a:r>
+              <a:rPr lang="en-US" dirty="0"/>
+              <a:t>Problem 3 – Large Dataset Calculations</a:t>
+            </a:r>
+          </a:p>
+        </p:txBody>
+      </p:sp>
+      <p:sp>
+        <p:nvSpPr>
+          <p:cNvPr id="3" name="Content Placeholder 2"/>
+          <p:cNvSpPr>
+            <a:spLocks noGrp="1"/>
+          </p:cNvSpPr>
+          <p:nvPr>
+            <p:ph idx="1"/>
+          </p:nvPr>
+        </p:nvSpPr>
+        <p:spPr/>
+        <p:txBody>
+          <a:bodyPr/>
+          <a:lstStyle/>
+          <a:p>
+            <a:pPr marL="0" indent="0">
+              <a:buNone/>
+            </a:pPr>
+            <a:r>
+              <a:rPr lang="en-US" dirty="0" smtClean="0"/>
+              <a:t>See the code…</a:t>
+            </a:r>
+            <a:endParaRPr lang="en-US" dirty="0"/>
+          </a:p>
+        </p:txBody>
+      </p:sp>
+    </p:spTree>
+    <p:extLst>
+      <p:ext uri="{BB962C8B-B14F-4D97-AF65-F5344CB8AC3E}">
+        <p14:creationId xmlns:p14="http://schemas.microsoft.com/office/powerpoint/2010/main" val="765877599"/>
+      </p:ext>
+    </p:extLst>
+  </p:cSld>
+  <p:clrMapOvr>
+    <a:masterClrMapping/>
+  </p:clrMapOvr>
+  <p:timing>
+    <p:tnLst>
+      <p:par>
+        <p:cTn id="1" dur="indefinite" restart="never" nodeType="tmRoot"/>
+      </p:par>
+    </p:tnLst>
+  </p:timing>
+</p:sld>
+</file>
+
+<file path=ppt/slides/slide22.xml><?xml version="1.0" encoding="utf-8"?>
 <p:sld xmlns:a="http://schemas.openxmlformats.org/drawingml/2006/main" xmlns:r="http://schemas.openxmlformats.org/officeDocument/2006/relationships" xmlns:p="http://schemas.openxmlformats.org/presentationml/2006/main">
   <p:cSld>
     <p:spTree>
@@ -7745,7 +8797,7 @@
 </p:sld>
 </file>
 
-<file path=ppt/slides/slide17.xml><?xml version="1.0" encoding="utf-8"?>
+<file path=ppt/slides/slide23.xml><?xml version="1.0" encoding="utf-8"?>
 <p:sld xmlns:a="http://schemas.openxmlformats.org/drawingml/2006/main" xmlns:r="http://schemas.openxmlformats.org/officeDocument/2006/relationships" xmlns:p="http://schemas.openxmlformats.org/presentationml/2006/main">
   <p:cSld>
     <p:spTree>
@@ -7908,7 +8960,92 @@
 </p:sld>
 </file>
 
-<file path=ppt/slides/slide18.xml><?xml version="1.0" encoding="utf-8"?>
+<file path=ppt/slides/slide24.xml><?xml version="1.0" encoding="utf-8"?>
+<p:sld xmlns:a="http://schemas.openxmlformats.org/drawingml/2006/main" xmlns:r="http://schemas.openxmlformats.org/officeDocument/2006/relationships" xmlns:p="http://schemas.openxmlformats.org/presentationml/2006/main">
+  <p:cSld>
+    <p:spTree>
+      <p:nvGrpSpPr>
+        <p:cNvPr id="1" name=""/>
+        <p:cNvGrpSpPr/>
+        <p:nvPr/>
+      </p:nvGrpSpPr>
+      <p:grpSpPr>
+        <a:xfrm>
+          <a:off x="0" y="0"/>
+          <a:ext cx="0" cy="0"/>
+          <a:chOff x="0" y="0"/>
+          <a:chExt cx="0" cy="0"/>
+        </a:xfrm>
+      </p:grpSpPr>
+      <p:sp>
+        <p:nvSpPr>
+          <p:cNvPr id="2" name="Title 1"/>
+          <p:cNvSpPr>
+            <a:spLocks noGrp="1"/>
+          </p:cNvSpPr>
+          <p:nvPr>
+            <p:ph type="title"/>
+          </p:nvPr>
+        </p:nvSpPr>
+        <p:spPr/>
+        <p:txBody>
+          <a:bodyPr/>
+          <a:lstStyle/>
+          <a:p>
+            <a:r>
+              <a:rPr lang="en-US" dirty="0"/>
+              <a:t>Problem 4 – Storage Bound Operations</a:t>
+            </a:r>
+          </a:p>
+        </p:txBody>
+      </p:sp>
+      <p:sp>
+        <p:nvSpPr>
+          <p:cNvPr id="3" name="Content Placeholder 2"/>
+          <p:cNvSpPr>
+            <a:spLocks noGrp="1"/>
+          </p:cNvSpPr>
+          <p:nvPr>
+            <p:ph idx="1"/>
+          </p:nvPr>
+        </p:nvSpPr>
+        <p:spPr/>
+        <p:txBody>
+          <a:bodyPr/>
+          <a:lstStyle/>
+          <a:p>
+            <a:pPr marL="0" indent="0">
+              <a:buNone/>
+            </a:pPr>
+            <a:r>
+              <a:rPr lang="en-US" dirty="0" smtClean="0"/>
+              <a:t>See the code…</a:t>
+            </a:r>
+            <a:endParaRPr lang="en-US" dirty="0"/>
+          </a:p>
+        </p:txBody>
+      </p:sp>
+    </p:spTree>
+    <p:extLst>
+      <p:ext uri="{BB962C8B-B14F-4D97-AF65-F5344CB8AC3E}">
+        <p14:creationId xmlns:p14="http://schemas.microsoft.com/office/powerpoint/2010/main" val="1147843867"/>
+      </p:ext>
+    </p:extLst>
+  </p:cSld>
+  <p:clrMapOvr>
+    <a:masterClrMapping/>
+  </p:clrMapOvr>
+  <p:timing>
+    <p:tnLst>
+      <p:par>
+        <p:cTn id="1" dur="indefinite" restart="never" nodeType="tmRoot"/>
+      </p:par>
+    </p:tnLst>
+  </p:timing>
+</p:sld>
+</file>
+
+<file path=ppt/slides/slide25.xml><?xml version="1.0" encoding="utf-8"?>
 <p:sld xmlns:a="http://schemas.openxmlformats.org/drawingml/2006/main" xmlns:r="http://schemas.openxmlformats.org/officeDocument/2006/relationships" xmlns:p="http://schemas.openxmlformats.org/presentationml/2006/main">
   <p:cSld>
     <p:spTree>
@@ -8383,7 +9520,7 @@
 </p:sld>
 </file>
 
-<file path=ppt/slides/slide19.xml><?xml version="1.0" encoding="utf-8"?>
+<file path=ppt/slides/slide26.xml><?xml version="1.0" encoding="utf-8"?>
 <p:sld xmlns:a="http://schemas.openxmlformats.org/drawingml/2006/main" xmlns:r="http://schemas.openxmlformats.org/officeDocument/2006/relationships" xmlns:p="http://schemas.openxmlformats.org/presentationml/2006/main">
   <p:cSld>
     <p:spTree>
@@ -8533,293 +9670,7 @@
 </p:sld>
 </file>
 
-<file path=ppt/slides/slide2.xml><?xml version="1.0" encoding="utf-8"?>
-<p:sld xmlns:a="http://schemas.openxmlformats.org/drawingml/2006/main" xmlns:r="http://schemas.openxmlformats.org/officeDocument/2006/relationships" xmlns:p="http://schemas.openxmlformats.org/presentationml/2006/main">
-  <p:cSld>
-    <p:spTree>
-      <p:nvGrpSpPr>
-        <p:cNvPr id="1" name=""/>
-        <p:cNvGrpSpPr/>
-        <p:nvPr/>
-      </p:nvGrpSpPr>
-      <p:grpSpPr>
-        <a:xfrm>
-          <a:off x="0" y="0"/>
-          <a:ext cx="0" cy="0"/>
-          <a:chOff x="0" y="0"/>
-          <a:chExt cx="0" cy="0"/>
-        </a:xfrm>
-      </p:grpSpPr>
-      <p:sp>
-        <p:nvSpPr>
-          <p:cNvPr id="2" name="Title 1"/>
-          <p:cNvSpPr>
-            <a:spLocks noGrp="1"/>
-          </p:cNvSpPr>
-          <p:nvPr>
-            <p:ph type="title"/>
-          </p:nvPr>
-        </p:nvSpPr>
-        <p:spPr/>
-        <p:txBody>
-          <a:bodyPr/>
-          <a:lstStyle/>
-          <a:p>
-            <a:r>
-              <a:rPr lang="en-US" dirty="0" smtClean="0"/>
-              <a:t>What is Scalability?</a:t>
-            </a:r>
-            <a:endParaRPr lang="en-US" dirty="0"/>
-          </a:p>
-        </p:txBody>
-      </p:sp>
-      <p:graphicFrame>
-        <p:nvGraphicFramePr>
-          <p:cNvPr id="4" name="Content Placeholder 3"/>
-          <p:cNvGraphicFramePr>
-            <a:graphicFrameLocks noGrp="1"/>
-          </p:cNvGraphicFramePr>
-          <p:nvPr>
-            <p:ph idx="1"/>
-            <p:extLst>
-              <p:ext uri="{D42A27DB-BD31-4B8C-83A1-F6EECF244321}">
-                <p14:modId xmlns:p14="http://schemas.microsoft.com/office/powerpoint/2010/main" val="776125929"/>
-              </p:ext>
-            </p:extLst>
-          </p:nvPr>
-        </p:nvGraphicFramePr>
-        <p:xfrm>
-          <a:off x="838200" y="1825625"/>
-          <a:ext cx="10515600" cy="2743200"/>
-        </p:xfrm>
-        <a:graphic>
-          <a:graphicData uri="http://schemas.openxmlformats.org/drawingml/2006/table">
-            <a:tbl>
-              <a:tblPr firstRow="1" bandRow="1">
-                <a:tableStyleId>{5C22544A-7EE6-4342-B048-85BDC9FD1C3A}</a:tableStyleId>
-              </a:tblPr>
-              <a:tblGrid>
-                <a:gridCol w="5257800"/>
-                <a:gridCol w="5257800"/>
-              </a:tblGrid>
-              <a:tr h="370840">
-                <a:tc>
-                  <a:txBody>
-                    <a:bodyPr/>
-                    <a:lstStyle/>
-                    <a:p>
-                      <a:pPr marL="0" indent="0">
-                        <a:buNone/>
-                      </a:pPr>
-                      <a:r>
-                        <a:rPr lang="en-US" dirty="0" smtClean="0"/>
-                        <a:t>Writing better or more performant code</a:t>
-                      </a:r>
-                      <a:endParaRPr lang="en-US" dirty="0"/>
-                    </a:p>
-                  </a:txBody>
-                  <a:tcPr/>
-                </a:tc>
-                <a:tc>
-                  <a:txBody>
-                    <a:bodyPr/>
-                    <a:lstStyle/>
-                    <a:p>
-                      <a:pPr marL="285750" indent="-285750">
-                        <a:buFont typeface="Arial" panose="020B0604020202020204" pitchFamily="34" charset="0"/>
-                        <a:buChar char="•"/>
-                      </a:pPr>
-                      <a:r>
-                        <a:rPr lang="en-US" dirty="0" smtClean="0"/>
-                        <a:t>Thoughtful,</a:t>
-                      </a:r>
-                      <a:r>
-                        <a:rPr lang="en-US" baseline="0" dirty="0" smtClean="0"/>
-                        <a:t> efficient code</a:t>
-                      </a:r>
-                    </a:p>
-                    <a:p>
-                      <a:pPr marL="285750" indent="-285750">
-                        <a:buFont typeface="Arial" panose="020B0604020202020204" pitchFamily="34" charset="0"/>
-                        <a:buChar char="•"/>
-                      </a:pPr>
-                      <a:r>
-                        <a:rPr lang="en-US" baseline="0" dirty="0" smtClean="0"/>
-                        <a:t>Asynchronous programming</a:t>
-                      </a:r>
-                    </a:p>
-                    <a:p>
-                      <a:pPr marL="285750" indent="-285750">
-                        <a:buFont typeface="Arial" panose="020B0604020202020204" pitchFamily="34" charset="0"/>
-                        <a:buChar char="•"/>
-                      </a:pPr>
-                      <a:r>
-                        <a:rPr lang="en-US" baseline="0" dirty="0" smtClean="0"/>
-                        <a:t>Parallelism</a:t>
-                      </a:r>
-                      <a:endParaRPr lang="en-US" dirty="0"/>
-                    </a:p>
-                  </a:txBody>
-                  <a:tcPr/>
-                </a:tc>
-              </a:tr>
-              <a:tr h="370840">
-                <a:tc>
-                  <a:txBody>
-                    <a:bodyPr/>
-                    <a:lstStyle/>
-                    <a:p>
-                      <a:r>
-                        <a:rPr lang="en-US" dirty="0" smtClean="0"/>
-                        <a:t>Implementing improved</a:t>
-                      </a:r>
-                      <a:r>
-                        <a:rPr lang="en-US" baseline="0" dirty="0" smtClean="0"/>
-                        <a:t> architecture or design</a:t>
-                      </a:r>
-                      <a:endParaRPr lang="en-US" dirty="0"/>
-                    </a:p>
-                  </a:txBody>
-                  <a:tcPr/>
-                </a:tc>
-                <a:tc>
-                  <a:txBody>
-                    <a:bodyPr/>
-                    <a:lstStyle/>
-                    <a:p>
-                      <a:pPr marL="285750" indent="-285750">
-                        <a:buFont typeface="Arial" panose="020B0604020202020204" pitchFamily="34" charset="0"/>
-                        <a:buChar char="•"/>
-                      </a:pPr>
-                      <a:r>
-                        <a:rPr lang="en-US" dirty="0" smtClean="0"/>
-                        <a:t>Data</a:t>
-                      </a:r>
-                      <a:r>
-                        <a:rPr lang="en-US" baseline="0" dirty="0" smtClean="0"/>
-                        <a:t> / calculation storage</a:t>
-                      </a:r>
-                    </a:p>
-                    <a:p>
-                      <a:pPr marL="285750" indent="-285750">
-                        <a:buFont typeface="Arial" panose="020B0604020202020204" pitchFamily="34" charset="0"/>
-                        <a:buChar char="•"/>
-                      </a:pPr>
-                      <a:r>
-                        <a:rPr lang="en-US" baseline="0" dirty="0" smtClean="0"/>
-                        <a:t>Disconnected / </a:t>
-                      </a:r>
-                      <a:r>
-                        <a:rPr lang="en-US" baseline="0" dirty="0" err="1" smtClean="0"/>
-                        <a:t>async</a:t>
-                      </a:r>
-                      <a:r>
-                        <a:rPr lang="en-US" baseline="0" dirty="0" smtClean="0"/>
-                        <a:t> processing</a:t>
-                      </a:r>
-                    </a:p>
-                    <a:p>
-                      <a:pPr marL="285750" indent="-285750">
-                        <a:buFont typeface="Arial" panose="020B0604020202020204" pitchFamily="34" charset="0"/>
-                        <a:buChar char="•"/>
-                      </a:pPr>
-                      <a:r>
-                        <a:rPr lang="en-US" baseline="0" dirty="0" smtClean="0"/>
-                        <a:t>Caching</a:t>
-                      </a:r>
-                    </a:p>
-                    <a:p>
-                      <a:pPr marL="285750" indent="-285750">
-                        <a:buFont typeface="Arial" panose="020B0604020202020204" pitchFamily="34" charset="0"/>
-                        <a:buChar char="•"/>
-                      </a:pPr>
-                      <a:r>
-                        <a:rPr lang="en-US" baseline="0" dirty="0" smtClean="0"/>
-                        <a:t>Compression</a:t>
-                      </a:r>
-                      <a:endParaRPr lang="en-US" dirty="0"/>
-                    </a:p>
-                  </a:txBody>
-                  <a:tcPr/>
-                </a:tc>
-              </a:tr>
-              <a:tr h="370840">
-                <a:tc>
-                  <a:txBody>
-                    <a:bodyPr/>
-                    <a:lstStyle/>
-                    <a:p>
-                      <a:r>
-                        <a:rPr lang="en-US" dirty="0" smtClean="0"/>
-                        <a:t>Hardware or environment</a:t>
-                      </a:r>
-                      <a:r>
-                        <a:rPr lang="en-US" baseline="0" dirty="0" smtClean="0"/>
-                        <a:t> solutions</a:t>
-                      </a:r>
-                      <a:endParaRPr lang="en-US" dirty="0"/>
-                    </a:p>
-                  </a:txBody>
-                  <a:tcPr/>
-                </a:tc>
-                <a:tc>
-                  <a:txBody>
-                    <a:bodyPr/>
-                    <a:lstStyle/>
-                    <a:p>
-                      <a:pPr marL="285750" indent="-285750">
-                        <a:buFont typeface="Arial" panose="020B0604020202020204" pitchFamily="34" charset="0"/>
-                        <a:buChar char="•"/>
-                      </a:pPr>
-                      <a:r>
-                        <a:rPr lang="en-US" dirty="0" smtClean="0"/>
-                        <a:t>Scale</a:t>
-                      </a:r>
-                      <a:r>
-                        <a:rPr lang="en-US" baseline="0" dirty="0" smtClean="0"/>
-                        <a:t> up</a:t>
-                      </a:r>
-                    </a:p>
-                    <a:p>
-                      <a:pPr marL="285750" indent="-285750">
-                        <a:buFont typeface="Arial" panose="020B0604020202020204" pitchFamily="34" charset="0"/>
-                        <a:buChar char="•"/>
-                      </a:pPr>
-                      <a:r>
-                        <a:rPr lang="en-US" baseline="0" dirty="0" smtClean="0"/>
-                        <a:t>Scale out</a:t>
-                      </a:r>
-                      <a:endParaRPr lang="en-US" dirty="0"/>
-                    </a:p>
-                  </a:txBody>
-                  <a:tcPr/>
-                </a:tc>
-              </a:tr>
-            </a:tbl>
-          </a:graphicData>
-        </a:graphic>
-      </p:graphicFrame>
-    </p:spTree>
-    <p:extLst>
-      <p:ext uri="{BB962C8B-B14F-4D97-AF65-F5344CB8AC3E}">
-        <p14:creationId xmlns:p14="http://schemas.microsoft.com/office/powerpoint/2010/main" val="2081422526"/>
-      </p:ext>
-    </p:extLst>
-  </p:cSld>
-  <p:clrMapOvr>
-    <a:masterClrMapping/>
-  </p:clrMapOvr>
-  <p:timing>
-    <p:tnLst>
-      <p:par>
-        <p:cTn id="1" dur="indefinite" restart="never" nodeType="tmRoot"/>
-      </p:par>
-    </p:tnLst>
-  </p:timing>
-</p:sld>
-</file>
-
-<file path=ppt/slides/slide20.xml><?xml version="1.0" encoding="utf-8"?>
+<file path=ppt/slides/slide27.xml><?xml version="1.0" encoding="utf-8"?>
 <p:sld xmlns:a="http://schemas.openxmlformats.org/drawingml/2006/main" xmlns:r="http://schemas.openxmlformats.org/officeDocument/2006/relationships" xmlns:p="http://schemas.openxmlformats.org/presentationml/2006/main">
   <p:cSld>
     <p:spTree>
@@ -8905,6 +9756,311 @@
 </p:sld>
 </file>
 
+<file path=ppt/slides/slide28.xml><?xml version="1.0" encoding="utf-8"?>
+<p:sld xmlns:a="http://schemas.openxmlformats.org/drawingml/2006/main" xmlns:r="http://schemas.openxmlformats.org/officeDocument/2006/relationships" xmlns:p="http://schemas.openxmlformats.org/presentationml/2006/main">
+  <p:cSld>
+    <p:spTree>
+      <p:nvGrpSpPr>
+        <p:cNvPr id="1" name=""/>
+        <p:cNvGrpSpPr/>
+        <p:nvPr/>
+      </p:nvGrpSpPr>
+      <p:grpSpPr>
+        <a:xfrm>
+          <a:off x="0" y="0"/>
+          <a:ext cx="0" cy="0"/>
+          <a:chOff x="0" y="0"/>
+          <a:chExt cx="0" cy="0"/>
+        </a:xfrm>
+      </p:grpSpPr>
+      <p:sp>
+        <p:nvSpPr>
+          <p:cNvPr id="2" name="Title 1"/>
+          <p:cNvSpPr>
+            <a:spLocks noGrp="1"/>
+          </p:cNvSpPr>
+          <p:nvPr>
+            <p:ph type="title"/>
+          </p:nvPr>
+        </p:nvSpPr>
+        <p:spPr/>
+        <p:txBody>
+          <a:bodyPr/>
+          <a:lstStyle/>
+          <a:p>
+            <a:r>
+              <a:rPr lang="en-US" dirty="0" smtClean="0"/>
+              <a:t>Conclusion</a:t>
+            </a:r>
+            <a:endParaRPr lang="en-US" dirty="0"/>
+          </a:p>
+        </p:txBody>
+      </p:sp>
+      <p:sp>
+        <p:nvSpPr>
+          <p:cNvPr id="3" name="Content Placeholder 2"/>
+          <p:cNvSpPr>
+            <a:spLocks noGrp="1"/>
+          </p:cNvSpPr>
+          <p:nvPr>
+            <p:ph idx="1"/>
+          </p:nvPr>
+        </p:nvSpPr>
+        <p:spPr/>
+        <p:txBody>
+          <a:bodyPr/>
+          <a:lstStyle/>
+          <a:p>
+            <a:pPr marL="0" indent="0">
+              <a:buNone/>
+            </a:pPr>
+            <a:r>
+              <a:rPr lang="en-US" dirty="0" smtClean="0"/>
+              <a:t>Load Testing</a:t>
+            </a:r>
+          </a:p>
+          <a:p>
+            <a:pPr lvl="1"/>
+            <a:endParaRPr lang="en-US" dirty="0" smtClean="0"/>
+          </a:p>
+          <a:p>
+            <a:pPr lvl="1"/>
+            <a:r>
+              <a:rPr lang="en-US" dirty="0" smtClean="0"/>
+              <a:t>Load testing is cyclical – build, test, adjust, repeat</a:t>
+            </a:r>
+          </a:p>
+          <a:p>
+            <a:pPr lvl="1"/>
+            <a:r>
+              <a:rPr lang="en-US" dirty="0" smtClean="0"/>
+              <a:t>If possible, run using Visual Studio Team Services (in Azure)</a:t>
+            </a:r>
+          </a:p>
+          <a:p>
+            <a:pPr lvl="1"/>
+            <a:r>
+              <a:rPr lang="en-US" dirty="0" smtClean="0"/>
+              <a:t>Try various scenarios</a:t>
+            </a:r>
+          </a:p>
+          <a:p>
+            <a:pPr lvl="2"/>
+            <a:r>
+              <a:rPr lang="en-US" dirty="0" smtClean="0"/>
+              <a:t>surge vs gradual usage</a:t>
+            </a:r>
+          </a:p>
+          <a:p>
+            <a:pPr lvl="2"/>
+            <a:r>
+              <a:rPr lang="en-US" dirty="0" smtClean="0"/>
+              <a:t>sporadic vs sustained</a:t>
+            </a:r>
+          </a:p>
+          <a:p>
+            <a:pPr lvl="1"/>
+            <a:r>
+              <a:rPr lang="en-US" dirty="0" smtClean="0"/>
+              <a:t>Verbose logging, if possible</a:t>
+            </a:r>
+          </a:p>
+          <a:p>
+            <a:pPr lvl="2"/>
+            <a:r>
+              <a:rPr lang="en-US" dirty="0" smtClean="0"/>
+              <a:t>stopwatch timings</a:t>
+            </a:r>
+          </a:p>
+          <a:p>
+            <a:pPr lvl="2"/>
+            <a:r>
+              <a:rPr lang="en-US" dirty="0" smtClean="0"/>
+              <a:t>data queries</a:t>
+            </a:r>
+            <a:endParaRPr lang="en-US" dirty="0"/>
+          </a:p>
+        </p:txBody>
+      </p:sp>
+    </p:spTree>
+    <p:extLst>
+      <p:ext uri="{BB962C8B-B14F-4D97-AF65-F5344CB8AC3E}">
+        <p14:creationId xmlns:p14="http://schemas.microsoft.com/office/powerpoint/2010/main" val="4113271397"/>
+      </p:ext>
+    </p:extLst>
+  </p:cSld>
+  <p:clrMapOvr>
+    <a:masterClrMapping/>
+  </p:clrMapOvr>
+  <p:timing>
+    <p:tnLst>
+      <p:par>
+        <p:cTn id="1" dur="indefinite" restart="never" nodeType="tmRoot"/>
+      </p:par>
+    </p:tnLst>
+  </p:timing>
+</p:sld>
+</file>
+
+<file path=ppt/slides/slide29.xml><?xml version="1.0" encoding="utf-8"?>
+<p:sld xmlns:a="http://schemas.openxmlformats.org/drawingml/2006/main" xmlns:r="http://schemas.openxmlformats.org/officeDocument/2006/relationships" xmlns:p="http://schemas.openxmlformats.org/presentationml/2006/main">
+  <p:cSld>
+    <p:spTree>
+      <p:nvGrpSpPr>
+        <p:cNvPr id="1" name=""/>
+        <p:cNvGrpSpPr/>
+        <p:nvPr/>
+      </p:nvGrpSpPr>
+      <p:grpSpPr>
+        <a:xfrm>
+          <a:off x="0" y="0"/>
+          <a:ext cx="0" cy="0"/>
+          <a:chOff x="0" y="0"/>
+          <a:chExt cx="0" cy="0"/>
+        </a:xfrm>
+      </p:grpSpPr>
+      <p:sp>
+        <p:nvSpPr>
+          <p:cNvPr id="2" name="Title 1"/>
+          <p:cNvSpPr>
+            <a:spLocks noGrp="1"/>
+          </p:cNvSpPr>
+          <p:nvPr>
+            <p:ph type="title"/>
+          </p:nvPr>
+        </p:nvSpPr>
+        <p:spPr/>
+        <p:txBody>
+          <a:bodyPr/>
+          <a:lstStyle/>
+          <a:p>
+            <a:r>
+              <a:rPr lang="en-US" dirty="0" smtClean="0"/>
+              <a:t>Conclusion (continued)</a:t>
+            </a:r>
+            <a:endParaRPr lang="en-US" dirty="0"/>
+          </a:p>
+        </p:txBody>
+      </p:sp>
+      <p:sp>
+        <p:nvSpPr>
+          <p:cNvPr id="3" name="Content Placeholder 2"/>
+          <p:cNvSpPr>
+            <a:spLocks noGrp="1"/>
+          </p:cNvSpPr>
+          <p:nvPr>
+            <p:ph idx="1"/>
+          </p:nvPr>
+        </p:nvSpPr>
+        <p:spPr/>
+        <p:txBody>
+          <a:bodyPr/>
+          <a:lstStyle/>
+          <a:p>
+            <a:pPr marL="0" indent="0">
+              <a:buNone/>
+            </a:pPr>
+            <a:r>
+              <a:rPr lang="en-US" dirty="0" smtClean="0"/>
+              <a:t>Caching</a:t>
+            </a:r>
+          </a:p>
+          <a:p>
+            <a:pPr lvl="1"/>
+            <a:endParaRPr lang="en-US" dirty="0" smtClean="0"/>
+          </a:p>
+          <a:p>
+            <a:pPr lvl="1"/>
+            <a:r>
+              <a:rPr lang="en-US" dirty="0" smtClean="0"/>
+              <a:t>Determine forced expiration vs timed expiration</a:t>
+            </a:r>
+          </a:p>
+          <a:p>
+            <a:pPr lvl="1"/>
+            <a:r>
+              <a:rPr lang="en-US" dirty="0" smtClean="0"/>
+              <a:t>In-memory vs distributed vs hybrid</a:t>
+            </a:r>
+          </a:p>
+          <a:p>
+            <a:pPr lvl="1"/>
+            <a:endParaRPr lang="en-US" dirty="0"/>
+          </a:p>
+          <a:p>
+            <a:pPr marL="0" indent="0">
+              <a:buNone/>
+            </a:pPr>
+            <a:r>
+              <a:rPr lang="en-US" dirty="0" err="1" smtClean="0"/>
+              <a:t>Redis</a:t>
+            </a:r>
+            <a:endParaRPr lang="en-US" dirty="0" smtClean="0"/>
+          </a:p>
+          <a:p>
+            <a:pPr lvl="1"/>
+            <a:r>
+              <a:rPr lang="en-US" dirty="0">
+                <a:hlinkClick r:id="rId2"/>
+              </a:rPr>
+              <a:t>https://azure.microsoft.com/en-us/services/cache</a:t>
+            </a:r>
+            <a:r>
+              <a:rPr lang="en-US" dirty="0" smtClean="0">
+                <a:hlinkClick r:id="rId2"/>
+              </a:rPr>
+              <a:t>/</a:t>
+            </a:r>
+            <a:endParaRPr lang="en-US" dirty="0" smtClean="0"/>
+          </a:p>
+          <a:p>
+            <a:pPr lvl="1"/>
+            <a:r>
+              <a:rPr lang="en-US" dirty="0">
+                <a:hlinkClick r:id="rId3"/>
+              </a:rPr>
+              <a:t>https://</a:t>
+            </a:r>
+            <a:r>
+              <a:rPr lang="en-US" dirty="0" smtClean="0">
+                <a:hlinkClick r:id="rId3"/>
+              </a:rPr>
+              <a:t>github.com/StackExchange/StackExchange.Redis</a:t>
+            </a:r>
+            <a:endParaRPr lang="en-US" dirty="0" smtClean="0"/>
+          </a:p>
+          <a:p>
+            <a:pPr lvl="1"/>
+            <a:endParaRPr lang="en-US" dirty="0" smtClean="0"/>
+          </a:p>
+          <a:p>
+            <a:pPr marL="0" indent="0">
+              <a:buNone/>
+            </a:pPr>
+            <a:endParaRPr lang="en-US" dirty="0"/>
+          </a:p>
+        </p:txBody>
+      </p:sp>
+    </p:spTree>
+    <p:extLst>
+      <p:ext uri="{BB962C8B-B14F-4D97-AF65-F5344CB8AC3E}">
+        <p14:creationId xmlns:p14="http://schemas.microsoft.com/office/powerpoint/2010/main" val="187865884"/>
+      </p:ext>
+    </p:extLst>
+  </p:cSld>
+  <p:clrMapOvr>
+    <a:masterClrMapping/>
+  </p:clrMapOvr>
+  <p:timing>
+    <p:tnLst>
+      <p:par>
+        <p:cTn id="1" dur="indefinite" restart="never" nodeType="tmRoot"/>
+      </p:par>
+    </p:tnLst>
+  </p:timing>
+</p:sld>
+</file>
+
 <file path=ppt/slides/slide3.xml><?xml version="1.0" encoding="utf-8"?>
 <p:sld xmlns:a="http://schemas.openxmlformats.org/drawingml/2006/main" xmlns:r="http://schemas.openxmlformats.org/officeDocument/2006/relationships" xmlns:p="http://schemas.openxmlformats.org/presentationml/2006/main">
   <p:cSld>
@@ -8996,8 +10152,8 @@
         </p:blipFill>
         <p:spPr>
           <a:xfrm>
-            <a:off x="1050760" y="2502569"/>
-            <a:ext cx="9646647" cy="1315452"/>
+            <a:off x="1408671" y="2502569"/>
+            <a:ext cx="8946292" cy="1219949"/>
           </a:xfrm>
           <a:prstGeom prst="rect">
             <a:avLst/>
@@ -9163,6 +10319,591 @@
     <p:extLst>
       <p:ext uri="{BB962C8B-B14F-4D97-AF65-F5344CB8AC3E}">
         <p14:creationId xmlns:p14="http://schemas.microsoft.com/office/powerpoint/2010/main" val="878081664"/>
+      </p:ext>
+    </p:extLst>
+  </p:cSld>
+  <p:clrMapOvr>
+    <a:masterClrMapping/>
+  </p:clrMapOvr>
+  <p:timing>
+    <p:tnLst>
+      <p:par>
+        <p:cTn id="1" dur="indefinite" restart="never" nodeType="tmRoot"/>
+      </p:par>
+    </p:tnLst>
+  </p:timing>
+</p:sld>
+</file>
+
+<file path=ppt/slides/slide30.xml><?xml version="1.0" encoding="utf-8"?>
+<p:sld xmlns:a="http://schemas.openxmlformats.org/drawingml/2006/main" xmlns:r="http://schemas.openxmlformats.org/officeDocument/2006/relationships" xmlns:p="http://schemas.openxmlformats.org/presentationml/2006/main">
+  <p:cSld>
+    <p:spTree>
+      <p:nvGrpSpPr>
+        <p:cNvPr id="1" name=""/>
+        <p:cNvGrpSpPr/>
+        <p:nvPr/>
+      </p:nvGrpSpPr>
+      <p:grpSpPr>
+        <a:xfrm>
+          <a:off x="0" y="0"/>
+          <a:ext cx="0" cy="0"/>
+          <a:chOff x="0" y="0"/>
+          <a:chExt cx="0" cy="0"/>
+        </a:xfrm>
+      </p:grpSpPr>
+      <p:sp>
+        <p:nvSpPr>
+          <p:cNvPr id="2" name="Title 1"/>
+          <p:cNvSpPr>
+            <a:spLocks noGrp="1"/>
+          </p:cNvSpPr>
+          <p:nvPr>
+            <p:ph type="title"/>
+          </p:nvPr>
+        </p:nvSpPr>
+        <p:spPr>
+          <a:xfrm>
+            <a:off x="852616" y="365125"/>
+            <a:ext cx="10515600" cy="1325563"/>
+          </a:xfrm>
+        </p:spPr>
+        <p:txBody>
+          <a:bodyPr/>
+          <a:lstStyle/>
+          <a:p>
+            <a:r>
+              <a:rPr lang="en-US" dirty="0"/>
+              <a:t>Conclusion (continued)</a:t>
+            </a:r>
+          </a:p>
+        </p:txBody>
+      </p:sp>
+      <p:sp>
+        <p:nvSpPr>
+          <p:cNvPr id="3" name="Content Placeholder 2"/>
+          <p:cNvSpPr>
+            <a:spLocks noGrp="1"/>
+          </p:cNvSpPr>
+          <p:nvPr>
+            <p:ph idx="1"/>
+          </p:nvPr>
+        </p:nvSpPr>
+        <p:spPr/>
+        <p:txBody>
+          <a:bodyPr/>
+          <a:lstStyle/>
+          <a:p>
+            <a:pPr marL="0" indent="0">
+              <a:buNone/>
+            </a:pPr>
+            <a:r>
+              <a:rPr lang="en-US" dirty="0" smtClean="0"/>
+              <a:t>Asynchronous / Parallel Processing</a:t>
+            </a:r>
+          </a:p>
+          <a:p>
+            <a:pPr lvl="1"/>
+            <a:endParaRPr lang="en-US" dirty="0" smtClean="0"/>
+          </a:p>
+          <a:p>
+            <a:pPr lvl="1"/>
+            <a:r>
+              <a:rPr lang="en-US" dirty="0" smtClean="0"/>
+              <a:t>Not always ideal</a:t>
+            </a:r>
+          </a:p>
+          <a:p>
+            <a:pPr lvl="1"/>
+            <a:r>
+              <a:rPr lang="en-US" dirty="0" smtClean="0"/>
+              <a:t>Can better balance load</a:t>
+            </a:r>
+          </a:p>
+          <a:p>
+            <a:pPr lvl="2"/>
+            <a:r>
+              <a:rPr lang="en-US" dirty="0" smtClean="0"/>
+              <a:t>high-volume threading scenarios</a:t>
+            </a:r>
+          </a:p>
+          <a:p>
+            <a:pPr lvl="2"/>
+            <a:r>
+              <a:rPr lang="en-US" dirty="0" smtClean="0"/>
+              <a:t>high-volume network- or storage-intensive operations</a:t>
+            </a:r>
+          </a:p>
+          <a:p>
+            <a:pPr marL="914400" lvl="2" indent="0">
+              <a:buNone/>
+            </a:pPr>
+            <a:endParaRPr lang="en-US" dirty="0" smtClean="0"/>
+          </a:p>
+          <a:p>
+            <a:pPr marL="0" indent="0">
+              <a:buNone/>
+            </a:pPr>
+            <a:r>
+              <a:rPr lang="en-US" dirty="0"/>
+              <a:t>More info: </a:t>
+            </a:r>
+            <a:r>
+              <a:rPr lang="en-US" u="sng" dirty="0">
+                <a:solidFill>
+                  <a:schemeClr val="accent1"/>
+                </a:solidFill>
+                <a:hlinkClick r:id="rId2"/>
+              </a:rPr>
+              <a:t>http://blog.stephencleary.com</a:t>
+            </a:r>
+            <a:r>
+              <a:rPr lang="en-US" u="sng" dirty="0" smtClean="0">
+                <a:solidFill>
+                  <a:schemeClr val="accent1"/>
+                </a:solidFill>
+                <a:hlinkClick r:id="rId2"/>
+              </a:rPr>
+              <a:t>/</a:t>
+            </a:r>
+            <a:endParaRPr lang="en-US" u="sng" dirty="0" smtClean="0">
+              <a:solidFill>
+                <a:schemeClr val="accent1"/>
+              </a:solidFill>
+            </a:endParaRPr>
+          </a:p>
+          <a:p>
+            <a:pPr marL="0" indent="0">
+              <a:buNone/>
+            </a:pPr>
+            <a:endParaRPr lang="en-US" u="sng" dirty="0">
+              <a:solidFill>
+                <a:schemeClr val="accent1"/>
+              </a:solidFill>
+            </a:endParaRPr>
+          </a:p>
+        </p:txBody>
+      </p:sp>
+    </p:spTree>
+    <p:extLst>
+      <p:ext uri="{BB962C8B-B14F-4D97-AF65-F5344CB8AC3E}">
+        <p14:creationId xmlns:p14="http://schemas.microsoft.com/office/powerpoint/2010/main" val="1508870788"/>
+      </p:ext>
+    </p:extLst>
+  </p:cSld>
+  <p:clrMapOvr>
+    <a:masterClrMapping/>
+  </p:clrMapOvr>
+  <p:timing>
+    <p:tnLst>
+      <p:par>
+        <p:cTn id="1" dur="indefinite" restart="never" nodeType="tmRoot"/>
+      </p:par>
+    </p:tnLst>
+  </p:timing>
+</p:sld>
+</file>
+
+<file path=ppt/slides/slide31.xml><?xml version="1.0" encoding="utf-8"?>
+<p:sld xmlns:a="http://schemas.openxmlformats.org/drawingml/2006/main" xmlns:r="http://schemas.openxmlformats.org/officeDocument/2006/relationships" xmlns:p="http://schemas.openxmlformats.org/presentationml/2006/main">
+  <p:cSld>
+    <p:spTree>
+      <p:nvGrpSpPr>
+        <p:cNvPr id="1" name=""/>
+        <p:cNvGrpSpPr/>
+        <p:nvPr/>
+      </p:nvGrpSpPr>
+      <p:grpSpPr>
+        <a:xfrm>
+          <a:off x="0" y="0"/>
+          <a:ext cx="0" cy="0"/>
+          <a:chOff x="0" y="0"/>
+          <a:chExt cx="0" cy="0"/>
+        </a:xfrm>
+      </p:grpSpPr>
+      <p:sp>
+        <p:nvSpPr>
+          <p:cNvPr id="2" name="Title 1"/>
+          <p:cNvSpPr>
+            <a:spLocks noGrp="1"/>
+          </p:cNvSpPr>
+          <p:nvPr>
+            <p:ph type="title"/>
+          </p:nvPr>
+        </p:nvSpPr>
+        <p:spPr/>
+        <p:txBody>
+          <a:bodyPr/>
+          <a:lstStyle/>
+          <a:p>
+            <a:r>
+              <a:rPr lang="en-US" dirty="0"/>
+              <a:t>Conclusion (continued)</a:t>
+            </a:r>
+          </a:p>
+        </p:txBody>
+      </p:sp>
+      <p:sp>
+        <p:nvSpPr>
+          <p:cNvPr id="3" name="Content Placeholder 2"/>
+          <p:cNvSpPr>
+            <a:spLocks noGrp="1"/>
+          </p:cNvSpPr>
+          <p:nvPr>
+            <p:ph idx="1"/>
+          </p:nvPr>
+        </p:nvSpPr>
+        <p:spPr/>
+        <p:txBody>
+          <a:bodyPr/>
+          <a:lstStyle/>
+          <a:p>
+            <a:pPr marL="0" indent="0">
+              <a:buNone/>
+            </a:pPr>
+            <a:r>
+              <a:rPr lang="en-US" dirty="0" smtClean="0"/>
+              <a:t>Scaling</a:t>
+            </a:r>
+          </a:p>
+          <a:p>
+            <a:pPr lvl="1"/>
+            <a:endParaRPr lang="en-US" dirty="0" smtClean="0"/>
+          </a:p>
+          <a:p>
+            <a:pPr lvl="1"/>
+            <a:r>
+              <a:rPr lang="en-US" dirty="0" smtClean="0"/>
+              <a:t>Find minimum acceptable “scale up” for off-peak, then scale out</a:t>
+            </a:r>
+          </a:p>
+          <a:p>
+            <a:pPr lvl="1"/>
+            <a:r>
+              <a:rPr lang="en-US" dirty="0" smtClean="0"/>
+              <a:t>Take advantage of auto-scaling, if possible</a:t>
+            </a:r>
+          </a:p>
+          <a:p>
+            <a:pPr lvl="2"/>
+            <a:r>
+              <a:rPr lang="en-US" dirty="0" smtClean="0"/>
+              <a:t>Load-based</a:t>
+            </a:r>
+          </a:p>
+          <a:p>
+            <a:pPr lvl="2"/>
+            <a:r>
+              <a:rPr lang="en-US" dirty="0" smtClean="0"/>
+              <a:t>Time-based</a:t>
+            </a:r>
+          </a:p>
+          <a:p>
+            <a:pPr lvl="2"/>
+            <a:r>
+              <a:rPr lang="en-US" dirty="0" smtClean="0"/>
+              <a:t>Special scenarios</a:t>
+            </a:r>
+          </a:p>
+          <a:p>
+            <a:pPr marL="457200" lvl="1" indent="0">
+              <a:buNone/>
+            </a:pPr>
+            <a:endParaRPr lang="en-US" dirty="0"/>
+          </a:p>
+          <a:p>
+            <a:pPr marL="0" indent="0">
+              <a:buNone/>
+            </a:pPr>
+            <a:r>
+              <a:rPr lang="en-US" dirty="0" smtClean="0"/>
+              <a:t>Azure Auto-scaling:</a:t>
+            </a:r>
+          </a:p>
+          <a:p>
+            <a:pPr lvl="1"/>
+            <a:r>
+              <a:rPr lang="en-US" dirty="0">
+                <a:hlinkClick r:id="rId2"/>
+              </a:rPr>
+              <a:t>https://azure.microsoft.com/en-us/documentation/articles/cloud-services-how-to-scale</a:t>
+            </a:r>
+            <a:r>
+              <a:rPr lang="en-US" dirty="0" smtClean="0">
+                <a:hlinkClick r:id="rId2"/>
+              </a:rPr>
+              <a:t>/</a:t>
+            </a:r>
+            <a:endParaRPr lang="en-US" dirty="0" smtClean="0"/>
+          </a:p>
+          <a:p>
+            <a:pPr lvl="1"/>
+            <a:endParaRPr lang="en-US" dirty="0"/>
+          </a:p>
+        </p:txBody>
+      </p:sp>
+    </p:spTree>
+    <p:extLst>
+      <p:ext uri="{BB962C8B-B14F-4D97-AF65-F5344CB8AC3E}">
+        <p14:creationId xmlns:p14="http://schemas.microsoft.com/office/powerpoint/2010/main" val="3661307481"/>
+      </p:ext>
+    </p:extLst>
+  </p:cSld>
+  <p:clrMapOvr>
+    <a:masterClrMapping/>
+  </p:clrMapOvr>
+  <p:timing>
+    <p:tnLst>
+      <p:par>
+        <p:cTn id="1" dur="indefinite" restart="never" nodeType="tmRoot"/>
+      </p:par>
+    </p:tnLst>
+  </p:timing>
+</p:sld>
+</file>
+
+<file path=ppt/slides/slide32.xml><?xml version="1.0" encoding="utf-8"?>
+<p:sld xmlns:a="http://schemas.openxmlformats.org/drawingml/2006/main" xmlns:r="http://schemas.openxmlformats.org/officeDocument/2006/relationships" xmlns:p="http://schemas.openxmlformats.org/presentationml/2006/main">
+  <p:cSld>
+    <p:spTree>
+      <p:nvGrpSpPr>
+        <p:cNvPr id="1" name=""/>
+        <p:cNvGrpSpPr/>
+        <p:nvPr/>
+      </p:nvGrpSpPr>
+      <p:grpSpPr>
+        <a:xfrm>
+          <a:off x="0" y="0"/>
+          <a:ext cx="0" cy="0"/>
+          <a:chOff x="0" y="0"/>
+          <a:chExt cx="0" cy="0"/>
+        </a:xfrm>
+      </p:grpSpPr>
+      <p:sp>
+        <p:nvSpPr>
+          <p:cNvPr id="2" name="Title 1"/>
+          <p:cNvSpPr>
+            <a:spLocks noGrp="1"/>
+          </p:cNvSpPr>
+          <p:nvPr>
+            <p:ph type="title"/>
+          </p:nvPr>
+        </p:nvSpPr>
+        <p:spPr/>
+        <p:txBody>
+          <a:bodyPr/>
+          <a:lstStyle/>
+          <a:p>
+            <a:r>
+              <a:rPr lang="en-US" dirty="0" smtClean="0"/>
+              <a:t>Questions or Comments?</a:t>
+            </a:r>
+            <a:endParaRPr lang="en-US" dirty="0"/>
+          </a:p>
+        </p:txBody>
+      </p:sp>
+      <p:sp>
+        <p:nvSpPr>
+          <p:cNvPr id="3" name="Content Placeholder 2"/>
+          <p:cNvSpPr>
+            <a:spLocks noGrp="1"/>
+          </p:cNvSpPr>
+          <p:nvPr>
+            <p:ph idx="1"/>
+          </p:nvPr>
+        </p:nvSpPr>
+        <p:spPr/>
+        <p:txBody>
+          <a:bodyPr/>
+          <a:lstStyle/>
+          <a:p>
+            <a:pPr marL="0" indent="0">
+              <a:buNone/>
+            </a:pPr>
+            <a:endParaRPr lang="en-US" dirty="0" smtClean="0"/>
+          </a:p>
+          <a:p>
+            <a:pPr marL="0" indent="0">
+              <a:buNone/>
+            </a:pPr>
+            <a:r>
+              <a:rPr lang="en-US" dirty="0" smtClean="0"/>
+              <a:t>Mark Doyle</a:t>
+            </a:r>
+          </a:p>
+          <a:p>
+            <a:pPr marL="0" indent="0">
+              <a:buNone/>
+            </a:pPr>
+            <a:endParaRPr lang="en-US" dirty="0" smtClean="0"/>
+          </a:p>
+          <a:p>
+            <a:pPr marL="0" indent="0">
+              <a:buNone/>
+            </a:pPr>
+            <a:r>
+              <a:rPr lang="en-US" dirty="0" smtClean="0"/>
+              <a:t>       </a:t>
+            </a:r>
+            <a:r>
+              <a:rPr lang="en-US" dirty="0" err="1" smtClean="0"/>
+              <a:t>mark.doyle</a:t>
+            </a:r>
+            <a:r>
+              <a:rPr lang="en-US" dirty="0" smtClean="0"/>
+              <a:t>@</a:t>
+            </a:r>
+          </a:p>
+          <a:p>
+            <a:pPr marL="0" indent="0">
+              <a:buNone/>
+            </a:pPr>
+            <a:r>
+              <a:rPr lang="en-US" dirty="0" smtClean="0"/>
+              <a:t>       </a:t>
+            </a:r>
+            <a:r>
+              <a:rPr lang="en-US" dirty="0" smtClean="0">
+                <a:hlinkClick r:id="rId2"/>
+              </a:rPr>
+              <a:t>@</a:t>
+            </a:r>
+            <a:r>
+              <a:rPr lang="en-US" dirty="0" err="1" smtClean="0">
+                <a:hlinkClick r:id="rId2"/>
+              </a:rPr>
+              <a:t>mark_doyle_ftw</a:t>
+            </a:r>
+            <a:endParaRPr lang="en-US" dirty="0" smtClean="0"/>
+          </a:p>
+          <a:p>
+            <a:pPr marL="0" indent="0">
+              <a:buNone/>
+            </a:pPr>
+            <a:r>
+              <a:rPr lang="en-US" dirty="0"/>
+              <a:t>      </a:t>
+            </a:r>
+            <a:r>
+              <a:rPr lang="en-US" dirty="0" smtClean="0"/>
+              <a:t> </a:t>
+            </a:r>
+            <a:r>
+              <a:rPr lang="en-US" dirty="0" smtClean="0">
+                <a:hlinkClick r:id="rId3"/>
+              </a:rPr>
+              <a:t>linkedin.com/in/</a:t>
+            </a:r>
+            <a:r>
+              <a:rPr lang="en-US" dirty="0" err="1" smtClean="0">
+                <a:hlinkClick r:id="rId3"/>
+              </a:rPr>
+              <a:t>spencermarkdoyle</a:t>
+            </a:r>
+            <a:endParaRPr lang="en-US" dirty="0" smtClean="0"/>
+          </a:p>
+          <a:p>
+            <a:pPr marL="0" indent="0">
+              <a:buNone/>
+            </a:pPr>
+            <a:endParaRPr lang="en-US" dirty="0"/>
+          </a:p>
+        </p:txBody>
+      </p:sp>
+      <p:pic>
+        <p:nvPicPr>
+          <p:cNvPr id="6" name="Picture 5"/>
+          <p:cNvPicPr>
+            <a:picLocks noChangeAspect="1"/>
+          </p:cNvPicPr>
+          <p:nvPr/>
+        </p:nvPicPr>
+        <p:blipFill>
+          <a:blip r:embed="rId4">
+            <a:extLst>
+              <a:ext uri="{28A0092B-C50C-407E-A947-70E740481C1C}">
+                <a14:useLocalDpi xmlns:a14="http://schemas.microsoft.com/office/drawing/2010/main" val="0"/>
+              </a:ext>
+            </a:extLst>
+          </a:blip>
+          <a:stretch>
+            <a:fillRect/>
+          </a:stretch>
+        </p:blipFill>
+        <p:spPr>
+          <a:xfrm>
+            <a:off x="838200" y="3774989"/>
+            <a:ext cx="609600" cy="609600"/>
+          </a:xfrm>
+          <a:prstGeom prst="rect">
+            <a:avLst/>
+          </a:prstGeom>
+        </p:spPr>
+      </p:pic>
+      <p:pic>
+        <p:nvPicPr>
+          <p:cNvPr id="7" name="Picture 6"/>
+          <p:cNvPicPr>
+            <a:picLocks noChangeAspect="1"/>
+          </p:cNvPicPr>
+          <p:nvPr/>
+        </p:nvPicPr>
+        <p:blipFill>
+          <a:blip r:embed="rId5">
+            <a:extLst>
+              <a:ext uri="{28A0092B-C50C-407E-A947-70E740481C1C}">
+                <a14:useLocalDpi xmlns:a14="http://schemas.microsoft.com/office/drawing/2010/main" val="0"/>
+              </a:ext>
+            </a:extLst>
+          </a:blip>
+          <a:stretch>
+            <a:fillRect/>
+          </a:stretch>
+        </p:blipFill>
+        <p:spPr>
+          <a:xfrm>
+            <a:off x="838200" y="4277497"/>
+            <a:ext cx="609600" cy="609600"/>
+          </a:xfrm>
+          <a:prstGeom prst="rect">
+            <a:avLst/>
+          </a:prstGeom>
+        </p:spPr>
+      </p:pic>
+      <p:pic>
+        <p:nvPicPr>
+          <p:cNvPr id="8" name="Picture 7"/>
+          <p:cNvPicPr>
+            <a:picLocks noChangeAspect="1"/>
+          </p:cNvPicPr>
+          <p:nvPr/>
+        </p:nvPicPr>
+        <p:blipFill>
+          <a:blip r:embed="rId6">
+            <a:extLst>
+              <a:ext uri="{28A0092B-C50C-407E-A947-70E740481C1C}">
+                <a14:useLocalDpi xmlns:a14="http://schemas.microsoft.com/office/drawing/2010/main" val="0"/>
+              </a:ext>
+            </a:extLst>
+          </a:blip>
+          <a:stretch>
+            <a:fillRect/>
+          </a:stretch>
+        </p:blipFill>
+        <p:spPr>
+          <a:xfrm>
+            <a:off x="838200" y="3272481"/>
+            <a:ext cx="609600" cy="609600"/>
+          </a:xfrm>
+          <a:prstGeom prst="rect">
+            <a:avLst/>
+          </a:prstGeom>
+        </p:spPr>
+      </p:pic>
+    </p:spTree>
+    <p:extLst>
+      <p:ext uri="{BB962C8B-B14F-4D97-AF65-F5344CB8AC3E}">
+        <p14:creationId xmlns:p14="http://schemas.microsoft.com/office/powerpoint/2010/main" val="636146098"/>
       </p:ext>
     </p:extLst>
   </p:cSld>
@@ -9450,14 +11191,14 @@
           <p:nvPr>
             <p:extLst>
               <p:ext uri="{D42A27DB-BD31-4B8C-83A1-F6EECF244321}">
-                <p14:modId xmlns:p14="http://schemas.microsoft.com/office/powerpoint/2010/main" val="2223301624"/>
+                <p14:modId xmlns:p14="http://schemas.microsoft.com/office/powerpoint/2010/main" val="2146068917"/>
               </p:ext>
             </p:extLst>
           </p:nvPr>
         </p:nvGraphicFramePr>
         <p:xfrm>
           <a:off x="1235245" y="4001294"/>
-          <a:ext cx="9438106" cy="1285240"/>
+          <a:ext cx="9438106" cy="1833880"/>
         </p:xfrm>
         <a:graphic>
           <a:graphicData uri="http://schemas.openxmlformats.org/drawingml/2006/table">
@@ -9525,8 +11266,33 @@
                       </a:pPr>
                       <a:r>
                         <a:rPr lang="en-US" dirty="0" smtClean="0"/>
-                        <a:t>Faster access than network-based resources</a:t>
-                      </a:r>
+                        <a:t>Faster access than network-based </a:t>
+                      </a:r>
+                      <a:r>
+                        <a:rPr lang="en-US" dirty="0" smtClean="0"/>
+                        <a:t>resources</a:t>
+                      </a:r>
+                    </a:p>
+                    <a:p>
+                      <a:pPr marL="285750" indent="-285750">
+                        <a:buFont typeface="Arial" panose="020B0604020202020204" pitchFamily="34" charset="0"/>
+                        <a:buChar char="•"/>
+                      </a:pPr>
+                      <a:r>
+                        <a:rPr lang="en-US" dirty="0" smtClean="0"/>
+                        <a:t>Fewer storage transactions</a:t>
+                      </a:r>
+                    </a:p>
+                    <a:p>
+                      <a:pPr marL="285750" indent="-285750">
+                        <a:buFont typeface="Arial" panose="020B0604020202020204" pitchFamily="34" charset="0"/>
+                        <a:buChar char="•"/>
+                      </a:pPr>
+                      <a:r>
+                        <a:rPr lang="en-US" dirty="0" smtClean="0"/>
+                        <a:t>Lower cost*</a:t>
+                      </a:r>
+                      <a:endParaRPr lang="en-US" dirty="0" smtClean="0"/>
                     </a:p>
                     <a:p>
                       <a:endParaRPr lang="en-US" dirty="0"/>
@@ -9587,8 +11353,8 @@
         </p:blipFill>
         <p:spPr>
           <a:xfrm>
-            <a:off x="1299412" y="2549139"/>
-            <a:ext cx="7530894" cy="1106232"/>
+            <a:off x="1299412" y="2549140"/>
+            <a:ext cx="6798383" cy="998632"/>
           </a:xfrm>
           <a:prstGeom prst="rect">
             <a:avLst/>
@@ -9675,8 +11441,33 @@
             </a:pPr>
             <a:r>
               <a:rPr lang="en-US" dirty="0" smtClean="0"/>
-              <a:t>Distributed cache</a:t>
-            </a:r>
+              <a:t>Distributed </a:t>
+            </a:r>
+            <a:r>
+              <a:rPr lang="en-US" dirty="0" smtClean="0"/>
+              <a:t>cache (</a:t>
+            </a:r>
+            <a:r>
+              <a:rPr lang="en-US" dirty="0"/>
+              <a:t>e.g., </a:t>
+            </a:r>
+            <a:r>
+              <a:rPr lang="en-US" dirty="0" err="1" smtClean="0"/>
+              <a:t>Redis</a:t>
+            </a:r>
+            <a:r>
+              <a:rPr lang="en-US" dirty="0" smtClean="0"/>
+              <a:t>, </a:t>
+            </a:r>
+            <a:r>
+              <a:rPr lang="en-US" dirty="0" err="1" smtClean="0"/>
+              <a:t>Memcached</a:t>
+            </a:r>
+            <a:r>
+              <a:rPr lang="en-US" dirty="0" smtClean="0"/>
+              <a:t>)</a:t>
+            </a:r>
+            <a:endParaRPr lang="en-US" dirty="0" smtClean="0"/>
           </a:p>
           <a:p>
             <a:pPr marL="0" indent="0">
@@ -9688,18 +11479,7 @@
             <a:pPr marL="0" indent="0">
               <a:buNone/>
             </a:pPr>
-            <a:r>
-              <a:rPr lang="en-US" dirty="0" smtClean="0"/>
-              <a:t>(e.g., </a:t>
-            </a:r>
-            <a:r>
-              <a:rPr lang="en-US" dirty="0" err="1" smtClean="0"/>
-              <a:t>Redis</a:t>
-            </a:r>
-            <a:r>
-              <a:rPr lang="en-US" dirty="0" smtClean="0"/>
-              <a:t>)</a:t>
-            </a:r>
+            <a:endParaRPr lang="en-US" dirty="0" smtClean="0"/>
           </a:p>
           <a:p>
             <a:pPr marL="0" indent="0">
@@ -9711,6 +11491,20 @@
             <a:pPr marL="0" indent="0">
               <a:buNone/>
             </a:pPr>
+            <a:endParaRPr lang="en-US" dirty="0" smtClean="0"/>
+          </a:p>
+          <a:p>
+            <a:pPr marL="0" indent="0">
+              <a:buNone/>
+            </a:pPr>
+            <a:r>
+              <a:rPr lang="en-US" dirty="0" smtClean="0"/>
+              <a:t>H</a:t>
+            </a:r>
+            <a:r>
+              <a:rPr lang="en-US" dirty="0" smtClean="0"/>
+              <a:t>ybrid cache (in-memory + distributed)</a:t>
+            </a:r>
             <a:endParaRPr lang="en-US" dirty="0"/>
           </a:p>
         </p:txBody>
@@ -9724,14 +11518,14 @@
           <p:nvPr>
             <p:extLst>
               <p:ext uri="{D42A27DB-BD31-4B8C-83A1-F6EECF244321}">
-                <p14:modId xmlns:p14="http://schemas.microsoft.com/office/powerpoint/2010/main" val="4079196283"/>
+                <p14:modId xmlns:p14="http://schemas.microsoft.com/office/powerpoint/2010/main" val="2957281662"/>
               </p:ext>
             </p:extLst>
           </p:nvPr>
         </p:nvGraphicFramePr>
         <p:xfrm>
-          <a:off x="1235245" y="4001294"/>
-          <a:ext cx="9438106" cy="1285240"/>
+          <a:off x="1301148" y="2403153"/>
+          <a:ext cx="9438106" cy="1559560"/>
         </p:xfrm>
         <a:graphic>
           <a:graphicData uri="http://schemas.openxmlformats.org/drawingml/2006/table">
@@ -9806,7 +11600,34 @@
                       </a:r>
                       <a:r>
                         <a:rPr lang="en-US" baseline="0" dirty="0" smtClean="0"/>
-                        <a:t> accessible to numerous processes / machines</a:t>
+                        <a:t> accessible to numerous processes / </a:t>
+                      </a:r>
+                      <a:r>
+                        <a:rPr lang="en-US" baseline="0" dirty="0" smtClean="0"/>
+                        <a:t>machines</a:t>
+                      </a:r>
+                    </a:p>
+                    <a:p>
+                      <a:pPr marL="285750" marR="0" indent="-285750" algn="l" defTabSz="914400" rtl="0" eaLnBrk="1" fontAlgn="auto" latinLnBrk="0" hangingPunct="1">
+                        <a:lnSpc>
+                          <a:spcPct val="100000"/>
+                        </a:lnSpc>
+                        <a:spcBef>
+                          <a:spcPts val="0"/>
+                        </a:spcBef>
+                        <a:spcAft>
+                          <a:spcPts val="0"/>
+                        </a:spcAft>
+                        <a:buClrTx/>
+                        <a:buSzTx/>
+                        <a:buFont typeface="Arial" panose="020B0604020202020204" pitchFamily="34" charset="0"/>
+                        <a:buChar char="•"/>
+                        <a:tabLst/>
+                        <a:defRPr/>
+                      </a:pPr>
+                      <a:r>
+                        <a:rPr lang="en-US" dirty="0" smtClean="0"/>
+                        <a:t>Fewer storage transactions</a:t>
                       </a:r>
                       <a:endParaRPr lang="en-US" dirty="0" smtClean="0"/>
                     </a:p>
@@ -9827,7 +11648,11 @@
                       </a:pPr>
                       <a:r>
                         <a:rPr lang="en-US" dirty="0" smtClean="0"/>
-                        <a:t>Network-based resource</a:t>
+                        <a:t>Network-based </a:t>
+                      </a:r>
+                      <a:r>
+                        <a:rPr lang="en-US" dirty="0" smtClean="0"/>
+                        <a:t>resource (more network transactions)</a:t>
                       </a:r>
                       <a:endParaRPr lang="en-US" dirty="0"/>
                     </a:p>
@@ -9893,7 +11718,33 @@
           <a:p>
             <a:r>
               <a:rPr lang="en-US" dirty="0" smtClean="0"/>
-              <a:t>Scaling</a:t>
+              <a:t>Data Center Considerations</a:t>
+            </a:r>
+            <a:endParaRPr lang="en-US" dirty="0"/>
+          </a:p>
+        </p:txBody>
+      </p:sp>
+      <p:sp>
+        <p:nvSpPr>
+          <p:cNvPr id="3" name="Content Placeholder 2"/>
+          <p:cNvSpPr>
+            <a:spLocks noGrp="1"/>
+          </p:cNvSpPr>
+          <p:nvPr>
+            <p:ph idx="1"/>
+          </p:nvPr>
+        </p:nvSpPr>
+        <p:spPr/>
+        <p:txBody>
+          <a:bodyPr/>
+          <a:lstStyle/>
+          <a:p>
+            <a:pPr marL="0" indent="0">
+              <a:buNone/>
+            </a:pPr>
+            <a:r>
+              <a:rPr lang="en-US" dirty="0" smtClean="0"/>
+              <a:t>Proximity matters: Same location = low latency</a:t>
             </a:r>
             <a:endParaRPr lang="en-US" dirty="0"/>
           </a:p>
@@ -9901,13 +11752,11 @@
       </p:sp>
       <p:pic>
         <p:nvPicPr>
-          <p:cNvPr id="1026" name="Picture 2" descr="http://www.vexperienced.co.uk/wp-content/uploads/2012/10/ScaleUpVsScaleOut.png"/>
+          <p:cNvPr id="1028" name="Picture 4" descr="microsoft-azure-office-365-overwrite-6-638.jpg (638×359)"/>
           <p:cNvPicPr>
-            <a:picLocks noGrp="1" noChangeAspect="1" noChangeArrowheads="1"/>
+            <a:picLocks noChangeAspect="1" noChangeArrowheads="1"/>
           </p:cNvPicPr>
-          <p:nvPr>
-            <p:ph idx="1"/>
-          </p:nvPr>
+          <p:nvPr/>
         </p:nvPicPr>
         <p:blipFill>
           <a:blip r:embed="rId2">
@@ -9924,8 +11773,8 @@
         </p:blipFill>
         <p:spPr bwMode="auto">
           <a:xfrm>
-            <a:off x="2258678" y="1690688"/>
-            <a:ext cx="5938838" cy="2881832"/>
+            <a:off x="2050277" y="2422955"/>
+            <a:ext cx="6407949" cy="3605727"/>
           </a:xfrm>
           <a:prstGeom prst="rect">
             <a:avLst/>
@@ -9942,139 +11791,10 @@
           </a:extLst>
         </p:spPr>
       </p:pic>
-      <p:graphicFrame>
-        <p:nvGraphicFramePr>
-          <p:cNvPr id="5" name="Table 4"/>
-          <p:cNvGraphicFramePr>
-            <a:graphicFrameLocks noGrp="1"/>
-          </p:cNvGraphicFramePr>
-          <p:nvPr>
-            <p:extLst>
-              <p:ext uri="{D42A27DB-BD31-4B8C-83A1-F6EECF244321}">
-                <p14:modId xmlns:p14="http://schemas.microsoft.com/office/powerpoint/2010/main" val="2518362830"/>
-              </p:ext>
-            </p:extLst>
-          </p:nvPr>
-        </p:nvGraphicFramePr>
-        <p:xfrm>
-          <a:off x="1376947" y="4771315"/>
-          <a:ext cx="9438106" cy="1010920"/>
-        </p:xfrm>
-        <a:graphic>
-          <a:graphicData uri="http://schemas.openxmlformats.org/drawingml/2006/table">
-            <a:tbl>
-              <a:tblPr firstRow="1" bandRow="1">
-                <a:tableStyleId>{5C22544A-7EE6-4342-B048-85BDC9FD1C3A}</a:tableStyleId>
-              </a:tblPr>
-              <a:tblGrid>
-                <a:gridCol w="4510506"/>
-                <a:gridCol w="4927600"/>
-              </a:tblGrid>
-              <a:tr h="370840">
-                <a:tc>
-                  <a:txBody>
-                    <a:bodyPr/>
-                    <a:lstStyle/>
-                    <a:p>
-                      <a:r>
-                        <a:rPr lang="en-US" dirty="0" smtClean="0"/>
-                        <a:t>PROS</a:t>
-                      </a:r>
-                      <a:endParaRPr lang="en-US" dirty="0"/>
-                    </a:p>
-                  </a:txBody>
-                  <a:tcPr/>
-                </a:tc>
-                <a:tc>
-                  <a:txBody>
-                    <a:bodyPr/>
-                    <a:lstStyle/>
-                    <a:p>
-                      <a:pPr marL="0" indent="0">
-                        <a:buFont typeface="Arial" panose="020B0604020202020204" pitchFamily="34" charset="0"/>
-                        <a:buNone/>
-                      </a:pPr>
-                      <a:r>
-                        <a:rPr lang="en-US" dirty="0" smtClean="0"/>
-                        <a:t>CONS</a:t>
-                      </a:r>
-                      <a:endParaRPr lang="en-US" dirty="0"/>
-                    </a:p>
-                  </a:txBody>
-                  <a:tcPr/>
-                </a:tc>
-              </a:tr>
-              <a:tr h="370840">
-                <a:tc>
-                  <a:txBody>
-                    <a:bodyPr/>
-                    <a:lstStyle/>
-                    <a:p>
-                      <a:pPr marL="285750" marR="0" indent="-285750" algn="l" defTabSz="914400" rtl="0" eaLnBrk="1" fontAlgn="auto" latinLnBrk="0" hangingPunct="1">
-                        <a:lnSpc>
-                          <a:spcPct val="100000"/>
-                        </a:lnSpc>
-                        <a:spcBef>
-                          <a:spcPts val="0"/>
-                        </a:spcBef>
-                        <a:spcAft>
-                          <a:spcPts val="0"/>
-                        </a:spcAft>
-                        <a:buClrTx/>
-                        <a:buSzTx/>
-                        <a:buFont typeface="Arial" panose="020B0604020202020204" pitchFamily="34" charset="0"/>
-                        <a:buChar char="•"/>
-                        <a:tabLst/>
-                        <a:defRPr/>
-                      </a:pPr>
-                      <a:r>
-                        <a:rPr lang="en-US" dirty="0" smtClean="0"/>
-                        <a:t>Better performance</a:t>
-                      </a:r>
-                    </a:p>
-                    <a:p>
-                      <a:endParaRPr lang="en-US" dirty="0"/>
-                    </a:p>
-                  </a:txBody>
-                  <a:tcPr/>
-                </a:tc>
-                <a:tc>
-                  <a:txBody>
-                    <a:bodyPr/>
-                    <a:lstStyle/>
-                    <a:p>
-                      <a:pPr marL="285750" indent="-285750">
-                        <a:buFont typeface="Arial" panose="020B0604020202020204" pitchFamily="34" charset="0"/>
-                        <a:buChar char="•"/>
-                      </a:pPr>
-                      <a:r>
-                        <a:rPr lang="en-US" dirty="0" smtClean="0"/>
-                        <a:t>Cost</a:t>
-                      </a:r>
-                    </a:p>
-                    <a:p>
-                      <a:pPr marL="285750" indent="-285750">
-                        <a:buFont typeface="Arial" panose="020B0604020202020204" pitchFamily="34" charset="0"/>
-                        <a:buChar char="•"/>
-                      </a:pPr>
-                      <a:r>
-                        <a:rPr lang="en-US" dirty="0" smtClean="0"/>
-                        <a:t>Idle hardware (unless auto-scaling)</a:t>
-                      </a:r>
-                      <a:endParaRPr lang="en-US" dirty="0"/>
-                    </a:p>
-                  </a:txBody>
-                  <a:tcPr/>
-                </a:tc>
-              </a:tr>
-            </a:tbl>
-          </a:graphicData>
-        </a:graphic>
-      </p:graphicFrame>
     </p:spTree>
     <p:extLst>
       <p:ext uri="{BB962C8B-B14F-4D97-AF65-F5344CB8AC3E}">
-        <p14:creationId xmlns:p14="http://schemas.microsoft.com/office/powerpoint/2010/main" val="2402122507"/>
+        <p14:creationId xmlns:p14="http://schemas.microsoft.com/office/powerpoint/2010/main" val="624034686"/>
       </p:ext>
     </p:extLst>
   </p:cSld>
@@ -10125,101 +11845,188 @@
           <a:p>
             <a:r>
               <a:rPr lang="en-US" dirty="0" smtClean="0"/>
-              <a:t>Problem 1 – CPU Bound Operations</a:t>
+              <a:t>Scaling</a:t>
             </a:r>
             <a:endParaRPr lang="en-US" dirty="0"/>
-          </a:p>
-        </p:txBody>
-      </p:sp>
-      <p:sp>
-        <p:nvSpPr>
-          <p:cNvPr id="3" name="Content Placeholder 2"/>
-          <p:cNvSpPr>
-            <a:spLocks noGrp="1"/>
-          </p:cNvSpPr>
-          <p:nvPr>
-            <p:ph idx="1"/>
-          </p:nvPr>
-        </p:nvSpPr>
-        <p:spPr/>
-        <p:txBody>
-          <a:bodyPr/>
-          <a:lstStyle/>
-          <a:p>
-            <a:pPr marL="0" indent="0">
-              <a:buNone/>
-            </a:pPr>
-            <a:r>
-              <a:rPr lang="en-US" dirty="0" smtClean="0"/>
-              <a:t>Example: Primary number calculation</a:t>
-            </a:r>
-          </a:p>
-          <a:p>
-            <a:pPr marL="0" indent="0">
-              <a:buNone/>
-            </a:pPr>
-            <a:endParaRPr lang="en-US" dirty="0"/>
-          </a:p>
-          <a:p>
-            <a:pPr marL="0" indent="0">
-              <a:buNone/>
-            </a:pPr>
-            <a:endParaRPr lang="en-US" dirty="0" smtClean="0"/>
-          </a:p>
-          <a:p>
-            <a:pPr marL="0" indent="0">
-              <a:buNone/>
-            </a:pPr>
-            <a:endParaRPr lang="en-US" dirty="0"/>
-          </a:p>
-          <a:p>
-            <a:pPr marL="0" indent="0">
-              <a:buNone/>
-            </a:pPr>
-            <a:endParaRPr lang="en-US" dirty="0" smtClean="0"/>
-          </a:p>
-          <a:p>
-            <a:pPr marL="0" indent="0">
-              <a:buNone/>
-            </a:pPr>
-            <a:endParaRPr lang="en-US" dirty="0"/>
-          </a:p>
-          <a:p>
-            <a:pPr marL="0" indent="0">
-              <a:buNone/>
-            </a:pPr>
-            <a:endParaRPr lang="en-US" dirty="0" smtClean="0"/>
           </a:p>
         </p:txBody>
       </p:sp>
       <p:pic>
         <p:nvPicPr>
-          <p:cNvPr id="4" name="Picture 3"/>
+          <p:cNvPr id="1026" name="Picture 2" descr="http://www.vexperienced.co.uk/wp-content/uploads/2012/10/ScaleUpVsScaleOut.png"/>
           <p:cNvPicPr>
-            <a:picLocks noChangeAspect="1"/>
+            <a:picLocks noGrp="1" noChangeAspect="1" noChangeArrowheads="1"/>
           </p:cNvPicPr>
-          <p:nvPr/>
+          <p:nvPr>
+            <p:ph idx="1"/>
+          </p:nvPr>
         </p:nvPicPr>
         <p:blipFill>
-          <a:blip r:embed="rId2"/>
+          <a:blip r:embed="rId2">
+            <a:extLst>
+              <a:ext uri="{28A0092B-C50C-407E-A947-70E740481C1C}">
+                <a14:useLocalDpi xmlns:a14="http://schemas.microsoft.com/office/drawing/2010/main" val="0"/>
+              </a:ext>
+            </a:extLst>
+          </a:blip>
+          <a:srcRect/>
           <a:stretch>
             <a:fillRect/>
           </a:stretch>
         </p:blipFill>
-        <p:spPr>
+        <p:spPr bwMode="auto">
           <a:xfrm>
-            <a:off x="1042737" y="2425115"/>
-            <a:ext cx="7427124" cy="3751848"/>
+            <a:off x="2497420" y="1690688"/>
+            <a:ext cx="5700096" cy="2765982"/>
           </a:xfrm>
           <a:prstGeom prst="rect">
             <a:avLst/>
           </a:prstGeom>
+          <a:noFill/>
+          <a:extLst>
+            <a:ext uri="{909E8E84-426E-40DD-AFC4-6F175D3DCCD1}">
+              <a14:hiddenFill xmlns:a14="http://schemas.microsoft.com/office/drawing/2010/main">
+                <a:solidFill>
+                  <a:srgbClr val="FFFFFF"/>
+                </a:solidFill>
+              </a14:hiddenFill>
+            </a:ext>
+          </a:extLst>
         </p:spPr>
       </p:pic>
+      <p:graphicFrame>
+        <p:nvGraphicFramePr>
+          <p:cNvPr id="5" name="Table 4"/>
+          <p:cNvGraphicFramePr>
+            <a:graphicFrameLocks noGrp="1"/>
+          </p:cNvGraphicFramePr>
+          <p:nvPr>
+            <p:extLst>
+              <p:ext uri="{D42A27DB-BD31-4B8C-83A1-F6EECF244321}">
+                <p14:modId xmlns:p14="http://schemas.microsoft.com/office/powerpoint/2010/main" val="2518362830"/>
+              </p:ext>
+            </p:extLst>
+          </p:nvPr>
+        </p:nvGraphicFramePr>
+        <p:xfrm>
+          <a:off x="1376947" y="4771315"/>
+          <a:ext cx="9438106" cy="1010920"/>
+        </p:xfrm>
+        <a:graphic>
+          <a:graphicData uri="http://schemas.openxmlformats.org/drawingml/2006/table">
+            <a:tbl>
+              <a:tblPr firstRow="1" bandRow="1">
+                <a:tableStyleId>{5C22544A-7EE6-4342-B048-85BDC9FD1C3A}</a:tableStyleId>
+              </a:tblPr>
+              <a:tblGrid>
+                <a:gridCol w="4510506"/>
+                <a:gridCol w="4927600"/>
+              </a:tblGrid>
+              <a:tr h="370840">
+                <a:tc>
+                  <a:txBody>
+                    <a:bodyPr/>
+                    <a:lstStyle/>
+                    <a:p>
+                      <a:r>
+                        <a:rPr lang="en-US" dirty="0" smtClean="0"/>
+                        <a:t>PROS</a:t>
+                      </a:r>
+                      <a:endParaRPr lang="en-US" dirty="0"/>
+                    </a:p>
+                  </a:txBody>
+                  <a:tcPr/>
+                </a:tc>
+                <a:tc>
+                  <a:txBody>
+                    <a:bodyPr/>
+                    <a:lstStyle/>
+                    <a:p>
+                      <a:pPr marL="0" indent="0">
+                        <a:buFont typeface="Arial" panose="020B0604020202020204" pitchFamily="34" charset="0"/>
+                        <a:buNone/>
+                      </a:pPr>
+                      <a:r>
+                        <a:rPr lang="en-US" dirty="0" smtClean="0"/>
+                        <a:t>CONS</a:t>
+                      </a:r>
+                      <a:endParaRPr lang="en-US" dirty="0"/>
+                    </a:p>
+                  </a:txBody>
+                  <a:tcPr/>
+                </a:tc>
+              </a:tr>
+              <a:tr h="370840">
+                <a:tc>
+                  <a:txBody>
+                    <a:bodyPr/>
+                    <a:lstStyle/>
+                    <a:p>
+                      <a:pPr marL="285750" marR="0" indent="-285750" algn="l" defTabSz="914400" rtl="0" eaLnBrk="1" fontAlgn="auto" latinLnBrk="0" hangingPunct="1">
+                        <a:lnSpc>
+                          <a:spcPct val="100000"/>
+                        </a:lnSpc>
+                        <a:spcBef>
+                          <a:spcPts val="0"/>
+                        </a:spcBef>
+                        <a:spcAft>
+                          <a:spcPts val="0"/>
+                        </a:spcAft>
+                        <a:buClrTx/>
+                        <a:buSzTx/>
+                        <a:buFont typeface="Arial" panose="020B0604020202020204" pitchFamily="34" charset="0"/>
+                        <a:buChar char="•"/>
+                        <a:tabLst/>
+                        <a:defRPr/>
+                      </a:pPr>
+                      <a:r>
+                        <a:rPr lang="en-US" dirty="0" smtClean="0"/>
+                        <a:t>Better performance</a:t>
+                      </a:r>
+                    </a:p>
+                    <a:p>
+                      <a:endParaRPr lang="en-US" dirty="0"/>
+                    </a:p>
+                  </a:txBody>
+                  <a:tcPr/>
+                </a:tc>
+                <a:tc>
+                  <a:txBody>
+                    <a:bodyPr/>
+                    <a:lstStyle/>
+                    <a:p>
+                      <a:pPr marL="285750" indent="-285750">
+                        <a:buFont typeface="Arial" panose="020B0604020202020204" pitchFamily="34" charset="0"/>
+                        <a:buChar char="•"/>
+                      </a:pPr>
+                      <a:r>
+                        <a:rPr lang="en-US" dirty="0" smtClean="0"/>
+                        <a:t>Cost</a:t>
+                      </a:r>
+                    </a:p>
+                    <a:p>
+                      <a:pPr marL="285750" indent="-285750">
+                        <a:buFont typeface="Arial" panose="020B0604020202020204" pitchFamily="34" charset="0"/>
+                        <a:buChar char="•"/>
+                      </a:pPr>
+                      <a:r>
+                        <a:rPr lang="en-US" dirty="0" smtClean="0"/>
+                        <a:t>Idle hardware (unless auto-scaling)</a:t>
+                      </a:r>
+                      <a:endParaRPr lang="en-US" dirty="0"/>
+                    </a:p>
+                  </a:txBody>
+                  <a:tcPr/>
+                </a:tc>
+              </a:tr>
+            </a:tbl>
+          </a:graphicData>
+        </a:graphic>
+      </p:graphicFrame>
     </p:spTree>
     <p:extLst>
       <p:ext uri="{BB962C8B-B14F-4D97-AF65-F5344CB8AC3E}">
-        <p14:creationId xmlns:p14="http://schemas.microsoft.com/office/powerpoint/2010/main" val="1694484148"/>
+        <p14:creationId xmlns:p14="http://schemas.microsoft.com/office/powerpoint/2010/main" val="2402122507"/>
       </p:ext>
     </p:extLst>
   </p:cSld>
@@ -10270,7 +12077,7 @@
           <a:p>
             <a:r>
               <a:rPr lang="en-US" dirty="0" smtClean="0"/>
-              <a:t>Problem 1 – CPU Bound Operations</a:t>
+              <a:t>Azure Management</a:t>
             </a:r>
             <a:endParaRPr lang="en-US" dirty="0"/>
           </a:p>
@@ -10296,15 +12103,48 @@
             </a:pPr>
             <a:r>
               <a:rPr lang="en-US" dirty="0" smtClean="0"/>
-              <a:t>Solution 2: </a:t>
-            </a:r>
-            <a:r>
-              <a:rPr lang="en-US" dirty="0" err="1" smtClean="0"/>
-              <a:t>Async</a:t>
-            </a:r>
+              <a:t>Look at the tools</a:t>
+            </a:r>
+          </a:p>
+          <a:p>
+            <a:pPr lvl="1"/>
             <a:r>
               <a:rPr lang="en-US" dirty="0" smtClean="0"/>
-              <a:t>/await, no caching</a:t>
+              <a:t>Management portal (old &amp; new)</a:t>
+            </a:r>
+          </a:p>
+          <a:p>
+            <a:pPr lvl="1"/>
+            <a:r>
+              <a:rPr lang="en-US" dirty="0" smtClean="0"/>
+              <a:t>Azure Management Studio</a:t>
+            </a:r>
+          </a:p>
+          <a:p>
+            <a:pPr lvl="1"/>
+            <a:endParaRPr lang="en-US" dirty="0"/>
+          </a:p>
+          <a:p>
+            <a:pPr marL="0" indent="0">
+              <a:buNone/>
+            </a:pPr>
+            <a:r>
+              <a:rPr lang="en-US" dirty="0" smtClean="0"/>
+              <a:t>Features</a:t>
+            </a:r>
+          </a:p>
+          <a:p>
+            <a:pPr lvl="1"/>
+            <a:r>
+              <a:rPr lang="en-US" dirty="0"/>
+              <a:t>Service location management</a:t>
+            </a:r>
+          </a:p>
+          <a:p>
+            <a:pPr lvl="1"/>
+            <a:r>
+              <a:rPr lang="en-US" dirty="0"/>
+              <a:t>Service scaling</a:t>
             </a:r>
           </a:p>
           <a:p>
@@ -10313,112 +12153,12 @@
             </a:pPr>
             <a:endParaRPr lang="en-US" dirty="0"/>
           </a:p>
-          <a:p>
-            <a:pPr marL="0" indent="0">
-              <a:buNone/>
-            </a:pPr>
-            <a:endParaRPr lang="en-US" dirty="0" smtClean="0"/>
-          </a:p>
-          <a:p>
-            <a:pPr marL="0" indent="0">
-              <a:buNone/>
-            </a:pPr>
-            <a:endParaRPr lang="en-US" dirty="0"/>
-          </a:p>
-          <a:p>
-            <a:pPr marL="0" indent="0">
-              <a:buNone/>
-            </a:pPr>
-            <a:endParaRPr lang="en-US" dirty="0" smtClean="0"/>
-          </a:p>
-          <a:p>
-            <a:pPr marL="0" indent="0">
-              <a:buNone/>
-            </a:pPr>
-            <a:r>
-              <a:rPr lang="en-US" dirty="0" smtClean="0"/>
-              <a:t>Solution 3: Caching, no </a:t>
-            </a:r>
-            <a:r>
-              <a:rPr lang="en-US" dirty="0" err="1" smtClean="0"/>
-              <a:t>async</a:t>
-            </a:r>
-            <a:r>
-              <a:rPr lang="en-US" dirty="0" smtClean="0"/>
-              <a:t>/await</a:t>
-            </a:r>
-          </a:p>
-          <a:p>
-            <a:pPr marL="0" indent="0">
-              <a:buNone/>
-            </a:pPr>
-            <a:endParaRPr lang="en-US" dirty="0" smtClean="0"/>
-          </a:p>
-          <a:p>
-            <a:pPr marL="0" indent="0">
-              <a:buNone/>
-            </a:pPr>
-            <a:r>
-              <a:rPr lang="en-US" dirty="0" smtClean="0"/>
-              <a:t>Solution 4: Caching, with </a:t>
-            </a:r>
-            <a:r>
-              <a:rPr lang="en-US" dirty="0" err="1" smtClean="0"/>
-              <a:t>async</a:t>
-            </a:r>
-            <a:r>
-              <a:rPr lang="en-US" dirty="0" smtClean="0"/>
-              <a:t>/await</a:t>
-            </a:r>
-          </a:p>
-          <a:p>
-            <a:pPr marL="0" indent="0">
-              <a:buNone/>
-            </a:pPr>
-            <a:endParaRPr lang="en-US" dirty="0" smtClean="0"/>
-          </a:p>
-          <a:p>
-            <a:pPr marL="0" indent="0">
-              <a:buNone/>
-            </a:pPr>
-            <a:endParaRPr lang="en-US" dirty="0"/>
-          </a:p>
-          <a:p>
-            <a:pPr marL="0" indent="0">
-              <a:buNone/>
-            </a:pPr>
-            <a:endParaRPr lang="en-US" dirty="0"/>
-          </a:p>
-        </p:txBody>
-      </p:sp>
-      <p:pic>
-        <p:nvPicPr>
-          <p:cNvPr id="4" name="Picture 3"/>
-          <p:cNvPicPr>
-            <a:picLocks noChangeAspect="1"/>
-          </p:cNvPicPr>
-          <p:nvPr/>
-        </p:nvPicPr>
-        <p:blipFill>
-          <a:blip r:embed="rId2"/>
-          <a:stretch>
-            <a:fillRect/>
-          </a:stretch>
-        </p:blipFill>
-        <p:spPr>
-          <a:xfrm>
-            <a:off x="1050760" y="2502569"/>
-            <a:ext cx="9646647" cy="1315452"/>
-          </a:xfrm>
-          <a:prstGeom prst="rect">
-            <a:avLst/>
-          </a:prstGeom>
-        </p:spPr>
-      </p:pic>
+        </p:txBody>
+      </p:sp>
     </p:spTree>
     <p:extLst>
       <p:ext uri="{BB962C8B-B14F-4D97-AF65-F5344CB8AC3E}">
-        <p14:creationId xmlns:p14="http://schemas.microsoft.com/office/powerpoint/2010/main" val="1218057866"/>
+        <p14:creationId xmlns:p14="http://schemas.microsoft.com/office/powerpoint/2010/main" val="2678778974"/>
       </p:ext>
     </p:extLst>
   </p:cSld>

--- a/RealWorldScalability/Real World Scalability.pptx
+++ b/RealWorldScalability/Real World Scalability.pptx
@@ -228,7 +228,7 @@
           <a:p>
             <a:fld id="{D2BBC1C2-57E6-44B2-9E94-904C73AAC6C2}" type="datetimeFigureOut">
               <a:rPr lang="en-US" smtClean="0"/>
-              <a:t>5/2/2016</a:t>
+              <a:t>5/5/2016</a:t>
             </a:fld>
             <a:endParaRPr lang="en-US"/>
           </a:p>
@@ -711,7 +711,7 @@
           <a:p>
             <a:fld id="{86429C3B-1E6C-4729-9E74-920FE2DF7FD6}" type="datetimeFigureOut">
               <a:rPr lang="en-US" smtClean="0"/>
-              <a:t>5/2/2016</a:t>
+              <a:t>5/5/2016</a:t>
             </a:fld>
             <a:endParaRPr lang="en-US"/>
           </a:p>
@@ -881,7 +881,7 @@
           <a:p>
             <a:fld id="{86429C3B-1E6C-4729-9E74-920FE2DF7FD6}" type="datetimeFigureOut">
               <a:rPr lang="en-US" smtClean="0"/>
-              <a:t>5/2/2016</a:t>
+              <a:t>5/5/2016</a:t>
             </a:fld>
             <a:endParaRPr lang="en-US"/>
           </a:p>
@@ -1061,7 +1061,7 @@
           <a:p>
             <a:fld id="{86429C3B-1E6C-4729-9E74-920FE2DF7FD6}" type="datetimeFigureOut">
               <a:rPr lang="en-US" smtClean="0"/>
-              <a:t>5/2/2016</a:t>
+              <a:t>5/5/2016</a:t>
             </a:fld>
             <a:endParaRPr lang="en-US"/>
           </a:p>
@@ -1231,7 +1231,7 @@
           <a:p>
             <a:fld id="{86429C3B-1E6C-4729-9E74-920FE2DF7FD6}" type="datetimeFigureOut">
               <a:rPr lang="en-US" smtClean="0"/>
-              <a:t>5/2/2016</a:t>
+              <a:t>5/5/2016</a:t>
             </a:fld>
             <a:endParaRPr lang="en-US"/>
           </a:p>
@@ -1477,7 +1477,7 @@
           <a:p>
             <a:fld id="{86429C3B-1E6C-4729-9E74-920FE2DF7FD6}" type="datetimeFigureOut">
               <a:rPr lang="en-US" smtClean="0"/>
-              <a:t>5/2/2016</a:t>
+              <a:t>5/5/2016</a:t>
             </a:fld>
             <a:endParaRPr lang="en-US"/>
           </a:p>
@@ -1709,7 +1709,7 @@
           <a:p>
             <a:fld id="{86429C3B-1E6C-4729-9E74-920FE2DF7FD6}" type="datetimeFigureOut">
               <a:rPr lang="en-US" smtClean="0"/>
-              <a:t>5/2/2016</a:t>
+              <a:t>5/5/2016</a:t>
             </a:fld>
             <a:endParaRPr lang="en-US"/>
           </a:p>
@@ -2076,7 +2076,7 @@
           <a:p>
             <a:fld id="{86429C3B-1E6C-4729-9E74-920FE2DF7FD6}" type="datetimeFigureOut">
               <a:rPr lang="en-US" smtClean="0"/>
-              <a:t>5/2/2016</a:t>
+              <a:t>5/5/2016</a:t>
             </a:fld>
             <a:endParaRPr lang="en-US"/>
           </a:p>
@@ -2194,7 +2194,7 @@
           <a:p>
             <a:fld id="{86429C3B-1E6C-4729-9E74-920FE2DF7FD6}" type="datetimeFigureOut">
               <a:rPr lang="en-US" smtClean="0"/>
-              <a:t>5/2/2016</a:t>
+              <a:t>5/5/2016</a:t>
             </a:fld>
             <a:endParaRPr lang="en-US"/>
           </a:p>
@@ -2289,7 +2289,7 @@
           <a:p>
             <a:fld id="{86429C3B-1E6C-4729-9E74-920FE2DF7FD6}" type="datetimeFigureOut">
               <a:rPr lang="en-US" smtClean="0"/>
-              <a:t>5/2/2016</a:t>
+              <a:t>5/5/2016</a:t>
             </a:fld>
             <a:endParaRPr lang="en-US"/>
           </a:p>
@@ -2566,7 +2566,7 @@
           <a:p>
             <a:fld id="{86429C3B-1E6C-4729-9E74-920FE2DF7FD6}" type="datetimeFigureOut">
               <a:rPr lang="en-US" smtClean="0"/>
-              <a:t>5/2/2016</a:t>
+              <a:t>5/5/2016</a:t>
             </a:fld>
             <a:endParaRPr lang="en-US"/>
           </a:p>
@@ -2819,7 +2819,7 @@
           <a:p>
             <a:fld id="{86429C3B-1E6C-4729-9E74-920FE2DF7FD6}" type="datetimeFigureOut">
               <a:rPr lang="en-US" smtClean="0"/>
-              <a:t>5/2/2016</a:t>
+              <a:t>5/5/2016</a:t>
             </a:fld>
             <a:endParaRPr lang="en-US"/>
           </a:p>
@@ -3032,7 +3032,7 @@
           <a:p>
             <a:fld id="{86429C3B-1E6C-4729-9E74-920FE2DF7FD6}" type="datetimeFigureOut">
               <a:rPr lang="en-US" smtClean="0"/>
-              <a:t>5/2/2016</a:t>
+              <a:t>5/5/2016</a:t>
             </a:fld>
             <a:endParaRPr lang="en-US"/>
           </a:p>
@@ -3479,22 +3479,14 @@
           <a:p>
             <a:r>
               <a:rPr lang="en-US" dirty="0" smtClean="0"/>
-              <a:t>Dallas C# Sig – </a:t>
-            </a:r>
+              <a:t>Dallas C# Sig – 5/5/2016</a:t>
+            </a:r>
+            <a:endParaRPr lang="en-US" dirty="0"/>
+          </a:p>
+          <a:p>
             <a:r>
               <a:rPr lang="en-US" dirty="0" smtClean="0"/>
-              <a:t>5/5/2016</a:t>
-            </a:r>
-            <a:endParaRPr lang="en-US" dirty="0"/>
-          </a:p>
-          <a:p>
-            <a:r>
-              <a:rPr lang="en-US" dirty="0" smtClean="0"/>
-              <a:t>Mark </a:t>
-            </a:r>
-            <a:r>
-              <a:rPr lang="en-US" dirty="0" smtClean="0"/>
-              <a:t>Doyle</a:t>
+              <a:t>Mark Doyle</a:t>
             </a:r>
           </a:p>
           <a:p>
@@ -7596,11 +7588,7 @@
                       </a:r>
                       <a:r>
                         <a:rPr lang="en-US" baseline="0" dirty="0" smtClean="0"/>
-                        <a:t> </a:t>
-                      </a:r>
-                      <a:r>
-                        <a:rPr lang="en-US" baseline="0" dirty="0" smtClean="0"/>
-                        <a:t>up</a:t>
+                        <a:t> up</a:t>
                       </a:r>
                     </a:p>
                     <a:p>
@@ -10746,33 +10734,10 @@
               <a:t>       </a:t>
             </a:r>
             <a:r>
-              <a:rPr lang="en-US" dirty="0" err="1" smtClean="0"/>
-              <a:t>mark.doyle</a:t>
-            </a:r>
-            <a:r>
-              <a:rPr lang="en-US" dirty="0" smtClean="0"/>
-              <a:t>@</a:t>
-            </a:r>
-          </a:p>
-          <a:p>
-            <a:pPr marL="0" indent="0">
-              <a:buNone/>
-            </a:pPr>
-            <a:r>
-              <a:rPr lang="en-US" dirty="0" smtClean="0"/>
-              <a:t>       </a:t>
-            </a:r>
-            <a:r>
               <a:rPr lang="en-US" dirty="0" smtClean="0">
                 <a:hlinkClick r:id="rId2"/>
               </a:rPr>
-              <a:t>@</a:t>
-            </a:r>
-            <a:r>
-              <a:rPr lang="en-US" dirty="0" err="1" smtClean="0">
-                <a:hlinkClick r:id="rId2"/>
-              </a:rPr>
-              <a:t>mark_doyle_ftw</a:t>
+              <a:t>mark.doyle@collabroscape.com</a:t>
             </a:r>
             <a:endParaRPr lang="en-US" dirty="0" smtClean="0"/>
           </a:p>
@@ -10781,22 +10746,44 @@
               <a:buNone/>
             </a:pPr>
             <a:r>
-              <a:rPr lang="en-US" dirty="0"/>
-              <a:t>      </a:t>
-            </a:r>
-            <a:r>
               <a:rPr lang="en-US" dirty="0" smtClean="0"/>
-              <a:t> </a:t>
+              <a:t>       </a:t>
             </a:r>
             <a:r>
               <a:rPr lang="en-US" dirty="0" smtClean="0">
                 <a:hlinkClick r:id="rId3"/>
               </a:rPr>
-              <a:t>linkedin.com/in/</a:t>
+              <a:t>@</a:t>
             </a:r>
             <a:r>
               <a:rPr lang="en-US" dirty="0" err="1" smtClean="0">
                 <a:hlinkClick r:id="rId3"/>
+              </a:rPr>
+              <a:t>mark_doyle_ftw</a:t>
+            </a:r>
+            <a:endParaRPr lang="en-US" dirty="0" smtClean="0"/>
+          </a:p>
+          <a:p>
+            <a:pPr marL="0" indent="0">
+              <a:buNone/>
+            </a:pPr>
+            <a:r>
+              <a:rPr lang="en-US" dirty="0"/>
+              <a:t>      </a:t>
+            </a:r>
+            <a:r>
+              <a:rPr lang="en-US" dirty="0" smtClean="0"/>
+              <a:t> </a:t>
+            </a:r>
+            <a:r>
+              <a:rPr lang="en-US" dirty="0" smtClean="0">
+                <a:hlinkClick r:id="rId4"/>
+              </a:rPr>
+              <a:t>linkedin.com/in/</a:t>
+            </a:r>
+            <a:r>
+              <a:rPr lang="en-US" dirty="0" err="1" smtClean="0">
+                <a:hlinkClick r:id="rId4"/>
               </a:rPr>
               <a:t>spencermarkdoyle</a:t>
             </a:r>
@@ -10819,7 +10806,7 @@
           <p:nvPr/>
         </p:nvPicPr>
         <p:blipFill>
-          <a:blip r:embed="rId4">
+          <a:blip r:embed="rId5">
             <a:extLst>
               <a:ext uri="{28A0092B-C50C-407E-A947-70E740481C1C}">
                 <a14:useLocalDpi xmlns:a14="http://schemas.microsoft.com/office/drawing/2010/main" val="0"/>
@@ -10849,7 +10836,7 @@
           <p:nvPr/>
         </p:nvPicPr>
         <p:blipFill>
-          <a:blip r:embed="rId5">
+          <a:blip r:embed="rId6">
             <a:extLst>
               <a:ext uri="{28A0092B-C50C-407E-A947-70E740481C1C}">
                 <a14:useLocalDpi xmlns:a14="http://schemas.microsoft.com/office/drawing/2010/main" val="0"/>
@@ -10879,7 +10866,7 @@
           <p:nvPr/>
         </p:nvPicPr>
         <p:blipFill>
-          <a:blip r:embed="rId6">
+          <a:blip r:embed="rId7">
             <a:extLst>
               <a:ext uri="{28A0092B-C50C-407E-A947-70E740481C1C}">
                 <a14:useLocalDpi xmlns:a14="http://schemas.microsoft.com/office/drawing/2010/main" val="0"/>
@@ -11266,11 +11253,7 @@
                       </a:pPr>
                       <a:r>
                         <a:rPr lang="en-US" dirty="0" smtClean="0"/>
-                        <a:t>Faster access than network-based </a:t>
-                      </a:r>
-                      <a:r>
-                        <a:rPr lang="en-US" dirty="0" smtClean="0"/>
-                        <a:t>resources</a:t>
+                        <a:t>Faster access than network-based resources</a:t>
                       </a:r>
                     </a:p>
                     <a:p>
@@ -11292,7 +11275,6 @@
                         <a:rPr lang="en-US" dirty="0" smtClean="0"/>
                         <a:t>Lower cost*</a:t>
                       </a:r>
-                      <a:endParaRPr lang="en-US" dirty="0" smtClean="0"/>
                     </a:p>
                     <a:p>
                       <a:endParaRPr lang="en-US" dirty="0"/>
@@ -11441,11 +11423,7 @@
             </a:pPr>
             <a:r>
               <a:rPr lang="en-US" dirty="0" smtClean="0"/>
-              <a:t>Distributed </a:t>
-            </a:r>
-            <a:r>
-              <a:rPr lang="en-US" dirty="0" smtClean="0"/>
-              <a:t>cache (</a:t>
+              <a:t>Distributed cache (</a:t>
             </a:r>
             <a:r>
               <a:rPr lang="en-US" dirty="0"/>
@@ -11467,7 +11445,6 @@
               <a:rPr lang="en-US" dirty="0" smtClean="0"/>
               <a:t>)</a:t>
             </a:r>
-            <a:endParaRPr lang="en-US" dirty="0" smtClean="0"/>
           </a:p>
           <a:p>
             <a:pPr marL="0" indent="0">
@@ -11499,11 +11476,7 @@
             </a:pPr>
             <a:r>
               <a:rPr lang="en-US" dirty="0" smtClean="0"/>
-              <a:t>H</a:t>
-            </a:r>
-            <a:r>
-              <a:rPr lang="en-US" dirty="0" smtClean="0"/>
-              <a:t>ybrid cache (in-memory + distributed)</a:t>
+              <a:t>Hybrid cache (in-memory + distributed)</a:t>
             </a:r>
             <a:endParaRPr lang="en-US" dirty="0"/>
           </a:p>
@@ -11600,11 +11573,7 @@
                       </a:r>
                       <a:r>
                         <a:rPr lang="en-US" baseline="0" dirty="0" smtClean="0"/>
-                        <a:t> accessible to numerous processes / </a:t>
-                      </a:r>
-                      <a:r>
-                        <a:rPr lang="en-US" baseline="0" dirty="0" smtClean="0"/>
-                        <a:t>machines</a:t>
+                        <a:t> accessible to numerous processes / machines</a:t>
                       </a:r>
                     </a:p>
                     <a:p>
@@ -11629,7 +11598,6 @@
                         <a:rPr lang="en-US" dirty="0" smtClean="0"/>
                         <a:t>Fewer storage transactions</a:t>
                       </a:r>
-                      <a:endParaRPr lang="en-US" dirty="0" smtClean="0"/>
                     </a:p>
                     <a:p>
                       <a:endParaRPr lang="en-US" dirty="0"/>
@@ -11648,11 +11616,7 @@
                       </a:pPr>
                       <a:r>
                         <a:rPr lang="en-US" dirty="0" smtClean="0"/>
-                        <a:t>Network-based </a:t>
-                      </a:r>
-                      <a:r>
-                        <a:rPr lang="en-US" dirty="0" smtClean="0"/>
-                        <a:t>resource (more network transactions)</a:t>
+                        <a:t>Network-based resource (more network transactions)</a:t>
                       </a:r>
                       <a:endParaRPr lang="en-US" dirty="0"/>
                     </a:p>

--- a/RealWorldScalability/Real World Scalability.pptx
+++ b/RealWorldScalability/Real World Scalability.pptx
@@ -228,7 +228,7 @@
           <a:p>
             <a:fld id="{D2BBC1C2-57E6-44B2-9E94-904C73AAC6C2}" type="datetimeFigureOut">
               <a:rPr lang="en-US" smtClean="0"/>
-              <a:t>5/5/2016</a:t>
+              <a:t>9/7/2016</a:t>
             </a:fld>
             <a:endParaRPr lang="en-US"/>
           </a:p>
@@ -711,7 +711,7 @@
           <a:p>
             <a:fld id="{86429C3B-1E6C-4729-9E74-920FE2DF7FD6}" type="datetimeFigureOut">
               <a:rPr lang="en-US" smtClean="0"/>
-              <a:t>5/5/2016</a:t>
+              <a:t>9/7/2016</a:t>
             </a:fld>
             <a:endParaRPr lang="en-US"/>
           </a:p>
@@ -881,7 +881,7 @@
           <a:p>
             <a:fld id="{86429C3B-1E6C-4729-9E74-920FE2DF7FD6}" type="datetimeFigureOut">
               <a:rPr lang="en-US" smtClean="0"/>
-              <a:t>5/5/2016</a:t>
+              <a:t>9/7/2016</a:t>
             </a:fld>
             <a:endParaRPr lang="en-US"/>
           </a:p>
@@ -1061,7 +1061,7 @@
           <a:p>
             <a:fld id="{86429C3B-1E6C-4729-9E74-920FE2DF7FD6}" type="datetimeFigureOut">
               <a:rPr lang="en-US" smtClean="0"/>
-              <a:t>5/5/2016</a:t>
+              <a:t>9/7/2016</a:t>
             </a:fld>
             <a:endParaRPr lang="en-US"/>
           </a:p>
@@ -1231,7 +1231,7 @@
           <a:p>
             <a:fld id="{86429C3B-1E6C-4729-9E74-920FE2DF7FD6}" type="datetimeFigureOut">
               <a:rPr lang="en-US" smtClean="0"/>
-              <a:t>5/5/2016</a:t>
+              <a:t>9/7/2016</a:t>
             </a:fld>
             <a:endParaRPr lang="en-US"/>
           </a:p>
@@ -1477,7 +1477,7 @@
           <a:p>
             <a:fld id="{86429C3B-1E6C-4729-9E74-920FE2DF7FD6}" type="datetimeFigureOut">
               <a:rPr lang="en-US" smtClean="0"/>
-              <a:t>5/5/2016</a:t>
+              <a:t>9/7/2016</a:t>
             </a:fld>
             <a:endParaRPr lang="en-US"/>
           </a:p>
@@ -1709,7 +1709,7 @@
           <a:p>
             <a:fld id="{86429C3B-1E6C-4729-9E74-920FE2DF7FD6}" type="datetimeFigureOut">
               <a:rPr lang="en-US" smtClean="0"/>
-              <a:t>5/5/2016</a:t>
+              <a:t>9/7/2016</a:t>
             </a:fld>
             <a:endParaRPr lang="en-US"/>
           </a:p>
@@ -2076,7 +2076,7 @@
           <a:p>
             <a:fld id="{86429C3B-1E6C-4729-9E74-920FE2DF7FD6}" type="datetimeFigureOut">
               <a:rPr lang="en-US" smtClean="0"/>
-              <a:t>5/5/2016</a:t>
+              <a:t>9/7/2016</a:t>
             </a:fld>
             <a:endParaRPr lang="en-US"/>
           </a:p>
@@ -2194,7 +2194,7 @@
           <a:p>
             <a:fld id="{86429C3B-1E6C-4729-9E74-920FE2DF7FD6}" type="datetimeFigureOut">
               <a:rPr lang="en-US" smtClean="0"/>
-              <a:t>5/5/2016</a:t>
+              <a:t>9/7/2016</a:t>
             </a:fld>
             <a:endParaRPr lang="en-US"/>
           </a:p>
@@ -2289,7 +2289,7 @@
           <a:p>
             <a:fld id="{86429C3B-1E6C-4729-9E74-920FE2DF7FD6}" type="datetimeFigureOut">
               <a:rPr lang="en-US" smtClean="0"/>
-              <a:t>5/5/2016</a:t>
+              <a:t>9/7/2016</a:t>
             </a:fld>
             <a:endParaRPr lang="en-US"/>
           </a:p>
@@ -2566,7 +2566,7 @@
           <a:p>
             <a:fld id="{86429C3B-1E6C-4729-9E74-920FE2DF7FD6}" type="datetimeFigureOut">
               <a:rPr lang="en-US" smtClean="0"/>
-              <a:t>5/5/2016</a:t>
+              <a:t>9/7/2016</a:t>
             </a:fld>
             <a:endParaRPr lang="en-US"/>
           </a:p>
@@ -2819,7 +2819,7 @@
           <a:p>
             <a:fld id="{86429C3B-1E6C-4729-9E74-920FE2DF7FD6}" type="datetimeFigureOut">
               <a:rPr lang="en-US" smtClean="0"/>
-              <a:t>5/5/2016</a:t>
+              <a:t>9/7/2016</a:t>
             </a:fld>
             <a:endParaRPr lang="en-US"/>
           </a:p>
@@ -3032,7 +3032,7 @@
           <a:p>
             <a:fld id="{86429C3B-1E6C-4729-9E74-920FE2DF7FD6}" type="datetimeFigureOut">
               <a:rPr lang="en-US" smtClean="0"/>
-              <a:t>5/5/2016</a:t>
+              <a:t>9/7/2016</a:t>
             </a:fld>
             <a:endParaRPr lang="en-US"/>
           </a:p>
@@ -3447,7 +3447,12 @@
             <p:ph type="ctrTitle"/>
           </p:nvPr>
         </p:nvSpPr>
-        <p:spPr/>
+        <p:spPr>
+          <a:xfrm>
+            <a:off x="1524000" y="1122363"/>
+            <a:ext cx="9144000" cy="1031557"/>
+          </a:xfrm>
+        </p:spPr>
         <p:txBody>
           <a:bodyPr/>
           <a:lstStyle/>
@@ -3470,70 +3475,215 @@
             <p:ph type="subTitle" idx="1"/>
           </p:nvPr>
         </p:nvSpPr>
-        <p:spPr/>
+        <p:spPr>
+          <a:xfrm>
+            <a:off x="1524000" y="2118497"/>
+            <a:ext cx="9398000" cy="3931920"/>
+          </a:xfrm>
+        </p:spPr>
         <p:txBody>
           <a:bodyPr>
-            <a:normAutofit lnSpcReduction="10000"/>
+            <a:normAutofit/>
           </a:bodyPr>
           <a:lstStyle/>
           <a:p>
             <a:r>
-              <a:rPr lang="en-US" dirty="0" smtClean="0"/>
-              <a:t>Dallas C# Sig – 5/5/2016</a:t>
-            </a:r>
-            <a:endParaRPr lang="en-US" dirty="0"/>
-          </a:p>
-          <a:p>
-            <a:r>
-              <a:rPr lang="en-US" dirty="0" smtClean="0"/>
-              <a:t>Mark Doyle</a:t>
-            </a:r>
-          </a:p>
-          <a:p>
-            <a:endParaRPr lang="en-US" dirty="0"/>
-          </a:p>
-          <a:p>
-            <a:r>
-              <a:rPr lang="en-US" dirty="0" smtClean="0"/>
+              <a:rPr lang="en-US" sz="2800" dirty="0" smtClean="0"/>
+              <a:t>Mark </a:t>
+            </a:r>
+            <a:r>
+              <a:rPr lang="en-US" sz="2800" dirty="0"/>
+              <a:t>Doyle</a:t>
+            </a:r>
+          </a:p>
+          <a:p>
+            <a:pPr algn="l"/>
+            <a:endParaRPr lang="en-US" sz="2800" dirty="0"/>
+          </a:p>
+          <a:p>
+            <a:pPr algn="l"/>
+            <a:r>
+              <a:rPr lang="en-US" sz="2800" dirty="0"/>
+              <a:t>       </a:t>
+            </a:r>
+            <a:r>
+              <a:rPr lang="en-US" sz="2800" dirty="0">
+                <a:hlinkClick r:id="rId3"/>
+              </a:rPr>
+              <a:t>mark.doyle@improving.com</a:t>
+            </a:r>
+            <a:endParaRPr lang="en-US" sz="2800" dirty="0"/>
+          </a:p>
+          <a:p>
+            <a:pPr algn="l"/>
+            <a:r>
+              <a:rPr lang="en-US" sz="2800" dirty="0"/>
+              <a:t>       </a:t>
+            </a:r>
+            <a:r>
+              <a:rPr lang="en-US" sz="2800" dirty="0">
+                <a:hlinkClick r:id="rId4"/>
+              </a:rPr>
+              <a:t>@</a:t>
+            </a:r>
+            <a:r>
+              <a:rPr lang="en-US" sz="2800" dirty="0" err="1">
+                <a:hlinkClick r:id="rId4"/>
+              </a:rPr>
+              <a:t>mark_doyle_ftw</a:t>
+            </a:r>
+            <a:endParaRPr lang="en-US" sz="2800" dirty="0"/>
+          </a:p>
+          <a:p>
+            <a:pPr algn="l"/>
+            <a:r>
+              <a:rPr lang="en-US" sz="2800" dirty="0"/>
+              <a:t>       </a:t>
+            </a:r>
+            <a:r>
+              <a:rPr lang="en-US" sz="2800" dirty="0">
+                <a:hlinkClick r:id="rId5"/>
+              </a:rPr>
+              <a:t>linkedin.com/in/</a:t>
+            </a:r>
+            <a:r>
+              <a:rPr lang="en-US" sz="2800" dirty="0" err="1">
+                <a:hlinkClick r:id="rId5"/>
+              </a:rPr>
+              <a:t>spencermarkdoyle</a:t>
+            </a:r>
+            <a:endParaRPr lang="en-US" sz="2800" dirty="0"/>
+          </a:p>
+          <a:p>
+            <a:pPr algn="l"/>
+            <a:endParaRPr lang="en-US" sz="2800" dirty="0"/>
+          </a:p>
+          <a:p>
+            <a:pPr algn="l"/>
+            <a:r>
+              <a:rPr lang="en-US" sz="2800" dirty="0" smtClean="0"/>
               <a:t>Materials </a:t>
             </a:r>
             <a:r>
-              <a:rPr lang="en-US" dirty="0"/>
+              <a:rPr lang="en-US" sz="2800" dirty="0"/>
               <a:t>on GitHub: </a:t>
             </a:r>
             <a:r>
-              <a:rPr lang="en-US" u="sng" dirty="0">
+              <a:rPr lang="en-US" sz="2800" u="sng" dirty="0">
                 <a:solidFill>
                   <a:schemeClr val="accent1"/>
                 </a:solidFill>
-                <a:hlinkClick r:id="rId3"/>
+                <a:hlinkClick r:id="rId6"/>
               </a:rPr>
               <a:t>https://</a:t>
             </a:r>
             <a:r>
-              <a:rPr lang="en-US" u="sng" dirty="0" smtClean="0">
+              <a:rPr lang="en-US" sz="2800" u="sng" dirty="0" smtClean="0">
                 <a:solidFill>
                   <a:schemeClr val="accent1"/>
                 </a:solidFill>
-                <a:hlinkClick r:id="rId3"/>
+                <a:hlinkClick r:id="rId6"/>
               </a:rPr>
               <a:t>github.com/mark-doyle/dal-cs-sig</a:t>
             </a:r>
-            <a:endParaRPr lang="en-US" u="sng" dirty="0" smtClean="0">
+            <a:endParaRPr lang="en-US" sz="2800" u="sng" dirty="0" smtClean="0">
               <a:solidFill>
                 <a:schemeClr val="accent1"/>
               </a:solidFill>
             </a:endParaRPr>
           </a:p>
-          <a:p>
-            <a:endParaRPr lang="en-US" u="sng" dirty="0">
-              <a:solidFill>
-                <a:schemeClr val="accent1"/>
-              </a:solidFill>
-            </a:endParaRPr>
-          </a:p>
-        </p:txBody>
-      </p:sp>
+        </p:txBody>
+      </p:sp>
+      <p:pic>
+        <p:nvPicPr>
+          <p:cNvPr id="4" name="Picture 3"/>
+          <p:cNvPicPr>
+            <a:picLocks noChangeAspect="1"/>
+          </p:cNvPicPr>
+          <p:nvPr/>
+        </p:nvPicPr>
+        <p:blipFill>
+          <a:blip r:embed="rId7">
+            <a:extLst>
+              <a:ext uri="{28A0092B-C50C-407E-A947-70E740481C1C}">
+                <a14:useLocalDpi xmlns:a14="http://schemas.microsoft.com/office/drawing/2010/main" val="0"/>
+              </a:ext>
+            </a:extLst>
+          </a:blip>
+          <a:stretch>
+            <a:fillRect/>
+          </a:stretch>
+        </p:blipFill>
+        <p:spPr>
+          <a:xfrm>
+            <a:off x="1524000" y="3581949"/>
+            <a:ext cx="609600" cy="609600"/>
+          </a:xfrm>
+          <a:prstGeom prst="rect">
+            <a:avLst/>
+          </a:prstGeom>
+        </p:spPr>
+      </p:pic>
+      <p:pic>
+        <p:nvPicPr>
+          <p:cNvPr id="5" name="Picture 4"/>
+          <p:cNvPicPr>
+            <a:picLocks noChangeAspect="1"/>
+          </p:cNvPicPr>
+          <p:nvPr/>
+        </p:nvPicPr>
+        <p:blipFill>
+          <a:blip r:embed="rId8">
+            <a:extLst>
+              <a:ext uri="{28A0092B-C50C-407E-A947-70E740481C1C}">
+                <a14:useLocalDpi xmlns:a14="http://schemas.microsoft.com/office/drawing/2010/main" val="0"/>
+              </a:ext>
+            </a:extLst>
+          </a:blip>
+          <a:stretch>
+            <a:fillRect/>
+          </a:stretch>
+        </p:blipFill>
+        <p:spPr>
+          <a:xfrm>
+            <a:off x="1524000" y="4084457"/>
+            <a:ext cx="609600" cy="609600"/>
+          </a:xfrm>
+          <a:prstGeom prst="rect">
+            <a:avLst/>
+          </a:prstGeom>
+        </p:spPr>
+      </p:pic>
+      <p:pic>
+        <p:nvPicPr>
+          <p:cNvPr id="6" name="Picture 5"/>
+          <p:cNvPicPr>
+            <a:picLocks noChangeAspect="1"/>
+          </p:cNvPicPr>
+          <p:nvPr/>
+        </p:nvPicPr>
+        <p:blipFill>
+          <a:blip r:embed="rId9">
+            <a:extLst>
+              <a:ext uri="{28A0092B-C50C-407E-A947-70E740481C1C}">
+                <a14:useLocalDpi xmlns:a14="http://schemas.microsoft.com/office/drawing/2010/main" val="0"/>
+              </a:ext>
+            </a:extLst>
+          </a:blip>
+          <a:stretch>
+            <a:fillRect/>
+          </a:stretch>
+        </p:blipFill>
+        <p:spPr>
+          <a:xfrm>
+            <a:off x="1524000" y="3079441"/>
+            <a:ext cx="609600" cy="609600"/>
+          </a:xfrm>
+          <a:prstGeom prst="rect">
+            <a:avLst/>
+          </a:prstGeom>
+        </p:spPr>
+      </p:pic>
     </p:spTree>
     <p:extLst>
       <p:ext uri="{BB962C8B-B14F-4D97-AF65-F5344CB8AC3E}">
@@ -4119,7 +4269,12 @@
             <p:ph idx="1"/>
           </p:nvPr>
         </p:nvSpPr>
-        <p:spPr/>
+        <p:spPr>
+          <a:xfrm>
+            <a:off x="838200" y="1825625"/>
+            <a:ext cx="10515600" cy="2422525"/>
+          </a:xfrm>
+        </p:spPr>
         <p:txBody>
           <a:bodyPr/>
           <a:lstStyle/>
@@ -4154,43 +4309,6 @@
             <a:pPr marL="0" indent="0">
               <a:buNone/>
             </a:pPr>
-            <a:endParaRPr lang="en-US" dirty="0"/>
-          </a:p>
-          <a:p>
-            <a:r>
-              <a:rPr lang="en-US" dirty="0" err="1" smtClean="0"/>
-              <a:t>Async</a:t>
-            </a:r>
-            <a:r>
-              <a:rPr lang="en-US" dirty="0" smtClean="0"/>
-              <a:t> </a:t>
-            </a:r>
-            <a:r>
-              <a:rPr lang="en-US" b="1" dirty="0" smtClean="0"/>
-              <a:t>with</a:t>
-            </a:r>
-            <a:r>
-              <a:rPr lang="en-US" dirty="0" smtClean="0"/>
-              <a:t> caching is most performant</a:t>
-            </a:r>
-          </a:p>
-          <a:p>
-            <a:r>
-              <a:rPr lang="en-US" dirty="0" err="1" smtClean="0"/>
-              <a:t>Async</a:t>
-            </a:r>
-            <a:r>
-              <a:rPr lang="en-US" dirty="0" smtClean="0"/>
-              <a:t> </a:t>
-            </a:r>
-            <a:r>
-              <a:rPr lang="en-US" b="1" dirty="0" smtClean="0"/>
-              <a:t>without</a:t>
-            </a:r>
-            <a:r>
-              <a:rPr lang="en-US" dirty="0" smtClean="0"/>
-              <a:t> caching is least performant</a:t>
-            </a:r>
             <a:endParaRPr lang="en-US" dirty="0"/>
           </a:p>
         </p:txBody>
@@ -4456,12 +4574,12 @@
                     <a:p>
                       <a:pPr algn="l" fontAlgn="b"/>
                       <a:r>
-                        <a:rPr lang="en-US" sz="1800" u="none" strike="noStrike">
+                        <a:rPr lang="en-US" sz="1800" u="none" strike="noStrike" dirty="0">
                           <a:effectLst/>
                         </a:rPr>
                         <a:t>           0.21 </a:t>
                       </a:r>
-                      <a:endParaRPr lang="en-US" sz="1800" b="0" i="1" u="none" strike="noStrike">
+                      <a:endParaRPr lang="en-US" sz="1800" b="0" i="1" u="none" strike="noStrike" dirty="0">
                         <a:solidFill>
                           <a:srgbClr val="000000"/>
                         </a:solidFill>
@@ -4596,12 +4714,12 @@
                     <a:p>
                       <a:pPr algn="l" fontAlgn="b"/>
                       <a:r>
-                        <a:rPr lang="en-US" sz="1800" u="none" strike="noStrike">
+                        <a:rPr lang="en-US" sz="1800" u="none" strike="noStrike" dirty="0">
                           <a:effectLst/>
                         </a:rPr>
                         <a:t>           0.20 </a:t>
                       </a:r>
-                      <a:endParaRPr lang="en-US" sz="1800" b="0" i="1" u="none" strike="noStrike">
+                      <a:endParaRPr lang="en-US" sz="1800" b="0" i="1" u="none" strike="noStrike" dirty="0">
                         <a:solidFill>
                           <a:srgbClr val="000000"/>
                         </a:solidFill>
@@ -4977,6 +5095,126 @@
           </a:graphicData>
         </a:graphic>
       </p:graphicFrame>
+      <p:sp>
+        <p:nvSpPr>
+          <p:cNvPr id="4" name="Rectangle 3"/>
+          <p:cNvSpPr/>
+          <p:nvPr/>
+        </p:nvSpPr>
+        <p:spPr>
+          <a:xfrm>
+            <a:off x="4314826" y="2470484"/>
+            <a:ext cx="4608024" cy="1529198"/>
+          </a:xfrm>
+          <a:prstGeom prst="rect">
+            <a:avLst/>
+          </a:prstGeom>
+          <a:solidFill>
+            <a:schemeClr val="bg1"/>
+          </a:solidFill>
+          <a:ln>
+            <a:solidFill>
+              <a:schemeClr val="bg1"/>
+            </a:solidFill>
+          </a:ln>
+        </p:spPr>
+        <p:style>
+          <a:lnRef idx="2">
+            <a:schemeClr val="accent1">
+              <a:shade val="50000"/>
+            </a:schemeClr>
+          </a:lnRef>
+          <a:fillRef idx="1">
+            <a:schemeClr val="accent1"/>
+          </a:fillRef>
+          <a:effectRef idx="0">
+            <a:schemeClr val="accent1"/>
+          </a:effectRef>
+          <a:fontRef idx="minor">
+            <a:schemeClr val="lt1"/>
+          </a:fontRef>
+        </p:style>
+        <p:txBody>
+          <a:bodyPr rtlCol="0" anchor="ctr"/>
+          <a:lstStyle/>
+          <a:p>
+            <a:pPr algn="ctr"/>
+            <a:endParaRPr lang="en-US"/>
+          </a:p>
+        </p:txBody>
+      </p:sp>
+      <p:sp>
+        <p:nvSpPr>
+          <p:cNvPr id="5" name="TextBox 4"/>
+          <p:cNvSpPr txBox="1"/>
+          <p:nvPr/>
+        </p:nvSpPr>
+        <p:spPr>
+          <a:xfrm>
+            <a:off x="838200" y="4505325"/>
+            <a:ext cx="10515600" cy="954107"/>
+          </a:xfrm>
+          <a:prstGeom prst="rect">
+            <a:avLst/>
+          </a:prstGeom>
+          <a:noFill/>
+        </p:spPr>
+        <p:txBody>
+          <a:bodyPr wrap="square" rtlCol="0">
+            <a:spAutoFit/>
+          </a:bodyPr>
+          <a:lstStyle/>
+          <a:p>
+            <a:pPr marL="342900" indent="-342900">
+              <a:buFont typeface="Arial" panose="020B0604020202020204" pitchFamily="34" charset="0"/>
+              <a:buChar char="•"/>
+            </a:pPr>
+            <a:r>
+              <a:rPr lang="en-US" sz="2800" dirty="0" err="1"/>
+              <a:t>Async</a:t>
+            </a:r>
+            <a:r>
+              <a:rPr lang="en-US" sz="2800" dirty="0"/>
+              <a:t> </a:t>
+            </a:r>
+            <a:r>
+              <a:rPr lang="en-US" sz="2800" b="1" dirty="0"/>
+              <a:t>with</a:t>
+            </a:r>
+            <a:r>
+              <a:rPr lang="en-US" sz="2800" dirty="0"/>
+              <a:t> caching is most performant</a:t>
+            </a:r>
+          </a:p>
+          <a:p>
+            <a:pPr marL="342900" indent="-342900">
+              <a:buFont typeface="Arial" panose="020B0604020202020204" pitchFamily="34" charset="0"/>
+              <a:buChar char="•"/>
+            </a:pPr>
+            <a:r>
+              <a:rPr lang="en-US" sz="2800" dirty="0" err="1"/>
+              <a:t>Async</a:t>
+            </a:r>
+            <a:r>
+              <a:rPr lang="en-US" sz="2800" dirty="0"/>
+              <a:t> </a:t>
+            </a:r>
+            <a:r>
+              <a:rPr lang="en-US" sz="2800" b="1" dirty="0"/>
+              <a:t>without</a:t>
+            </a:r>
+            <a:r>
+              <a:rPr lang="en-US" sz="2800" dirty="0"/>
+              <a:t> caching is least </a:t>
+            </a:r>
+            <a:r>
+              <a:rPr lang="en-US" sz="2800" dirty="0" smtClean="0"/>
+              <a:t>performant</a:t>
+            </a:r>
+            <a:endParaRPr lang="en-US" sz="2800" dirty="0"/>
+          </a:p>
+        </p:txBody>
+      </p:sp>
     </p:spTree>
     <p:extLst>
       <p:ext uri="{BB962C8B-B14F-4D97-AF65-F5344CB8AC3E}">
@@ -4990,9 +5228,126 @@
   <p:timing>
     <p:tnLst>
       <p:par>
-        <p:cTn id="1" dur="indefinite" restart="never" nodeType="tmRoot"/>
+        <p:cTn id="1" dur="indefinite" restart="never" nodeType="tmRoot">
+          <p:childTnLst>
+            <p:seq concurrent="1" nextAc="seek">
+              <p:cTn id="2" dur="indefinite" nodeType="mainSeq">
+                <p:childTnLst>
+                  <p:par>
+                    <p:cTn id="3" fill="hold">
+                      <p:stCondLst>
+                        <p:cond delay="indefinite"/>
+                      </p:stCondLst>
+                      <p:childTnLst>
+                        <p:par>
+                          <p:cTn id="4" fill="hold">
+                            <p:stCondLst>
+                              <p:cond delay="0"/>
+                            </p:stCondLst>
+                            <p:childTnLst>
+                              <p:par>
+                                <p:cTn id="5" presetID="1" presetClass="exit" presetSubtype="0" fill="hold" grpId="0" nodeType="clickEffect">
+                                  <p:stCondLst>
+                                    <p:cond delay="0"/>
+                                  </p:stCondLst>
+                                  <p:childTnLst>
+                                    <p:set>
+                                      <p:cBhvr>
+                                        <p:cTn id="6" dur="1" fill="hold">
+                                          <p:stCondLst>
+                                            <p:cond delay="0"/>
+                                          </p:stCondLst>
+                                        </p:cTn>
+                                        <p:tgtEl>
+                                          <p:spTgt spid="4"/>
+                                        </p:tgtEl>
+                                        <p:attrNameLst>
+                                          <p:attrName>style.visibility</p:attrName>
+                                        </p:attrNameLst>
+                                      </p:cBhvr>
+                                      <p:to>
+                                        <p:strVal val="hidden"/>
+                                      </p:to>
+                                    </p:set>
+                                  </p:childTnLst>
+                                </p:cTn>
+                              </p:par>
+                            </p:childTnLst>
+                          </p:cTn>
+                        </p:par>
+                      </p:childTnLst>
+                    </p:cTn>
+                  </p:par>
+                  <p:par>
+                    <p:cTn id="7" fill="hold">
+                      <p:stCondLst>
+                        <p:cond delay="indefinite"/>
+                      </p:stCondLst>
+                      <p:childTnLst>
+                        <p:par>
+                          <p:cTn id="8" fill="hold">
+                            <p:stCondLst>
+                              <p:cond delay="0"/>
+                            </p:stCondLst>
+                            <p:childTnLst>
+                              <p:par>
+                                <p:cTn id="9" presetID="1" presetClass="entr" presetSubtype="0" fill="hold" grpId="0" nodeType="clickEffect">
+                                  <p:stCondLst>
+                                    <p:cond delay="0"/>
+                                  </p:stCondLst>
+                                  <p:childTnLst>
+                                    <p:set>
+                                      <p:cBhvr>
+                                        <p:cTn id="10" dur="1" fill="hold">
+                                          <p:stCondLst>
+                                            <p:cond delay="0"/>
+                                          </p:stCondLst>
+                                        </p:cTn>
+                                        <p:tgtEl>
+                                          <p:spTgt spid="5"/>
+                                        </p:tgtEl>
+                                        <p:attrNameLst>
+                                          <p:attrName>style.visibility</p:attrName>
+                                        </p:attrNameLst>
+                                      </p:cBhvr>
+                                      <p:to>
+                                        <p:strVal val="visible"/>
+                                      </p:to>
+                                    </p:set>
+                                  </p:childTnLst>
+                                </p:cTn>
+                              </p:par>
+                            </p:childTnLst>
+                          </p:cTn>
+                        </p:par>
+                      </p:childTnLst>
+                    </p:cTn>
+                  </p:par>
+                </p:childTnLst>
+              </p:cTn>
+              <p:prevCondLst>
+                <p:cond evt="onPrev" delay="0">
+                  <p:tgtEl>
+                    <p:sldTgt/>
+                  </p:tgtEl>
+                </p:cond>
+              </p:prevCondLst>
+              <p:nextCondLst>
+                <p:cond evt="onNext" delay="0">
+                  <p:tgtEl>
+                    <p:sldTgt/>
+                  </p:tgtEl>
+                </p:cond>
+              </p:nextCondLst>
+            </p:seq>
+          </p:childTnLst>
+        </p:cTn>
       </p:par>
     </p:tnLst>
+    <p:bldLst>
+      <p:bldP spid="4" grpId="0" animBg="1"/>
+      <p:bldP spid="5" grpId="0"/>
+    </p:bldLst>
   </p:timing>
 </p:sld>
 </file>
@@ -7199,6 +7554,54 @@
           </a:graphicData>
         </a:graphic>
       </p:graphicFrame>
+      <p:sp>
+        <p:nvSpPr>
+          <p:cNvPr id="5" name="Rectangle 4"/>
+          <p:cNvSpPr/>
+          <p:nvPr/>
+        </p:nvSpPr>
+        <p:spPr>
+          <a:xfrm>
+            <a:off x="6305551" y="2390273"/>
+            <a:ext cx="4185986" cy="2993460"/>
+          </a:xfrm>
+          <a:prstGeom prst="rect">
+            <a:avLst/>
+          </a:prstGeom>
+          <a:solidFill>
+            <a:schemeClr val="bg1"/>
+          </a:solidFill>
+          <a:ln>
+            <a:solidFill>
+              <a:schemeClr val="bg1"/>
+            </a:solidFill>
+          </a:ln>
+        </p:spPr>
+        <p:style>
+          <a:lnRef idx="2">
+            <a:schemeClr val="accent1">
+              <a:shade val="50000"/>
+            </a:schemeClr>
+          </a:lnRef>
+          <a:fillRef idx="1">
+            <a:schemeClr val="accent1"/>
+          </a:fillRef>
+          <a:effectRef idx="0">
+            <a:schemeClr val="accent1"/>
+          </a:effectRef>
+          <a:fontRef idx="minor">
+            <a:schemeClr val="lt1"/>
+          </a:fontRef>
+        </p:style>
+        <p:txBody>
+          <a:bodyPr rtlCol="0" anchor="ctr"/>
+          <a:lstStyle/>
+          <a:p>
+            <a:pPr algn="ctr"/>
+            <a:endParaRPr lang="en-US"/>
+          </a:p>
+        </p:txBody>
+      </p:sp>
     </p:spTree>
     <p:extLst>
       <p:ext uri="{BB962C8B-B14F-4D97-AF65-F5344CB8AC3E}">
@@ -7212,9 +7615,80 @@
   <p:timing>
     <p:tnLst>
       <p:par>
-        <p:cTn id="1" dur="indefinite" restart="never" nodeType="tmRoot"/>
+        <p:cTn id="1" dur="indefinite" restart="never" nodeType="tmRoot">
+          <p:childTnLst>
+            <p:seq concurrent="1" nextAc="seek">
+              <p:cTn id="2" dur="indefinite" nodeType="mainSeq">
+                <p:childTnLst>
+                  <p:par>
+                    <p:cTn id="3" fill="hold">
+                      <p:stCondLst>
+                        <p:cond delay="indefinite"/>
+                      </p:stCondLst>
+                      <p:childTnLst>
+                        <p:par>
+                          <p:cTn id="4" fill="hold">
+                            <p:stCondLst>
+                              <p:cond delay="0"/>
+                            </p:stCondLst>
+                            <p:childTnLst>
+                              <p:par>
+                                <p:cTn id="5" presetID="1" presetClass="exit" presetSubtype="0" fill="hold" grpId="0" nodeType="clickEffect">
+                                  <p:stCondLst>
+                                    <p:cond delay="0"/>
+                                  </p:stCondLst>
+                                  <p:childTnLst>
+                                    <p:set>
+                                      <p:cBhvr>
+                                        <p:cTn id="6" dur="1" fill="hold">
+                                          <p:stCondLst>
+                                            <p:cond delay="0"/>
+                                          </p:stCondLst>
+                                        </p:cTn>
+                                        <p:tgtEl>
+                                          <p:spTgt spid="5"/>
+                                        </p:tgtEl>
+                                        <p:attrNameLst>
+                                          <p:attrName>style.visibility</p:attrName>
+                                        </p:attrNameLst>
+                                      </p:cBhvr>
+                                      <p:to>
+                                        <p:strVal val="hidden"/>
+                                      </p:to>
+                                    </p:set>
+                                  </p:childTnLst>
+                                </p:cTn>
+                              </p:par>
+                            </p:childTnLst>
+                          </p:cTn>
+                        </p:par>
+                      </p:childTnLst>
+                    </p:cTn>
+                  </p:par>
+                </p:childTnLst>
+              </p:cTn>
+              <p:prevCondLst>
+                <p:cond evt="onPrev" delay="0">
+                  <p:tgtEl>
+                    <p:sldTgt/>
+                  </p:tgtEl>
+                </p:cond>
+              </p:prevCondLst>
+              <p:nextCondLst>
+                <p:cond evt="onNext" delay="0">
+                  <p:tgtEl>
+                    <p:sldTgt/>
+                  </p:tgtEl>
+                </p:cond>
+              </p:nextCondLst>
+            </p:seq>
+          </p:childTnLst>
+        </p:cTn>
       </p:par>
     </p:tnLst>
+    <p:bldLst>
+      <p:bldP spid="5" grpId="0" animBg="1"/>
+    </p:bldLst>
   </p:timing>
 </p:sld>
 </file>
@@ -7713,7 +8187,7 @@
             </a:pPr>
             <a:r>
               <a:rPr lang="en-US" dirty="0" smtClean="0"/>
-              <a:t>Solution 3: Caching, no </a:t>
+              <a:t>Solution 3: Distributed caching, no </a:t>
             </a:r>
             <a:r>
               <a:rPr lang="en-US" dirty="0" err="1" smtClean="0"/>
@@ -7736,7 +8210,7 @@
             </a:pPr>
             <a:r>
               <a:rPr lang="en-US" dirty="0" smtClean="0"/>
-              <a:t>Solution 4: Caching, with </a:t>
+              <a:t>Solution 4: Distributed caching, with </a:t>
             </a:r>
             <a:r>
               <a:rPr lang="en-US" dirty="0" err="1" smtClean="0"/>
@@ -7910,7 +8384,12 @@
             <p:ph idx="1"/>
           </p:nvPr>
         </p:nvSpPr>
-        <p:spPr/>
+        <p:spPr>
+          <a:xfrm>
+            <a:off x="838200" y="1825626"/>
+            <a:ext cx="10515600" cy="2336800"/>
+          </a:xfrm>
+        </p:spPr>
         <p:txBody>
           <a:bodyPr/>
           <a:lstStyle/>
@@ -7945,26 +8424,6 @@
             <a:pPr marL="0" indent="0">
               <a:buNone/>
             </a:pPr>
-            <a:endParaRPr lang="en-US" dirty="0"/>
-          </a:p>
-          <a:p>
-            <a:pPr lvl="1"/>
-            <a:r>
-              <a:rPr lang="en-US" dirty="0" err="1" smtClean="0"/>
-              <a:t>Async</a:t>
-            </a:r>
-            <a:r>
-              <a:rPr lang="en-US" dirty="0" smtClean="0"/>
-              <a:t> </a:t>
-            </a:r>
-            <a:r>
-              <a:rPr lang="en-US" b="1" dirty="0" smtClean="0"/>
-              <a:t>without</a:t>
-            </a:r>
-            <a:r>
-              <a:rPr lang="en-US" dirty="0" smtClean="0"/>
-              <a:t> caching was more performant</a:t>
-            </a:r>
             <a:endParaRPr lang="en-US" dirty="0"/>
           </a:p>
         </p:txBody>
@@ -8765,6 +9224,102 @@
           </a:graphicData>
         </a:graphic>
       </p:graphicFrame>
+      <p:sp>
+        <p:nvSpPr>
+          <p:cNvPr id="5" name="Rectangle 4"/>
+          <p:cNvSpPr/>
+          <p:nvPr/>
+        </p:nvSpPr>
+        <p:spPr>
+          <a:xfrm>
+            <a:off x="4762500" y="2390273"/>
+            <a:ext cx="3338763" cy="1472265"/>
+          </a:xfrm>
+          <a:prstGeom prst="rect">
+            <a:avLst/>
+          </a:prstGeom>
+          <a:solidFill>
+            <a:schemeClr val="bg1"/>
+          </a:solidFill>
+          <a:ln>
+            <a:solidFill>
+              <a:schemeClr val="bg1"/>
+            </a:solidFill>
+          </a:ln>
+        </p:spPr>
+        <p:style>
+          <a:lnRef idx="2">
+            <a:schemeClr val="accent1">
+              <a:shade val="50000"/>
+            </a:schemeClr>
+          </a:lnRef>
+          <a:fillRef idx="1">
+            <a:schemeClr val="accent1"/>
+          </a:fillRef>
+          <a:effectRef idx="0">
+            <a:schemeClr val="accent1"/>
+          </a:effectRef>
+          <a:fontRef idx="minor">
+            <a:schemeClr val="lt1"/>
+          </a:fontRef>
+        </p:style>
+        <p:txBody>
+          <a:bodyPr rtlCol="0" anchor="ctr"/>
+          <a:lstStyle/>
+          <a:p>
+            <a:pPr algn="ctr"/>
+            <a:endParaRPr lang="en-US"/>
+          </a:p>
+        </p:txBody>
+      </p:sp>
+      <p:sp>
+        <p:nvSpPr>
+          <p:cNvPr id="6" name="TextBox 5"/>
+          <p:cNvSpPr txBox="1"/>
+          <p:nvPr/>
+        </p:nvSpPr>
+        <p:spPr>
+          <a:xfrm>
+            <a:off x="838200" y="4371975"/>
+            <a:ext cx="10515600" cy="954107"/>
+          </a:xfrm>
+          <a:prstGeom prst="rect">
+            <a:avLst/>
+          </a:prstGeom>
+          <a:noFill/>
+        </p:spPr>
+        <p:txBody>
+          <a:bodyPr wrap="square" rtlCol="0">
+            <a:spAutoFit/>
+          </a:bodyPr>
+          <a:lstStyle/>
+          <a:p>
+            <a:pPr marL="285750" indent="-285750">
+              <a:buFont typeface="Arial" panose="020B0604020202020204" pitchFamily="34" charset="0"/>
+              <a:buChar char="•"/>
+            </a:pPr>
+            <a:r>
+              <a:rPr lang="en-US" sz="2800" dirty="0" err="1"/>
+              <a:t>Async</a:t>
+            </a:r>
+            <a:r>
+              <a:rPr lang="en-US" sz="2800" dirty="0"/>
+              <a:t> </a:t>
+            </a:r>
+            <a:r>
+              <a:rPr lang="en-US" sz="2800" b="1" dirty="0"/>
+              <a:t>without</a:t>
+            </a:r>
+            <a:r>
+              <a:rPr lang="en-US" sz="2800" dirty="0"/>
+              <a:t> caching was more performant</a:t>
+            </a:r>
+          </a:p>
+          <a:p>
+            <a:endParaRPr lang="en-US" sz="2800" dirty="0"/>
+          </a:p>
+        </p:txBody>
+      </p:sp>
     </p:spTree>
     <p:extLst>
       <p:ext uri="{BB962C8B-B14F-4D97-AF65-F5344CB8AC3E}">
@@ -8778,9 +9333,126 @@
   <p:timing>
     <p:tnLst>
       <p:par>
-        <p:cTn id="1" dur="indefinite" restart="never" nodeType="tmRoot"/>
+        <p:cTn id="1" dur="indefinite" restart="never" nodeType="tmRoot">
+          <p:childTnLst>
+            <p:seq concurrent="1" nextAc="seek">
+              <p:cTn id="2" dur="indefinite" nodeType="mainSeq">
+                <p:childTnLst>
+                  <p:par>
+                    <p:cTn id="3" fill="hold">
+                      <p:stCondLst>
+                        <p:cond delay="indefinite"/>
+                      </p:stCondLst>
+                      <p:childTnLst>
+                        <p:par>
+                          <p:cTn id="4" fill="hold">
+                            <p:stCondLst>
+                              <p:cond delay="0"/>
+                            </p:stCondLst>
+                            <p:childTnLst>
+                              <p:par>
+                                <p:cTn id="5" presetID="1" presetClass="exit" presetSubtype="0" fill="hold" grpId="0" nodeType="clickEffect">
+                                  <p:stCondLst>
+                                    <p:cond delay="0"/>
+                                  </p:stCondLst>
+                                  <p:childTnLst>
+                                    <p:set>
+                                      <p:cBhvr>
+                                        <p:cTn id="6" dur="1" fill="hold">
+                                          <p:stCondLst>
+                                            <p:cond delay="0"/>
+                                          </p:stCondLst>
+                                        </p:cTn>
+                                        <p:tgtEl>
+                                          <p:spTgt spid="5"/>
+                                        </p:tgtEl>
+                                        <p:attrNameLst>
+                                          <p:attrName>style.visibility</p:attrName>
+                                        </p:attrNameLst>
+                                      </p:cBhvr>
+                                      <p:to>
+                                        <p:strVal val="hidden"/>
+                                      </p:to>
+                                    </p:set>
+                                  </p:childTnLst>
+                                </p:cTn>
+                              </p:par>
+                            </p:childTnLst>
+                          </p:cTn>
+                        </p:par>
+                      </p:childTnLst>
+                    </p:cTn>
+                  </p:par>
+                  <p:par>
+                    <p:cTn id="7" fill="hold">
+                      <p:stCondLst>
+                        <p:cond delay="indefinite"/>
+                      </p:stCondLst>
+                      <p:childTnLst>
+                        <p:par>
+                          <p:cTn id="8" fill="hold">
+                            <p:stCondLst>
+                              <p:cond delay="0"/>
+                            </p:stCondLst>
+                            <p:childTnLst>
+                              <p:par>
+                                <p:cTn id="9" presetID="1" presetClass="entr" presetSubtype="0" fill="hold" grpId="0" nodeType="clickEffect">
+                                  <p:stCondLst>
+                                    <p:cond delay="0"/>
+                                  </p:stCondLst>
+                                  <p:childTnLst>
+                                    <p:set>
+                                      <p:cBhvr>
+                                        <p:cTn id="10" dur="1" fill="hold">
+                                          <p:stCondLst>
+                                            <p:cond delay="0"/>
+                                          </p:stCondLst>
+                                        </p:cTn>
+                                        <p:tgtEl>
+                                          <p:spTgt spid="6"/>
+                                        </p:tgtEl>
+                                        <p:attrNameLst>
+                                          <p:attrName>style.visibility</p:attrName>
+                                        </p:attrNameLst>
+                                      </p:cBhvr>
+                                      <p:to>
+                                        <p:strVal val="visible"/>
+                                      </p:to>
+                                    </p:set>
+                                  </p:childTnLst>
+                                </p:cTn>
+                              </p:par>
+                            </p:childTnLst>
+                          </p:cTn>
+                        </p:par>
+                      </p:childTnLst>
+                    </p:cTn>
+                  </p:par>
+                </p:childTnLst>
+              </p:cTn>
+              <p:prevCondLst>
+                <p:cond evt="onPrev" delay="0">
+                  <p:tgtEl>
+                    <p:sldTgt/>
+                  </p:tgtEl>
+                </p:cond>
+              </p:prevCondLst>
+              <p:nextCondLst>
+                <p:cond evt="onNext" delay="0">
+                  <p:tgtEl>
+                    <p:sldTgt/>
+                  </p:tgtEl>
+                </p:cond>
+              </p:nextCondLst>
+            </p:seq>
+          </p:childTnLst>
+        </p:cTn>
       </p:par>
     </p:tnLst>
+    <p:bldLst>
+      <p:bldP spid="5" grpId="0" animBg="1"/>
+      <p:bldP spid="6" grpId="0"/>
+    </p:bldLst>
   </p:timing>
 </p:sld>
 </file>
@@ -9083,7 +9755,12 @@
             <p:ph idx="1"/>
           </p:nvPr>
         </p:nvSpPr>
-        <p:spPr/>
+        <p:spPr>
+          <a:xfrm>
+            <a:off x="838200" y="1825625"/>
+            <a:ext cx="10515600" cy="1831975"/>
+          </a:xfrm>
+        </p:spPr>
         <p:txBody>
           <a:bodyPr/>
           <a:lstStyle/>
@@ -9113,18 +9790,6 @@
               <a:buNone/>
             </a:pPr>
             <a:endParaRPr lang="en-US" dirty="0" smtClean="0"/>
-          </a:p>
-          <a:p>
-            <a:pPr lvl="1"/>
-            <a:r>
-              <a:rPr lang="en-US" dirty="0" err="1" smtClean="0"/>
-              <a:t>Async</a:t>
-            </a:r>
-            <a:r>
-              <a:rPr lang="en-US" dirty="0" smtClean="0"/>
-              <a:t> was more performant</a:t>
-            </a:r>
-            <a:endParaRPr lang="en-US" dirty="0"/>
           </a:p>
         </p:txBody>
       </p:sp>
@@ -9137,14 +9802,14 @@
           <p:nvPr>
             <p:extLst>
               <p:ext uri="{D42A27DB-BD31-4B8C-83A1-F6EECF244321}">
-                <p14:modId xmlns:p14="http://schemas.microsoft.com/office/powerpoint/2010/main" val="124502821"/>
+                <p14:modId xmlns:p14="http://schemas.microsoft.com/office/powerpoint/2010/main" val="3715143969"/>
               </p:ext>
             </p:extLst>
           </p:nvPr>
         </p:nvGraphicFramePr>
         <p:xfrm>
           <a:off x="1347535" y="2454442"/>
-          <a:ext cx="4835043" cy="948690"/>
+          <a:ext cx="5710490" cy="948690"/>
         </p:xfrm>
         <a:graphic>
           <a:graphicData uri="http://schemas.openxmlformats.org/drawingml/2006/table">
@@ -9153,10 +9818,11 @@
                 <a:tableStyleId>{5C22544A-7EE6-4342-B048-85BDC9FD1C3A}</a:tableStyleId>
               </a:tblPr>
               <a:tblGrid>
-                <a:gridCol w="1197464"/>
-                <a:gridCol w="1197464"/>
-                <a:gridCol w="1242651"/>
-                <a:gridCol w="1197464"/>
+                <a:gridCol w="1133543"/>
+                <a:gridCol w="1133543"/>
+                <a:gridCol w="1133543"/>
+                <a:gridCol w="1176318"/>
+                <a:gridCol w="1133543"/>
               </a:tblGrid>
               <a:tr h="381000">
                 <a:tc>
@@ -9189,6 +9855,33 @@
                     <a:p>
                       <a:pPr algn="ctr" fontAlgn="b"/>
                       <a:r>
+                        <a:rPr lang="en-US" sz="1800" b="1" i="0" u="none" strike="noStrike" dirty="0" err="1" smtClean="0">
+                          <a:solidFill>
+                            <a:schemeClr val="bg1"/>
+                          </a:solidFill>
+                          <a:effectLst/>
+                          <a:latin typeface="Calibri" panose="020F0502020204030204" pitchFamily="34" charset="0"/>
+                        </a:rPr>
+                        <a:t>Async</a:t>
+                      </a:r>
+                      <a:endParaRPr lang="en-US" sz="1800" b="1" i="0" u="none" strike="noStrike" dirty="0">
+                        <a:solidFill>
+                          <a:schemeClr val="bg1"/>
+                        </a:solidFill>
+                        <a:effectLst/>
+                        <a:latin typeface="Calibri" panose="020F0502020204030204" pitchFamily="34" charset="0"/>
+                      </a:endParaRPr>
+                    </a:p>
+                  </a:txBody>
+                  <a:tcPr marL="9525" marR="9525" marT="9525" marB="0" anchor="b"/>
+                </a:tc>
+                <a:tc>
+                  <a:txBody>
+                    <a:bodyPr/>
+                    <a:lstStyle/>
+                    <a:p>
+                      <a:pPr algn="ctr" fontAlgn="b"/>
+                      <a:r>
                         <a:rPr lang="en-US" sz="1800" u="none" strike="noStrike" dirty="0">
                           <a:effectLst/>
                         </a:rPr>
@@ -9287,6 +9980,33 @@
                     </a:p>
                   </a:txBody>
                   <a:tcPr marL="85725" marR="9525" marT="9525" marB="0" anchor="b"/>
+                </a:tc>
+                <a:tc>
+                  <a:txBody>
+                    <a:bodyPr/>
+                    <a:lstStyle/>
+                    <a:p>
+                      <a:pPr algn="ctr" fontAlgn="b"/>
+                      <a:r>
+                        <a:rPr lang="en-US" sz="1800" b="0" i="0" u="none" strike="noStrike" dirty="0" smtClean="0">
+                          <a:solidFill>
+                            <a:srgbClr val="000000"/>
+                          </a:solidFill>
+                          <a:effectLst/>
+                          <a:latin typeface="Calibri" panose="020F0502020204030204" pitchFamily="34" charset="0"/>
+                        </a:rPr>
+                        <a:t>No</a:t>
+                      </a:r>
+                      <a:endParaRPr lang="en-US" sz="1800" b="0" i="0" u="none" strike="noStrike" dirty="0">
+                        <a:solidFill>
+                          <a:srgbClr val="000000"/>
+                        </a:solidFill>
+                        <a:effectLst/>
+                        <a:latin typeface="Calibri" panose="020F0502020204030204" pitchFamily="34" charset="0"/>
+                      </a:endParaRPr>
+                    </a:p>
+                  </a:txBody>
+                  <a:tcPr marL="9525" marR="9525" marT="9525" marB="0" anchor="b"/>
                 </a:tc>
                 <a:tc>
                   <a:txBody>
@@ -9396,6 +10116,33 @@
                     </a:p>
                   </a:txBody>
                   <a:tcPr marL="85725" marR="9525" marT="9525" marB="0" anchor="b"/>
+                </a:tc>
+                <a:tc>
+                  <a:txBody>
+                    <a:bodyPr/>
+                    <a:lstStyle/>
+                    <a:p>
+                      <a:pPr algn="ctr" fontAlgn="b"/>
+                      <a:r>
+                        <a:rPr lang="en-US" sz="1800" b="0" i="0" u="none" strike="noStrike" dirty="0" smtClean="0">
+                          <a:solidFill>
+                            <a:srgbClr val="000000"/>
+                          </a:solidFill>
+                          <a:effectLst/>
+                          <a:latin typeface="Calibri" panose="020F0502020204030204" pitchFamily="34" charset="0"/>
+                        </a:rPr>
+                        <a:t>Yes</a:t>
+                      </a:r>
+                      <a:endParaRPr lang="en-US" sz="1800" b="0" i="0" u="none" strike="noStrike" dirty="0">
+                        <a:solidFill>
+                          <a:srgbClr val="000000"/>
+                        </a:solidFill>
+                        <a:effectLst/>
+                        <a:latin typeface="Calibri" panose="020F0502020204030204" pitchFamily="34" charset="0"/>
+                      </a:endParaRPr>
+                    </a:p>
+                  </a:txBody>
+                  <a:tcPr marL="9525" marR="9525" marT="9525" marB="0" anchor="b"/>
                 </a:tc>
                 <a:tc>
                   <a:txBody>
@@ -9488,6 +10235,94 @@
           </a:graphicData>
         </a:graphic>
       </p:graphicFrame>
+      <p:sp>
+        <p:nvSpPr>
+          <p:cNvPr id="5" name="Rectangle 4"/>
+          <p:cNvSpPr/>
+          <p:nvPr/>
+        </p:nvSpPr>
+        <p:spPr>
+          <a:xfrm>
+            <a:off x="3619500" y="2454442"/>
+            <a:ext cx="3438525" cy="948690"/>
+          </a:xfrm>
+          <a:prstGeom prst="rect">
+            <a:avLst/>
+          </a:prstGeom>
+          <a:solidFill>
+            <a:schemeClr val="bg1"/>
+          </a:solidFill>
+          <a:ln>
+            <a:solidFill>
+              <a:schemeClr val="bg1"/>
+            </a:solidFill>
+          </a:ln>
+        </p:spPr>
+        <p:style>
+          <a:lnRef idx="2">
+            <a:schemeClr val="accent1">
+              <a:shade val="50000"/>
+            </a:schemeClr>
+          </a:lnRef>
+          <a:fillRef idx="1">
+            <a:schemeClr val="accent1"/>
+          </a:fillRef>
+          <a:effectRef idx="0">
+            <a:schemeClr val="accent1"/>
+          </a:effectRef>
+          <a:fontRef idx="minor">
+            <a:schemeClr val="lt1"/>
+          </a:fontRef>
+        </p:style>
+        <p:txBody>
+          <a:bodyPr rtlCol="0" anchor="ctr"/>
+          <a:lstStyle/>
+          <a:p>
+            <a:pPr algn="ctr"/>
+            <a:endParaRPr lang="en-US"/>
+          </a:p>
+        </p:txBody>
+      </p:sp>
+      <p:sp>
+        <p:nvSpPr>
+          <p:cNvPr id="6" name="TextBox 5"/>
+          <p:cNvSpPr txBox="1"/>
+          <p:nvPr/>
+        </p:nvSpPr>
+        <p:spPr>
+          <a:xfrm>
+            <a:off x="838200" y="3886200"/>
+            <a:ext cx="10515600" cy="954107"/>
+          </a:xfrm>
+          <a:prstGeom prst="rect">
+            <a:avLst/>
+          </a:prstGeom>
+          <a:noFill/>
+        </p:spPr>
+        <p:txBody>
+          <a:bodyPr wrap="square" rtlCol="0">
+            <a:spAutoFit/>
+          </a:bodyPr>
+          <a:lstStyle/>
+          <a:p>
+            <a:pPr marL="285750" indent="-285750">
+              <a:buFont typeface="Arial" panose="020B0604020202020204" pitchFamily="34" charset="0"/>
+              <a:buChar char="•"/>
+            </a:pPr>
+            <a:r>
+              <a:rPr lang="en-US" sz="2800" dirty="0" err="1"/>
+              <a:t>Async</a:t>
+            </a:r>
+            <a:r>
+              <a:rPr lang="en-US" sz="2800" dirty="0"/>
+              <a:t> was more performant</a:t>
+            </a:r>
+          </a:p>
+          <a:p>
+            <a:endParaRPr lang="en-US" sz="2800" dirty="0"/>
+          </a:p>
+        </p:txBody>
+      </p:sp>
     </p:spTree>
     <p:extLst>
       <p:ext uri="{BB962C8B-B14F-4D97-AF65-F5344CB8AC3E}">
@@ -9501,9 +10336,126 @@
   <p:timing>
     <p:tnLst>
       <p:par>
-        <p:cTn id="1" dur="indefinite" restart="never" nodeType="tmRoot"/>
+        <p:cTn id="1" dur="indefinite" restart="never" nodeType="tmRoot">
+          <p:childTnLst>
+            <p:seq concurrent="1" nextAc="seek">
+              <p:cTn id="2" dur="indefinite" nodeType="mainSeq">
+                <p:childTnLst>
+                  <p:par>
+                    <p:cTn id="3" fill="hold">
+                      <p:stCondLst>
+                        <p:cond delay="indefinite"/>
+                      </p:stCondLst>
+                      <p:childTnLst>
+                        <p:par>
+                          <p:cTn id="4" fill="hold">
+                            <p:stCondLst>
+                              <p:cond delay="0"/>
+                            </p:stCondLst>
+                            <p:childTnLst>
+                              <p:par>
+                                <p:cTn id="5" presetID="1" presetClass="exit" presetSubtype="0" fill="hold" grpId="0" nodeType="clickEffect">
+                                  <p:stCondLst>
+                                    <p:cond delay="0"/>
+                                  </p:stCondLst>
+                                  <p:childTnLst>
+                                    <p:set>
+                                      <p:cBhvr>
+                                        <p:cTn id="6" dur="1" fill="hold">
+                                          <p:stCondLst>
+                                            <p:cond delay="0"/>
+                                          </p:stCondLst>
+                                        </p:cTn>
+                                        <p:tgtEl>
+                                          <p:spTgt spid="5"/>
+                                        </p:tgtEl>
+                                        <p:attrNameLst>
+                                          <p:attrName>style.visibility</p:attrName>
+                                        </p:attrNameLst>
+                                      </p:cBhvr>
+                                      <p:to>
+                                        <p:strVal val="hidden"/>
+                                      </p:to>
+                                    </p:set>
+                                  </p:childTnLst>
+                                </p:cTn>
+                              </p:par>
+                            </p:childTnLst>
+                          </p:cTn>
+                        </p:par>
+                      </p:childTnLst>
+                    </p:cTn>
+                  </p:par>
+                  <p:par>
+                    <p:cTn id="7" fill="hold">
+                      <p:stCondLst>
+                        <p:cond delay="indefinite"/>
+                      </p:stCondLst>
+                      <p:childTnLst>
+                        <p:par>
+                          <p:cTn id="8" fill="hold">
+                            <p:stCondLst>
+                              <p:cond delay="0"/>
+                            </p:stCondLst>
+                            <p:childTnLst>
+                              <p:par>
+                                <p:cTn id="9" presetID="1" presetClass="entr" presetSubtype="0" fill="hold" grpId="0" nodeType="clickEffect">
+                                  <p:stCondLst>
+                                    <p:cond delay="0"/>
+                                  </p:stCondLst>
+                                  <p:childTnLst>
+                                    <p:set>
+                                      <p:cBhvr>
+                                        <p:cTn id="10" dur="1" fill="hold">
+                                          <p:stCondLst>
+                                            <p:cond delay="0"/>
+                                          </p:stCondLst>
+                                        </p:cTn>
+                                        <p:tgtEl>
+                                          <p:spTgt spid="6"/>
+                                        </p:tgtEl>
+                                        <p:attrNameLst>
+                                          <p:attrName>style.visibility</p:attrName>
+                                        </p:attrNameLst>
+                                      </p:cBhvr>
+                                      <p:to>
+                                        <p:strVal val="visible"/>
+                                      </p:to>
+                                    </p:set>
+                                  </p:childTnLst>
+                                </p:cTn>
+                              </p:par>
+                            </p:childTnLst>
+                          </p:cTn>
+                        </p:par>
+                      </p:childTnLst>
+                    </p:cTn>
+                  </p:par>
+                </p:childTnLst>
+              </p:cTn>
+              <p:prevCondLst>
+                <p:cond evt="onPrev" delay="0">
+                  <p:tgtEl>
+                    <p:sldTgt/>
+                  </p:tgtEl>
+                </p:cond>
+              </p:prevCondLst>
+              <p:nextCondLst>
+                <p:cond evt="onNext" delay="0">
+                  <p:tgtEl>
+                    <p:sldTgt/>
+                  </p:tgtEl>
+                </p:cond>
+              </p:nextCondLst>
+            </p:seq>
+          </p:childTnLst>
+        </p:cTn>
       </p:par>
     </p:tnLst>
+    <p:bldLst>
+      <p:bldP spid="5" grpId="0" animBg="1"/>
+      <p:bldP spid="6" grpId="0"/>
+    </p:bldLst>
   </p:timing>
 </p:sld>
 </file>
@@ -10737,7 +11689,7 @@
               <a:rPr lang="en-US" dirty="0" smtClean="0">
                 <a:hlinkClick r:id="rId2"/>
               </a:rPr>
-              <a:t>mark.doyle@collabroscape.com</a:t>
+              <a:t>mark.doyle@improving.com</a:t>
             </a:r>
             <a:endParaRPr lang="en-US" dirty="0" smtClean="0"/>
           </a:p>
@@ -11491,7 +12443,7 @@
           <p:nvPr>
             <p:extLst>
               <p:ext uri="{D42A27DB-BD31-4B8C-83A1-F6EECF244321}">
-                <p14:modId xmlns:p14="http://schemas.microsoft.com/office/powerpoint/2010/main" val="2957281662"/>
+                <p14:modId xmlns:p14="http://schemas.microsoft.com/office/powerpoint/2010/main" val="3351486593"/>
               </p:ext>
             </p:extLst>
           </p:nvPr>
@@ -11617,6 +12569,26 @@
                       <a:r>
                         <a:rPr lang="en-US" dirty="0" smtClean="0"/>
                         <a:t>Network-based resource (more network transactions)</a:t>
+                      </a:r>
+                    </a:p>
+                    <a:p>
+                      <a:pPr marL="285750" indent="-285750">
+                        <a:buFont typeface="Arial" panose="020B0604020202020204" pitchFamily="34" charset="0"/>
+                        <a:buChar char="•"/>
+                      </a:pPr>
+                      <a:r>
+                        <a:rPr lang="en-US" dirty="0" smtClean="0"/>
+                        <a:t>Cost</a:t>
+                      </a:r>
+                    </a:p>
+                    <a:p>
+                      <a:pPr marL="285750" indent="-285750">
+                        <a:buFont typeface="Arial" panose="020B0604020202020204" pitchFamily="34" charset="0"/>
+                        <a:buChar char="•"/>
+                      </a:pPr>
+                      <a:r>
+                        <a:rPr lang="en-US" dirty="0" smtClean="0"/>
+                        <a:t>Serialization</a:t>
                       </a:r>
                       <a:endParaRPr lang="en-US" dirty="0"/>
                     </a:p>

--- a/RealWorldScalability/Real World Scalability.pptx
+++ b/RealWorldScalability/Real World Scalability.pptx
@@ -5965,7 +5965,7 @@
           <a:p>
             <a:fld id="{D2BBC1C2-57E6-44B2-9E94-904C73AAC6C2}" type="datetimeFigureOut">
               <a:rPr lang="en-US" smtClean="0"/>
-              <a:t>1/9/2017</a:t>
+              <a:t>1/11/2017</a:t>
             </a:fld>
             <a:endParaRPr lang="en-US"/>
           </a:p>
@@ -6445,7 +6445,7 @@
           <a:p>
             <a:fld id="{86429C3B-1E6C-4729-9E74-920FE2DF7FD6}" type="datetimeFigureOut">
               <a:rPr lang="en-US" smtClean="0"/>
-              <a:t>1/9/2017</a:t>
+              <a:t>1/11/2017</a:t>
             </a:fld>
             <a:endParaRPr lang="en-US"/>
           </a:p>
@@ -6613,7 +6613,7 @@
           <a:p>
             <a:fld id="{86429C3B-1E6C-4729-9E74-920FE2DF7FD6}" type="datetimeFigureOut">
               <a:rPr lang="en-US" smtClean="0"/>
-              <a:t>1/9/2017</a:t>
+              <a:t>1/11/2017</a:t>
             </a:fld>
             <a:endParaRPr lang="en-US"/>
           </a:p>
@@ -6791,7 +6791,7 @@
           <a:p>
             <a:fld id="{86429C3B-1E6C-4729-9E74-920FE2DF7FD6}" type="datetimeFigureOut">
               <a:rPr lang="en-US" smtClean="0"/>
-              <a:t>1/9/2017</a:t>
+              <a:t>1/11/2017</a:t>
             </a:fld>
             <a:endParaRPr lang="en-US"/>
           </a:p>
@@ -6959,7 +6959,7 @@
           <a:p>
             <a:fld id="{86429C3B-1E6C-4729-9E74-920FE2DF7FD6}" type="datetimeFigureOut">
               <a:rPr lang="en-US" smtClean="0"/>
-              <a:t>1/9/2017</a:t>
+              <a:t>1/11/2017</a:t>
             </a:fld>
             <a:endParaRPr lang="en-US"/>
           </a:p>
@@ -7204,7 +7204,7 @@
           <a:p>
             <a:fld id="{86429C3B-1E6C-4729-9E74-920FE2DF7FD6}" type="datetimeFigureOut">
               <a:rPr lang="en-US" smtClean="0"/>
-              <a:t>1/9/2017</a:t>
+              <a:t>1/11/2017</a:t>
             </a:fld>
             <a:endParaRPr lang="en-US"/>
           </a:p>
@@ -7433,7 +7433,7 @@
           <a:p>
             <a:fld id="{86429C3B-1E6C-4729-9E74-920FE2DF7FD6}" type="datetimeFigureOut">
               <a:rPr lang="en-US" smtClean="0"/>
-              <a:t>1/9/2017</a:t>
+              <a:t>1/11/2017</a:t>
             </a:fld>
             <a:endParaRPr lang="en-US"/>
           </a:p>
@@ -7797,7 +7797,7 @@
           <a:p>
             <a:fld id="{86429C3B-1E6C-4729-9E74-920FE2DF7FD6}" type="datetimeFigureOut">
               <a:rPr lang="en-US" smtClean="0"/>
-              <a:t>1/9/2017</a:t>
+              <a:t>1/11/2017</a:t>
             </a:fld>
             <a:endParaRPr lang="en-US"/>
           </a:p>
@@ -7914,7 +7914,7 @@
           <a:p>
             <a:fld id="{86429C3B-1E6C-4729-9E74-920FE2DF7FD6}" type="datetimeFigureOut">
               <a:rPr lang="en-US" smtClean="0"/>
-              <a:t>1/9/2017</a:t>
+              <a:t>1/11/2017</a:t>
             </a:fld>
             <a:endParaRPr lang="en-US"/>
           </a:p>
@@ -8009,7 +8009,7 @@
           <a:p>
             <a:fld id="{86429C3B-1E6C-4729-9E74-920FE2DF7FD6}" type="datetimeFigureOut">
               <a:rPr lang="en-US" smtClean="0"/>
-              <a:t>1/9/2017</a:t>
+              <a:t>1/11/2017</a:t>
             </a:fld>
             <a:endParaRPr lang="en-US"/>
           </a:p>
@@ -8284,7 +8284,7 @@
           <a:p>
             <a:fld id="{86429C3B-1E6C-4729-9E74-920FE2DF7FD6}" type="datetimeFigureOut">
               <a:rPr lang="en-US" smtClean="0"/>
-              <a:t>1/9/2017</a:t>
+              <a:t>1/11/2017</a:t>
             </a:fld>
             <a:endParaRPr lang="en-US"/>
           </a:p>
@@ -8536,7 +8536,7 @@
           <a:p>
             <a:fld id="{86429C3B-1E6C-4729-9E74-920FE2DF7FD6}" type="datetimeFigureOut">
               <a:rPr lang="en-US" smtClean="0"/>
-              <a:t>1/9/2017</a:t>
+              <a:t>1/11/2017</a:t>
             </a:fld>
             <a:endParaRPr lang="en-US"/>
           </a:p>
@@ -8747,7 +8747,7 @@
           <a:p>
             <a:fld id="{86429C3B-1E6C-4729-9E74-920FE2DF7FD6}" type="datetimeFigureOut">
               <a:rPr lang="en-US" smtClean="0"/>
-              <a:t>1/9/2017</a:t>
+              <a:t>1/11/2017</a:t>
             </a:fld>
             <a:endParaRPr lang="en-US"/>
           </a:p>
@@ -9220,7 +9220,7 @@
               <a:rPr lang="en-US" sz="2800" dirty="0">
                 <a:hlinkClick r:id="rId3"/>
               </a:rPr>
-              <a:t>mark.doyle@improving.com</a:t>
+              <a:t>mark.doyle@collabroscape.com</a:t>
             </a:r>
             <a:endParaRPr lang="en-US" sz="2800" dirty="0"/>
           </a:p>
@@ -9281,7 +9281,43 @@
                 </a:solidFill>
                 <a:hlinkClick r:id="rId6"/>
               </a:rPr>
-              <a:t>https://github.com/mark-doyle/dal-cs-sig</a:t>
+              <a:t>github.com/mark-</a:t>
+            </a:r>
+            <a:r>
+              <a:rPr lang="en-US" sz="2800" u="sng" dirty="0" err="1">
+                <a:solidFill>
+                  <a:schemeClr val="accent1"/>
+                </a:solidFill>
+                <a:hlinkClick r:id="rId6"/>
+              </a:rPr>
+              <a:t>doyle</a:t>
+            </a:r>
+            <a:r>
+              <a:rPr lang="en-US" sz="2800" u="sng" dirty="0">
+                <a:solidFill>
+                  <a:schemeClr val="accent1"/>
+                </a:solidFill>
+                <a:hlinkClick r:id="rId6"/>
+              </a:rPr>
+              <a:t>/dal-</a:t>
+            </a:r>
+            <a:r>
+              <a:rPr lang="en-US" sz="2800" u="sng" dirty="0" err="1">
+                <a:solidFill>
+                  <a:schemeClr val="accent1"/>
+                </a:solidFill>
+                <a:hlinkClick r:id="rId6"/>
+              </a:rPr>
+              <a:t>cs</a:t>
+            </a:r>
+            <a:r>
+              <a:rPr lang="en-US" sz="2800" u="sng" dirty="0">
+                <a:solidFill>
+                  <a:schemeClr val="accent1"/>
+                </a:solidFill>
+                <a:hlinkClick r:id="rId6"/>
+              </a:rPr>
+              <a:t>-sig</a:t>
             </a:r>
             <a:endParaRPr lang="en-US" sz="2800" u="sng" dirty="0">
               <a:solidFill>
@@ -9447,6 +9483,36 @@
         <p:txBody>
           <a:bodyPr/>
           <a:lstStyle/>
+          <a:p>
+            <a:r>
+              <a:rPr lang="en-US" dirty="0"/>
+              <a:t>Duration &amp; User Load</a:t>
+            </a:r>
+          </a:p>
+          <a:p>
+            <a:endParaRPr lang="en-US" dirty="0"/>
+          </a:p>
+          <a:p>
+            <a:r>
+              <a:rPr lang="en-US" dirty="0"/>
+              <a:t>Test Mix</a:t>
+            </a:r>
+          </a:p>
+          <a:p>
+            <a:endParaRPr lang="en-US" dirty="0"/>
+          </a:p>
+          <a:p>
+            <a:r>
+              <a:rPr lang="en-US" dirty="0"/>
+              <a:t>Run: Local vs Cloud</a:t>
+            </a:r>
+          </a:p>
+          <a:p>
+            <a:pPr marL="0" indent="0">
+              <a:buNone/>
+            </a:pPr>
+            <a:endParaRPr lang="en-US" dirty="0"/>
+          </a:p>
           <a:p>
             <a:pPr marL="0" indent="0">
               <a:buNone/>
@@ -16512,7 +16578,7 @@
           <a:p>
             <a:r>
               <a:rPr lang="en-US" dirty="0"/>
-              <a:t>Azure Management</a:t>
+              <a:t>Performance Testing – Old School</a:t>
             </a:r>
           </a:p>
         </p:txBody>
@@ -16535,57 +16601,128 @@
             <a:pPr marL="0" indent="0">
               <a:buNone/>
             </a:pPr>
-            <a:r>
-              <a:rPr lang="en-US" dirty="0"/>
-              <a:t>Look at the tools</a:t>
-            </a:r>
-          </a:p>
-          <a:p>
-            <a:pPr lvl="1"/>
-            <a:r>
-              <a:rPr lang="en-US" dirty="0"/>
-              <a:t>Management portal (old &amp; new)</a:t>
-            </a:r>
-          </a:p>
-          <a:p>
-            <a:pPr lvl="1"/>
-            <a:r>
-              <a:rPr lang="en-US" dirty="0"/>
-              <a:t>Azure Management Studio</a:t>
-            </a:r>
-          </a:p>
-          <a:p>
-            <a:pPr lvl="1"/>
             <a:endParaRPr lang="en-US" dirty="0"/>
-          </a:p>
-          <a:p>
-            <a:pPr marL="0" indent="0">
-              <a:buNone/>
-            </a:pPr>
-            <a:r>
-              <a:rPr lang="en-US" dirty="0"/>
-              <a:t>Features</a:t>
-            </a:r>
-          </a:p>
-          <a:p>
-            <a:pPr lvl="1"/>
-            <a:r>
-              <a:rPr lang="en-US" dirty="0"/>
-              <a:t>Service location management</a:t>
-            </a:r>
-          </a:p>
-          <a:p>
-            <a:pPr lvl="1"/>
-            <a:r>
-              <a:rPr lang="en-US" dirty="0"/>
-              <a:t>Service scaling</a:t>
-            </a:r>
           </a:p>
           <a:p>
             <a:pPr marL="0" indent="0">
               <a:buNone/>
             </a:pPr>
             <a:endParaRPr lang="en-US" dirty="0"/>
+          </a:p>
+        </p:txBody>
+      </p:sp>
+      <p:pic>
+        <p:nvPicPr>
+          <p:cNvPr id="4" name="Picture 3"/>
+          <p:cNvPicPr>
+            <a:picLocks noChangeAspect="1"/>
+          </p:cNvPicPr>
+          <p:nvPr/>
+        </p:nvPicPr>
+        <p:blipFill>
+          <a:blip r:embed="rId2">
+            <a:extLst>
+              <a:ext uri="{28A0092B-C50C-407E-A947-70E740481C1C}">
+                <a14:useLocalDpi xmlns:a14="http://schemas.microsoft.com/office/drawing/2010/main" val="0"/>
+              </a:ext>
+            </a:extLst>
+          </a:blip>
+          <a:stretch>
+            <a:fillRect/>
+          </a:stretch>
+        </p:blipFill>
+        <p:spPr>
+          <a:xfrm>
+            <a:off x="838200" y="1615652"/>
+            <a:ext cx="4520293" cy="4561311"/>
+          </a:xfrm>
+          <a:prstGeom prst="rect">
+            <a:avLst/>
+          </a:prstGeom>
+        </p:spPr>
+      </p:pic>
+      <p:sp>
+        <p:nvSpPr>
+          <p:cNvPr id="5" name="TextBox 4"/>
+          <p:cNvSpPr txBox="1"/>
+          <p:nvPr/>
+        </p:nvSpPr>
+        <p:spPr>
+          <a:xfrm>
+            <a:off x="5586884" y="1825625"/>
+            <a:ext cx="5104562" cy="3108543"/>
+          </a:xfrm>
+          <a:prstGeom prst="rect">
+            <a:avLst/>
+          </a:prstGeom>
+          <a:noFill/>
+        </p:spPr>
+        <p:txBody>
+          <a:bodyPr wrap="square" rtlCol="0">
+            <a:spAutoFit/>
+          </a:bodyPr>
+          <a:lstStyle/>
+          <a:p>
+            <a:pPr marL="285750" indent="-285750">
+              <a:buFont typeface="Arial" panose="020B0604020202020204" pitchFamily="34" charset="0"/>
+              <a:buChar char="•"/>
+            </a:pPr>
+            <a:r>
+              <a:rPr lang="en-US" sz="2800" dirty="0" err="1"/>
+              <a:t>Perfmon</a:t>
+            </a:r>
+            <a:endParaRPr lang="en-US" sz="2800" dirty="0"/>
+          </a:p>
+          <a:p>
+            <a:pPr marL="285750" indent="-285750">
+              <a:buFont typeface="Arial" panose="020B0604020202020204" pitchFamily="34" charset="0"/>
+              <a:buChar char="•"/>
+            </a:pPr>
+            <a:endParaRPr lang="en-US" sz="2800" dirty="0"/>
+          </a:p>
+          <a:p>
+            <a:pPr marL="285750" indent="-285750">
+              <a:buFont typeface="Arial" panose="020B0604020202020204" pitchFamily="34" charset="0"/>
+              <a:buChar char="•"/>
+            </a:pPr>
+            <a:r>
+              <a:rPr lang="en-US" sz="2800" dirty="0"/>
+              <a:t>CPU Utilization</a:t>
+            </a:r>
+          </a:p>
+          <a:p>
+            <a:pPr marL="285750" indent="-285750">
+              <a:buFont typeface="Arial" panose="020B0604020202020204" pitchFamily="34" charset="0"/>
+              <a:buChar char="•"/>
+            </a:pPr>
+            <a:endParaRPr lang="en-US" sz="2800" dirty="0"/>
+          </a:p>
+          <a:p>
+            <a:pPr marL="285750" indent="-285750">
+              <a:buFont typeface="Arial" panose="020B0604020202020204" pitchFamily="34" charset="0"/>
+              <a:buChar char="•"/>
+            </a:pPr>
+            <a:r>
+              <a:rPr lang="en-US" sz="2800" dirty="0"/>
+              <a:t>Memory Utilization</a:t>
+            </a:r>
+          </a:p>
+          <a:p>
+            <a:pPr marL="285750" indent="-285750">
+              <a:buFont typeface="Arial" panose="020B0604020202020204" pitchFamily="34" charset="0"/>
+              <a:buChar char="•"/>
+            </a:pPr>
+            <a:endParaRPr lang="en-US" sz="2800" dirty="0"/>
+          </a:p>
+          <a:p>
+            <a:pPr marL="285750" indent="-285750">
+              <a:buFont typeface="Arial" panose="020B0604020202020204" pitchFamily="34" charset="0"/>
+              <a:buChar char="•"/>
+            </a:pPr>
+            <a:r>
+              <a:rPr lang="en-US" sz="2800" dirty="0"/>
+              <a:t>Network Utilization</a:t>
+            </a:r>
           </a:p>
         </p:txBody>
       </p:sp>

--- a/RealWorldScalability/Real World Scalability.pptx
+++ b/RealWorldScalability/Real World Scalability.pptx
@@ -5,7 +5,7 @@
     <p:sldMasterId id="2147483648" r:id="rId1"/>
   </p:sldMasterIdLst>
   <p:notesMasterIdLst>
-    <p:notesMasterId r:id="rId34"/>
+    <p:notesMasterId r:id="rId35"/>
   </p:notesMasterIdLst>
   <p:sldIdLst>
     <p:sldId id="256" r:id="rId2"/>
@@ -16,30 +16,31 @@
     <p:sldId id="261" r:id="rId7"/>
     <p:sldId id="278" r:id="rId8"/>
     <p:sldId id="262" r:id="rId9"/>
-    <p:sldId id="289" r:id="rId10"/>
-    <p:sldId id="284" r:id="rId11"/>
-    <p:sldId id="263" r:id="rId12"/>
-    <p:sldId id="264" r:id="rId13"/>
-    <p:sldId id="285" r:id="rId14"/>
-    <p:sldId id="267" r:id="rId15"/>
-    <p:sldId id="268" r:id="rId16"/>
-    <p:sldId id="269" r:id="rId17"/>
-    <p:sldId id="286" r:id="rId18"/>
-    <p:sldId id="270" r:id="rId19"/>
-    <p:sldId id="271" r:id="rId20"/>
-    <p:sldId id="272" r:id="rId21"/>
-    <p:sldId id="287" r:id="rId22"/>
-    <p:sldId id="273" r:id="rId23"/>
-    <p:sldId id="274" r:id="rId24"/>
-    <p:sldId id="288" r:id="rId25"/>
-    <p:sldId id="275" r:id="rId26"/>
-    <p:sldId id="276" r:id="rId27"/>
-    <p:sldId id="277" r:id="rId28"/>
-    <p:sldId id="279" r:id="rId29"/>
-    <p:sldId id="280" r:id="rId30"/>
-    <p:sldId id="281" r:id="rId31"/>
-    <p:sldId id="282" r:id="rId32"/>
-    <p:sldId id="283" r:id="rId33"/>
+    <p:sldId id="290" r:id="rId10"/>
+    <p:sldId id="289" r:id="rId11"/>
+    <p:sldId id="284" r:id="rId12"/>
+    <p:sldId id="263" r:id="rId13"/>
+    <p:sldId id="264" r:id="rId14"/>
+    <p:sldId id="285" r:id="rId15"/>
+    <p:sldId id="267" r:id="rId16"/>
+    <p:sldId id="268" r:id="rId17"/>
+    <p:sldId id="269" r:id="rId18"/>
+    <p:sldId id="286" r:id="rId19"/>
+    <p:sldId id="270" r:id="rId20"/>
+    <p:sldId id="271" r:id="rId21"/>
+    <p:sldId id="272" r:id="rId22"/>
+    <p:sldId id="287" r:id="rId23"/>
+    <p:sldId id="273" r:id="rId24"/>
+    <p:sldId id="274" r:id="rId25"/>
+    <p:sldId id="288" r:id="rId26"/>
+    <p:sldId id="275" r:id="rId27"/>
+    <p:sldId id="276" r:id="rId28"/>
+    <p:sldId id="277" r:id="rId29"/>
+    <p:sldId id="279" r:id="rId30"/>
+    <p:sldId id="280" r:id="rId31"/>
+    <p:sldId id="281" r:id="rId32"/>
+    <p:sldId id="282" r:id="rId33"/>
+    <p:sldId id="283" r:id="rId34"/>
   </p:sldIdLst>
   <p:sldSz cx="12192000" cy="6858000"/>
   <p:notesSz cx="6858000" cy="9144000"/>
@@ -5965,7 +5966,7 @@
           <a:p>
             <a:fld id="{D2BBC1C2-57E6-44B2-9E94-904C73AAC6C2}" type="datetimeFigureOut">
               <a:rPr lang="en-US" smtClean="0"/>
-              <a:t>1/11/2017</a:t>
+              <a:t>1/12/2017</a:t>
             </a:fld>
             <a:endParaRPr lang="en-US"/>
           </a:p>
@@ -6445,7 +6446,7 @@
           <a:p>
             <a:fld id="{86429C3B-1E6C-4729-9E74-920FE2DF7FD6}" type="datetimeFigureOut">
               <a:rPr lang="en-US" smtClean="0"/>
-              <a:t>1/11/2017</a:t>
+              <a:t>1/12/2017</a:t>
             </a:fld>
             <a:endParaRPr lang="en-US"/>
           </a:p>
@@ -6613,7 +6614,7 @@
           <a:p>
             <a:fld id="{86429C3B-1E6C-4729-9E74-920FE2DF7FD6}" type="datetimeFigureOut">
               <a:rPr lang="en-US" smtClean="0"/>
-              <a:t>1/11/2017</a:t>
+              <a:t>1/12/2017</a:t>
             </a:fld>
             <a:endParaRPr lang="en-US"/>
           </a:p>
@@ -6791,7 +6792,7 @@
           <a:p>
             <a:fld id="{86429C3B-1E6C-4729-9E74-920FE2DF7FD6}" type="datetimeFigureOut">
               <a:rPr lang="en-US" smtClean="0"/>
-              <a:t>1/11/2017</a:t>
+              <a:t>1/12/2017</a:t>
             </a:fld>
             <a:endParaRPr lang="en-US"/>
           </a:p>
@@ -6959,7 +6960,7 @@
           <a:p>
             <a:fld id="{86429C3B-1E6C-4729-9E74-920FE2DF7FD6}" type="datetimeFigureOut">
               <a:rPr lang="en-US" smtClean="0"/>
-              <a:t>1/11/2017</a:t>
+              <a:t>1/12/2017</a:t>
             </a:fld>
             <a:endParaRPr lang="en-US"/>
           </a:p>
@@ -7204,7 +7205,7 @@
           <a:p>
             <a:fld id="{86429C3B-1E6C-4729-9E74-920FE2DF7FD6}" type="datetimeFigureOut">
               <a:rPr lang="en-US" smtClean="0"/>
-              <a:t>1/11/2017</a:t>
+              <a:t>1/12/2017</a:t>
             </a:fld>
             <a:endParaRPr lang="en-US"/>
           </a:p>
@@ -7433,7 +7434,7 @@
           <a:p>
             <a:fld id="{86429C3B-1E6C-4729-9E74-920FE2DF7FD6}" type="datetimeFigureOut">
               <a:rPr lang="en-US" smtClean="0"/>
-              <a:t>1/11/2017</a:t>
+              <a:t>1/12/2017</a:t>
             </a:fld>
             <a:endParaRPr lang="en-US"/>
           </a:p>
@@ -7797,7 +7798,7 @@
           <a:p>
             <a:fld id="{86429C3B-1E6C-4729-9E74-920FE2DF7FD6}" type="datetimeFigureOut">
               <a:rPr lang="en-US" smtClean="0"/>
-              <a:t>1/11/2017</a:t>
+              <a:t>1/12/2017</a:t>
             </a:fld>
             <a:endParaRPr lang="en-US"/>
           </a:p>
@@ -7914,7 +7915,7 @@
           <a:p>
             <a:fld id="{86429C3B-1E6C-4729-9E74-920FE2DF7FD6}" type="datetimeFigureOut">
               <a:rPr lang="en-US" smtClean="0"/>
-              <a:t>1/11/2017</a:t>
+              <a:t>1/12/2017</a:t>
             </a:fld>
             <a:endParaRPr lang="en-US"/>
           </a:p>
@@ -8009,7 +8010,7 @@
           <a:p>
             <a:fld id="{86429C3B-1E6C-4729-9E74-920FE2DF7FD6}" type="datetimeFigureOut">
               <a:rPr lang="en-US" smtClean="0"/>
-              <a:t>1/11/2017</a:t>
+              <a:t>1/12/2017</a:t>
             </a:fld>
             <a:endParaRPr lang="en-US"/>
           </a:p>
@@ -8284,7 +8285,7 @@
           <a:p>
             <a:fld id="{86429C3B-1E6C-4729-9E74-920FE2DF7FD6}" type="datetimeFigureOut">
               <a:rPr lang="en-US" smtClean="0"/>
-              <a:t>1/11/2017</a:t>
+              <a:t>1/12/2017</a:t>
             </a:fld>
             <a:endParaRPr lang="en-US"/>
           </a:p>
@@ -8536,7 +8537,7 @@
           <a:p>
             <a:fld id="{86429C3B-1E6C-4729-9E74-920FE2DF7FD6}" type="datetimeFigureOut">
               <a:rPr lang="en-US" smtClean="0"/>
-              <a:t>1/11/2017</a:t>
+              <a:t>1/12/2017</a:t>
             </a:fld>
             <a:endParaRPr lang="en-US"/>
           </a:p>
@@ -8747,7 +8748,7 @@
           <a:p>
             <a:fld id="{86429C3B-1E6C-4729-9E74-920FE2DF7FD6}" type="datetimeFigureOut">
               <a:rPr lang="en-US" smtClean="0"/>
-              <a:t>1/11/2017</a:t>
+              <a:t>1/12/2017</a:t>
             </a:fld>
             <a:endParaRPr lang="en-US"/>
           </a:p>
@@ -9464,7 +9465,7 @@
           <a:p>
             <a:r>
               <a:rPr lang="en-US" dirty="0"/>
-              <a:t>Load Testing</a:t>
+              <a:t>Performance Testing – Old School</a:t>
             </a:r>
           </a:p>
         </p:txBody>
@@ -9484,30 +9485,6 @@
           <a:bodyPr/>
           <a:lstStyle/>
           <a:p>
-            <a:r>
-              <a:rPr lang="en-US" dirty="0"/>
-              <a:t>Duration &amp; User Load</a:t>
-            </a:r>
-          </a:p>
-          <a:p>
-            <a:endParaRPr lang="en-US" dirty="0"/>
-          </a:p>
-          <a:p>
-            <a:r>
-              <a:rPr lang="en-US" dirty="0"/>
-              <a:t>Test Mix</a:t>
-            </a:r>
-          </a:p>
-          <a:p>
-            <a:endParaRPr lang="en-US" dirty="0"/>
-          </a:p>
-          <a:p>
-            <a:r>
-              <a:rPr lang="en-US" dirty="0"/>
-              <a:t>Run: Local vs Cloud</a:t>
-            </a:r>
-          </a:p>
-          <a:p>
             <a:pPr marL="0" indent="0">
               <a:buNone/>
             </a:pPr>
@@ -9517,9 +9494,121 @@
             <a:pPr marL="0" indent="0">
               <a:buNone/>
             </a:pPr>
-            <a:r>
-              <a:rPr lang="en-US" dirty="0"/>
-              <a:t>See the code…</a:t>
+            <a:endParaRPr lang="en-US" dirty="0"/>
+          </a:p>
+        </p:txBody>
+      </p:sp>
+      <p:pic>
+        <p:nvPicPr>
+          <p:cNvPr id="4" name="Picture 3"/>
+          <p:cNvPicPr>
+            <a:picLocks noChangeAspect="1"/>
+          </p:cNvPicPr>
+          <p:nvPr/>
+        </p:nvPicPr>
+        <p:blipFill>
+          <a:blip r:embed="rId2">
+            <a:extLst>
+              <a:ext uri="{28A0092B-C50C-407E-A947-70E740481C1C}">
+                <a14:useLocalDpi xmlns:a14="http://schemas.microsoft.com/office/drawing/2010/main" val="0"/>
+              </a:ext>
+            </a:extLst>
+          </a:blip>
+          <a:stretch>
+            <a:fillRect/>
+          </a:stretch>
+        </p:blipFill>
+        <p:spPr>
+          <a:xfrm>
+            <a:off x="838200" y="1615652"/>
+            <a:ext cx="4520293" cy="4561311"/>
+          </a:xfrm>
+          <a:prstGeom prst="rect">
+            <a:avLst/>
+          </a:prstGeom>
+        </p:spPr>
+      </p:pic>
+      <p:sp>
+        <p:nvSpPr>
+          <p:cNvPr id="5" name="TextBox 4"/>
+          <p:cNvSpPr txBox="1"/>
+          <p:nvPr/>
+        </p:nvSpPr>
+        <p:spPr>
+          <a:xfrm>
+            <a:off x="5586884" y="1825625"/>
+            <a:ext cx="5104562" cy="3108543"/>
+          </a:xfrm>
+          <a:prstGeom prst="rect">
+            <a:avLst/>
+          </a:prstGeom>
+          <a:noFill/>
+        </p:spPr>
+        <p:txBody>
+          <a:bodyPr wrap="square" rtlCol="0">
+            <a:spAutoFit/>
+          </a:bodyPr>
+          <a:lstStyle/>
+          <a:p>
+            <a:pPr marL="285750" indent="-285750">
+              <a:buFont typeface="Arial" panose="020B0604020202020204" pitchFamily="34" charset="0"/>
+              <a:buChar char="•"/>
+            </a:pPr>
+            <a:r>
+              <a:rPr lang="en-US" sz="2800" dirty="0" err="1"/>
+              <a:t>Perfmon</a:t>
+            </a:r>
+            <a:endParaRPr lang="en-US" sz="2800" dirty="0"/>
+          </a:p>
+          <a:p>
+            <a:pPr marL="285750" indent="-285750">
+              <a:buFont typeface="Arial" panose="020B0604020202020204" pitchFamily="34" charset="0"/>
+              <a:buChar char="•"/>
+            </a:pPr>
+            <a:endParaRPr lang="en-US" sz="2800" dirty="0"/>
+          </a:p>
+          <a:p>
+            <a:pPr marL="285750" indent="-285750">
+              <a:buFont typeface="Arial" panose="020B0604020202020204" pitchFamily="34" charset="0"/>
+              <a:buChar char="•"/>
+            </a:pPr>
+            <a:r>
+              <a:rPr lang="en-US" sz="2800" dirty="0"/>
+              <a:t>CPU Utilization</a:t>
+            </a:r>
+          </a:p>
+          <a:p>
+            <a:pPr marL="285750" indent="-285750">
+              <a:buFont typeface="Arial" panose="020B0604020202020204" pitchFamily="34" charset="0"/>
+              <a:buChar char="•"/>
+            </a:pPr>
+            <a:endParaRPr lang="en-US" sz="2800" dirty="0"/>
+          </a:p>
+          <a:p>
+            <a:pPr marL="285750" indent="-285750">
+              <a:buFont typeface="Arial" panose="020B0604020202020204" pitchFamily="34" charset="0"/>
+              <a:buChar char="•"/>
+            </a:pPr>
+            <a:r>
+              <a:rPr lang="en-US" sz="2800" dirty="0"/>
+              <a:t>Memory Utilization</a:t>
+            </a:r>
+          </a:p>
+          <a:p>
+            <a:pPr marL="285750" indent="-285750">
+              <a:buFont typeface="Arial" panose="020B0604020202020204" pitchFamily="34" charset="0"/>
+              <a:buChar char="•"/>
+            </a:pPr>
+            <a:endParaRPr lang="en-US" sz="2800" dirty="0"/>
+          </a:p>
+          <a:p>
+            <a:pPr marL="285750" indent="-285750">
+              <a:buFont typeface="Arial" panose="020B0604020202020204" pitchFamily="34" charset="0"/>
+              <a:buChar char="•"/>
+            </a:pPr>
+            <a:r>
+              <a:rPr lang="en-US" sz="2800" dirty="0"/>
+              <a:t>Network Utilization</a:t>
             </a:r>
           </a:p>
         </p:txBody>
@@ -9527,7 +9616,7 @@
     </p:spTree>
     <p:extLst>
       <p:ext uri="{BB962C8B-B14F-4D97-AF65-F5344CB8AC3E}">
-        <p14:creationId xmlns:p14="http://schemas.microsoft.com/office/powerpoint/2010/main" val="938120310"/>
+        <p14:creationId xmlns:p14="http://schemas.microsoft.com/office/powerpoint/2010/main" val="2678778974"/>
       </p:ext>
     </p:extLst>
   </p:cSld>
@@ -9571,7 +9660,7 @@
           <a:p>
             <a:r>
               <a:rPr lang="en-US" dirty="0"/>
-              <a:t>Problem 1 – CPU Bound Operations</a:t>
+              <a:t>Load Testing</a:t>
             </a:r>
           </a:p>
         </p:txBody>
@@ -9591,12 +9680,27 @@
           <a:bodyPr/>
           <a:lstStyle/>
           <a:p>
-            <a:pPr marL="0" indent="0">
-              <a:buNone/>
-            </a:pPr>
             <a:r>
               <a:rPr lang="en-US" dirty="0"/>
-              <a:t>Example: Primary number calculation</a:t>
+              <a:t>Duration &amp; User Load</a:t>
+            </a:r>
+          </a:p>
+          <a:p>
+            <a:endParaRPr lang="en-US" dirty="0"/>
+          </a:p>
+          <a:p>
+            <a:r>
+              <a:rPr lang="en-US" dirty="0"/>
+              <a:t>Test Mix</a:t>
+            </a:r>
+          </a:p>
+          <a:p>
+            <a:endParaRPr lang="en-US" dirty="0"/>
+          </a:p>
+          <a:p>
+            <a:r>
+              <a:rPr lang="en-US" dirty="0"/>
+              <a:t>Run: Local vs Cloud</a:t>
             </a:r>
           </a:p>
           <a:p>
@@ -9609,62 +9713,17 @@
             <a:pPr marL="0" indent="0">
               <a:buNone/>
             </a:pPr>
-            <a:endParaRPr lang="en-US" dirty="0"/>
-          </a:p>
-          <a:p>
-            <a:pPr marL="0" indent="0">
-              <a:buNone/>
-            </a:pPr>
-            <a:endParaRPr lang="en-US" dirty="0"/>
-          </a:p>
-          <a:p>
-            <a:pPr marL="0" indent="0">
-              <a:buNone/>
-            </a:pPr>
-            <a:endParaRPr lang="en-US" dirty="0"/>
-          </a:p>
-          <a:p>
-            <a:pPr marL="0" indent="0">
-              <a:buNone/>
-            </a:pPr>
-            <a:endParaRPr lang="en-US" dirty="0"/>
-          </a:p>
-          <a:p>
-            <a:pPr marL="0" indent="0">
-              <a:buNone/>
-            </a:pPr>
-            <a:endParaRPr lang="en-US" dirty="0"/>
+            <a:r>
+              <a:rPr lang="en-US" dirty="0"/>
+              <a:t>See the code…</a:t>
+            </a:r>
           </a:p>
         </p:txBody>
       </p:sp>
-      <p:pic>
-        <p:nvPicPr>
-          <p:cNvPr id="4" name="Picture 3"/>
-          <p:cNvPicPr>
-            <a:picLocks noChangeAspect="1"/>
-          </p:cNvPicPr>
-          <p:nvPr/>
-        </p:nvPicPr>
-        <p:blipFill>
-          <a:blip r:embed="rId2"/>
-          <a:stretch>
-            <a:fillRect/>
-          </a:stretch>
-        </p:blipFill>
-        <p:spPr>
-          <a:xfrm>
-            <a:off x="1042737" y="2425115"/>
-            <a:ext cx="6733782" cy="3401603"/>
-          </a:xfrm>
-          <a:prstGeom prst="rect">
-            <a:avLst/>
-          </a:prstGeom>
-        </p:spPr>
-      </p:pic>
     </p:spTree>
     <p:extLst>
       <p:ext uri="{BB962C8B-B14F-4D97-AF65-F5344CB8AC3E}">
-        <p14:creationId xmlns:p14="http://schemas.microsoft.com/office/powerpoint/2010/main" val="1694484148"/>
+        <p14:creationId xmlns:p14="http://schemas.microsoft.com/office/powerpoint/2010/main" val="938120310"/>
       </p:ext>
     </p:extLst>
   </p:cSld>
@@ -9733,15 +9792,7 @@
             </a:pPr>
             <a:r>
               <a:rPr lang="en-US" dirty="0"/>
-              <a:t>Solution 2: </a:t>
-            </a:r>
-            <a:r>
-              <a:rPr lang="en-US" dirty="0" err="1"/>
-              <a:t>Async</a:t>
-            </a:r>
-            <a:r>
-              <a:rPr lang="en-US" dirty="0"/>
-              <a:t>/await, no caching</a:t>
+              <a:t>Example: Primary number calculation</a:t>
             </a:r>
           </a:p>
           <a:p>
@@ -9761,52 +9812,6 @@
               <a:buNone/>
             </a:pPr>
             <a:endParaRPr lang="en-US" dirty="0"/>
-          </a:p>
-          <a:p>
-            <a:pPr marL="0" indent="0">
-              <a:buNone/>
-            </a:pPr>
-            <a:endParaRPr lang="en-US" dirty="0"/>
-          </a:p>
-          <a:p>
-            <a:pPr marL="0" indent="0">
-              <a:buNone/>
-            </a:pPr>
-            <a:r>
-              <a:rPr lang="en-US" dirty="0"/>
-              <a:t>Solution 3: Caching, no </a:t>
-            </a:r>
-            <a:r>
-              <a:rPr lang="en-US" dirty="0" err="1"/>
-              <a:t>async</a:t>
-            </a:r>
-            <a:r>
-              <a:rPr lang="en-US" dirty="0"/>
-              <a:t>/await</a:t>
-            </a:r>
-          </a:p>
-          <a:p>
-            <a:pPr marL="0" indent="0">
-              <a:buNone/>
-            </a:pPr>
-            <a:endParaRPr lang="en-US" dirty="0"/>
-          </a:p>
-          <a:p>
-            <a:pPr marL="0" indent="0">
-              <a:buNone/>
-            </a:pPr>
-            <a:r>
-              <a:rPr lang="en-US" dirty="0"/>
-              <a:t>Solution 4: Caching, with </a:t>
-            </a:r>
-            <a:r>
-              <a:rPr lang="en-US" dirty="0" err="1"/>
-              <a:t>async</a:t>
-            </a:r>
-            <a:r>
-              <a:rPr lang="en-US" dirty="0"/>
-              <a:t>/await</a:t>
-            </a:r>
           </a:p>
           <a:p>
             <a:pPr marL="0" indent="0">
@@ -9844,8 +9849,8 @@
         </p:blipFill>
         <p:spPr>
           <a:xfrm>
-            <a:off x="1050760" y="2502569"/>
-            <a:ext cx="8859359" cy="1208095"/>
+            <a:off x="1042737" y="2425115"/>
+            <a:ext cx="6733782" cy="3401603"/>
           </a:xfrm>
           <a:prstGeom prst="rect">
             <a:avLst/>
@@ -9855,7 +9860,7 @@
     </p:spTree>
     <p:extLst>
       <p:ext uri="{BB962C8B-B14F-4D97-AF65-F5344CB8AC3E}">
-        <p14:creationId xmlns:p14="http://schemas.microsoft.com/office/powerpoint/2010/main" val="1218057866"/>
+        <p14:creationId xmlns:p14="http://schemas.microsoft.com/office/powerpoint/2010/main" val="1694484148"/>
       </p:ext>
     </p:extLst>
   </p:cSld>
@@ -9924,6 +9929,197 @@
             </a:pPr>
             <a:r>
               <a:rPr lang="en-US" dirty="0"/>
+              <a:t>Solution 2: </a:t>
+            </a:r>
+            <a:r>
+              <a:rPr lang="en-US" dirty="0" err="1"/>
+              <a:t>Async</a:t>
+            </a:r>
+            <a:r>
+              <a:rPr lang="en-US" dirty="0"/>
+              <a:t>/await, no caching</a:t>
+            </a:r>
+          </a:p>
+          <a:p>
+            <a:pPr marL="0" indent="0">
+              <a:buNone/>
+            </a:pPr>
+            <a:endParaRPr lang="en-US" dirty="0"/>
+          </a:p>
+          <a:p>
+            <a:pPr marL="0" indent="0">
+              <a:buNone/>
+            </a:pPr>
+            <a:endParaRPr lang="en-US" dirty="0"/>
+          </a:p>
+          <a:p>
+            <a:pPr marL="0" indent="0">
+              <a:buNone/>
+            </a:pPr>
+            <a:endParaRPr lang="en-US" dirty="0"/>
+          </a:p>
+          <a:p>
+            <a:pPr marL="0" indent="0">
+              <a:buNone/>
+            </a:pPr>
+            <a:endParaRPr lang="en-US" dirty="0"/>
+          </a:p>
+          <a:p>
+            <a:pPr marL="0" indent="0">
+              <a:buNone/>
+            </a:pPr>
+            <a:r>
+              <a:rPr lang="en-US" dirty="0"/>
+              <a:t>Solution 3: Caching, no </a:t>
+            </a:r>
+            <a:r>
+              <a:rPr lang="en-US" dirty="0" err="1"/>
+              <a:t>async</a:t>
+            </a:r>
+            <a:r>
+              <a:rPr lang="en-US" dirty="0"/>
+              <a:t>/await</a:t>
+            </a:r>
+          </a:p>
+          <a:p>
+            <a:pPr marL="0" indent="0">
+              <a:buNone/>
+            </a:pPr>
+            <a:endParaRPr lang="en-US" dirty="0"/>
+          </a:p>
+          <a:p>
+            <a:pPr marL="0" indent="0">
+              <a:buNone/>
+            </a:pPr>
+            <a:r>
+              <a:rPr lang="en-US" dirty="0"/>
+              <a:t>Solution 4: Caching, with </a:t>
+            </a:r>
+            <a:r>
+              <a:rPr lang="en-US" dirty="0" err="1"/>
+              <a:t>async</a:t>
+            </a:r>
+            <a:r>
+              <a:rPr lang="en-US" dirty="0"/>
+              <a:t>/await</a:t>
+            </a:r>
+          </a:p>
+          <a:p>
+            <a:pPr marL="0" indent="0">
+              <a:buNone/>
+            </a:pPr>
+            <a:endParaRPr lang="en-US" dirty="0"/>
+          </a:p>
+          <a:p>
+            <a:pPr marL="0" indent="0">
+              <a:buNone/>
+            </a:pPr>
+            <a:endParaRPr lang="en-US" dirty="0"/>
+          </a:p>
+          <a:p>
+            <a:pPr marL="0" indent="0">
+              <a:buNone/>
+            </a:pPr>
+            <a:endParaRPr lang="en-US" dirty="0"/>
+          </a:p>
+        </p:txBody>
+      </p:sp>
+      <p:pic>
+        <p:nvPicPr>
+          <p:cNvPr id="4" name="Picture 3"/>
+          <p:cNvPicPr>
+            <a:picLocks noChangeAspect="1"/>
+          </p:cNvPicPr>
+          <p:nvPr/>
+        </p:nvPicPr>
+        <p:blipFill>
+          <a:blip r:embed="rId2"/>
+          <a:stretch>
+            <a:fillRect/>
+          </a:stretch>
+        </p:blipFill>
+        <p:spPr>
+          <a:xfrm>
+            <a:off x="1050760" y="2502569"/>
+            <a:ext cx="8859359" cy="1208095"/>
+          </a:xfrm>
+          <a:prstGeom prst="rect">
+            <a:avLst/>
+          </a:prstGeom>
+        </p:spPr>
+      </p:pic>
+    </p:spTree>
+    <p:extLst>
+      <p:ext uri="{BB962C8B-B14F-4D97-AF65-F5344CB8AC3E}">
+        <p14:creationId xmlns:p14="http://schemas.microsoft.com/office/powerpoint/2010/main" val="1218057866"/>
+      </p:ext>
+    </p:extLst>
+  </p:cSld>
+  <p:clrMapOvr>
+    <a:masterClrMapping/>
+  </p:clrMapOvr>
+</p:sld>
+</file>
+
+<file path=ppt/slides/slide14.xml><?xml version="1.0" encoding="utf-8"?>
+<p:sld xmlns:a="http://schemas.openxmlformats.org/drawingml/2006/main" xmlns:r="http://schemas.openxmlformats.org/officeDocument/2006/relationships" xmlns:p="http://schemas.openxmlformats.org/presentationml/2006/main">
+  <p:cSld>
+    <p:spTree>
+      <p:nvGrpSpPr>
+        <p:cNvPr id="1" name=""/>
+        <p:cNvGrpSpPr/>
+        <p:nvPr/>
+      </p:nvGrpSpPr>
+      <p:grpSpPr>
+        <a:xfrm>
+          <a:off x="0" y="0"/>
+          <a:ext cx="0" cy="0"/>
+          <a:chOff x="0" y="0"/>
+          <a:chExt cx="0" cy="0"/>
+        </a:xfrm>
+      </p:grpSpPr>
+      <p:sp>
+        <p:nvSpPr>
+          <p:cNvPr id="2" name="Title 1"/>
+          <p:cNvSpPr>
+            <a:spLocks noGrp="1"/>
+          </p:cNvSpPr>
+          <p:nvPr>
+            <p:ph type="title"/>
+          </p:nvPr>
+        </p:nvSpPr>
+        <p:spPr/>
+        <p:txBody>
+          <a:bodyPr/>
+          <a:lstStyle/>
+          <a:p>
+            <a:r>
+              <a:rPr lang="en-US" dirty="0"/>
+              <a:t>Problem 1 – CPU Bound Operations</a:t>
+            </a:r>
+          </a:p>
+        </p:txBody>
+      </p:sp>
+      <p:sp>
+        <p:nvSpPr>
+          <p:cNvPr id="3" name="Content Placeholder 2"/>
+          <p:cNvSpPr>
+            <a:spLocks noGrp="1"/>
+          </p:cNvSpPr>
+          <p:nvPr>
+            <p:ph idx="1"/>
+          </p:nvPr>
+        </p:nvSpPr>
+        <p:spPr/>
+        <p:txBody>
+          <a:bodyPr/>
+          <a:lstStyle/>
+          <a:p>
+            <a:pPr marL="0" indent="0">
+              <a:buNone/>
+            </a:pPr>
+            <a:r>
+              <a:rPr lang="en-US" dirty="0"/>
               <a:t>See the code…</a:t>
             </a:r>
           </a:p>
@@ -9942,7 +10138,7 @@
 </p:sld>
 </file>
 
-<file path=ppt/slides/slide14.xml><?xml version="1.0" encoding="utf-8"?>
+<file path=ppt/slides/slide15.xml><?xml version="1.0" encoding="utf-8"?>
 <p:sld xmlns:a="http://schemas.openxmlformats.org/drawingml/2006/main" xmlns:r="http://schemas.openxmlformats.org/officeDocument/2006/relationships" xmlns:p="http://schemas.openxmlformats.org/presentationml/2006/main">
   <p:cSld>
     <p:spTree>
@@ -10585,113 +10781,6 @@
 </p:sld>
 </file>
 
-<file path=ppt/slides/slide15.xml><?xml version="1.0" encoding="utf-8"?>
-<p:sld xmlns:a="http://schemas.openxmlformats.org/drawingml/2006/main" xmlns:r="http://schemas.openxmlformats.org/officeDocument/2006/relationships" xmlns:p="http://schemas.openxmlformats.org/presentationml/2006/main">
-  <p:cSld>
-    <p:spTree>
-      <p:nvGrpSpPr>
-        <p:cNvPr id="1" name=""/>
-        <p:cNvGrpSpPr/>
-        <p:nvPr/>
-      </p:nvGrpSpPr>
-      <p:grpSpPr>
-        <a:xfrm>
-          <a:off x="0" y="0"/>
-          <a:ext cx="0" cy="0"/>
-          <a:chOff x="0" y="0"/>
-          <a:chExt cx="0" cy="0"/>
-        </a:xfrm>
-      </p:grpSpPr>
-      <p:sp>
-        <p:nvSpPr>
-          <p:cNvPr id="2" name="Title 1"/>
-          <p:cNvSpPr>
-            <a:spLocks noGrp="1"/>
-          </p:cNvSpPr>
-          <p:nvPr>
-            <p:ph type="title"/>
-          </p:nvPr>
-        </p:nvSpPr>
-        <p:spPr/>
-        <p:txBody>
-          <a:bodyPr/>
-          <a:lstStyle/>
-          <a:p>
-            <a:r>
-              <a:rPr lang="en-US" dirty="0"/>
-              <a:t>Problem 2 – Storage Read with CPU</a:t>
-            </a:r>
-          </a:p>
-        </p:txBody>
-      </p:sp>
-      <p:sp>
-        <p:nvSpPr>
-          <p:cNvPr id="3" name="Content Placeholder 2"/>
-          <p:cNvSpPr>
-            <a:spLocks noGrp="1"/>
-          </p:cNvSpPr>
-          <p:nvPr>
-            <p:ph idx="1"/>
-          </p:nvPr>
-        </p:nvSpPr>
-        <p:spPr/>
-        <p:txBody>
-          <a:bodyPr/>
-          <a:lstStyle/>
-          <a:p>
-            <a:pPr marL="0" indent="0">
-              <a:buNone/>
-            </a:pPr>
-            <a:r>
-              <a:rPr lang="en-US" dirty="0"/>
-              <a:t>Example: Proximity calculation between two locations</a:t>
-            </a:r>
-          </a:p>
-          <a:p>
-            <a:pPr marL="0" indent="0">
-              <a:buNone/>
-            </a:pPr>
-            <a:endParaRPr lang="en-US" dirty="0"/>
-          </a:p>
-        </p:txBody>
-      </p:sp>
-      <p:pic>
-        <p:nvPicPr>
-          <p:cNvPr id="4" name="Picture 3"/>
-          <p:cNvPicPr>
-            <a:picLocks noChangeAspect="1"/>
-          </p:cNvPicPr>
-          <p:nvPr/>
-        </p:nvPicPr>
-        <p:blipFill>
-          <a:blip r:embed="rId2"/>
-          <a:stretch>
-            <a:fillRect/>
-          </a:stretch>
-        </p:blipFill>
-        <p:spPr>
-          <a:xfrm>
-            <a:off x="1016849" y="2438053"/>
-            <a:ext cx="10317676" cy="3738909"/>
-          </a:xfrm>
-          <a:prstGeom prst="rect">
-            <a:avLst/>
-          </a:prstGeom>
-        </p:spPr>
-      </p:pic>
-    </p:spTree>
-    <p:extLst>
-      <p:ext uri="{BB962C8B-B14F-4D97-AF65-F5344CB8AC3E}">
-        <p14:creationId xmlns:p14="http://schemas.microsoft.com/office/powerpoint/2010/main" val="3525105788"/>
-      </p:ext>
-    </p:extLst>
-  </p:cSld>
-  <p:clrMapOvr>
-    <a:masterClrMapping/>
-  </p:clrMapOvr>
-</p:sld>
-</file>
-
 <file path=ppt/slides/slide16.xml><?xml version="1.0" encoding="utf-8"?>
 <p:sld xmlns:a="http://schemas.openxmlformats.org/drawingml/2006/main" xmlns:r="http://schemas.openxmlformats.org/officeDocument/2006/relationships" xmlns:p="http://schemas.openxmlformats.org/presentationml/2006/main">
   <p:cSld>
@@ -10751,46 +10840,7 @@
             </a:pPr>
             <a:r>
               <a:rPr lang="en-US" dirty="0"/>
-              <a:t>Solution variables</a:t>
-            </a:r>
-          </a:p>
-          <a:p>
-            <a:endParaRPr lang="en-US" dirty="0"/>
-          </a:p>
-          <a:p>
-            <a:pPr lvl="1"/>
-            <a:r>
-              <a:rPr lang="en-US" dirty="0"/>
-              <a:t>Synchronous versus </a:t>
-            </a:r>
-            <a:r>
-              <a:rPr lang="en-US" dirty="0" err="1"/>
-              <a:t>async</a:t>
-            </a:r>
-            <a:r>
-              <a:rPr lang="en-US" dirty="0"/>
-              <a:t>/await</a:t>
-            </a:r>
-          </a:p>
-          <a:p>
-            <a:pPr lvl="1"/>
-            <a:r>
-              <a:rPr lang="en-US" dirty="0"/>
-              <a:t>Storing results</a:t>
-            </a:r>
-          </a:p>
-          <a:p>
-            <a:pPr lvl="1"/>
-            <a:r>
-              <a:rPr lang="en-US" dirty="0"/>
-              <a:t>Caching</a:t>
-            </a:r>
-          </a:p>
-          <a:p>
-            <a:pPr lvl="1"/>
-            <a:r>
-              <a:rPr lang="en-US" dirty="0"/>
-              <a:t>Pre-loading locations</a:t>
+              <a:t>Example: Proximity calculation between two locations</a:t>
             </a:r>
           </a:p>
           <a:p>
@@ -10801,10 +10851,34 @@
           </a:p>
         </p:txBody>
       </p:sp>
+      <p:pic>
+        <p:nvPicPr>
+          <p:cNvPr id="4" name="Picture 3"/>
+          <p:cNvPicPr>
+            <a:picLocks noChangeAspect="1"/>
+          </p:cNvPicPr>
+          <p:nvPr/>
+        </p:nvPicPr>
+        <p:blipFill>
+          <a:blip r:embed="rId2"/>
+          <a:stretch>
+            <a:fillRect/>
+          </a:stretch>
+        </p:blipFill>
+        <p:spPr>
+          <a:xfrm>
+            <a:off x="1016849" y="2438053"/>
+            <a:ext cx="10317676" cy="3738909"/>
+          </a:xfrm>
+          <a:prstGeom prst="rect">
+            <a:avLst/>
+          </a:prstGeom>
+        </p:spPr>
+      </p:pic>
     </p:spTree>
     <p:extLst>
       <p:ext uri="{BB962C8B-B14F-4D97-AF65-F5344CB8AC3E}">
-        <p14:creationId xmlns:p14="http://schemas.microsoft.com/office/powerpoint/2010/main" val="65559868"/>
+        <p14:creationId xmlns:p14="http://schemas.microsoft.com/office/powerpoint/2010/main" val="3525105788"/>
       </p:ext>
     </p:extLst>
   </p:cSld>
@@ -10873,6 +10947,128 @@
             </a:pPr>
             <a:r>
               <a:rPr lang="en-US" dirty="0"/>
+              <a:t>Solution variables</a:t>
+            </a:r>
+          </a:p>
+          <a:p>
+            <a:endParaRPr lang="en-US" dirty="0"/>
+          </a:p>
+          <a:p>
+            <a:pPr lvl="1"/>
+            <a:r>
+              <a:rPr lang="en-US" dirty="0"/>
+              <a:t>Synchronous versus </a:t>
+            </a:r>
+            <a:r>
+              <a:rPr lang="en-US" dirty="0" err="1"/>
+              <a:t>async</a:t>
+            </a:r>
+            <a:r>
+              <a:rPr lang="en-US" dirty="0"/>
+              <a:t>/await</a:t>
+            </a:r>
+          </a:p>
+          <a:p>
+            <a:pPr lvl="1"/>
+            <a:r>
+              <a:rPr lang="en-US" dirty="0"/>
+              <a:t>Storing results</a:t>
+            </a:r>
+          </a:p>
+          <a:p>
+            <a:pPr lvl="1"/>
+            <a:r>
+              <a:rPr lang="en-US" dirty="0"/>
+              <a:t>Caching</a:t>
+            </a:r>
+          </a:p>
+          <a:p>
+            <a:pPr lvl="1"/>
+            <a:r>
+              <a:rPr lang="en-US" dirty="0"/>
+              <a:t>Pre-loading locations</a:t>
+            </a:r>
+          </a:p>
+          <a:p>
+            <a:pPr marL="0" indent="0">
+              <a:buNone/>
+            </a:pPr>
+            <a:endParaRPr lang="en-US" dirty="0"/>
+          </a:p>
+        </p:txBody>
+      </p:sp>
+    </p:spTree>
+    <p:extLst>
+      <p:ext uri="{BB962C8B-B14F-4D97-AF65-F5344CB8AC3E}">
+        <p14:creationId xmlns:p14="http://schemas.microsoft.com/office/powerpoint/2010/main" val="65559868"/>
+      </p:ext>
+    </p:extLst>
+  </p:cSld>
+  <p:clrMapOvr>
+    <a:masterClrMapping/>
+  </p:clrMapOvr>
+</p:sld>
+</file>
+
+<file path=ppt/slides/slide18.xml><?xml version="1.0" encoding="utf-8"?>
+<p:sld xmlns:a="http://schemas.openxmlformats.org/drawingml/2006/main" xmlns:r="http://schemas.openxmlformats.org/officeDocument/2006/relationships" xmlns:p="http://schemas.openxmlformats.org/presentationml/2006/main">
+  <p:cSld>
+    <p:spTree>
+      <p:nvGrpSpPr>
+        <p:cNvPr id="1" name=""/>
+        <p:cNvGrpSpPr/>
+        <p:nvPr/>
+      </p:nvGrpSpPr>
+      <p:grpSpPr>
+        <a:xfrm>
+          <a:off x="0" y="0"/>
+          <a:ext cx="0" cy="0"/>
+          <a:chOff x="0" y="0"/>
+          <a:chExt cx="0" cy="0"/>
+        </a:xfrm>
+      </p:grpSpPr>
+      <p:sp>
+        <p:nvSpPr>
+          <p:cNvPr id="2" name="Title 1"/>
+          <p:cNvSpPr>
+            <a:spLocks noGrp="1"/>
+          </p:cNvSpPr>
+          <p:nvPr>
+            <p:ph type="title"/>
+          </p:nvPr>
+        </p:nvSpPr>
+        <p:spPr/>
+        <p:txBody>
+          <a:bodyPr/>
+          <a:lstStyle/>
+          <a:p>
+            <a:r>
+              <a:rPr lang="en-US" dirty="0"/>
+              <a:t>Problem 2 – Storage Read with CPU</a:t>
+            </a:r>
+          </a:p>
+        </p:txBody>
+      </p:sp>
+      <p:sp>
+        <p:nvSpPr>
+          <p:cNvPr id="3" name="Content Placeholder 2"/>
+          <p:cNvSpPr>
+            <a:spLocks noGrp="1"/>
+          </p:cNvSpPr>
+          <p:nvPr>
+            <p:ph idx="1"/>
+          </p:nvPr>
+        </p:nvSpPr>
+        <p:spPr/>
+        <p:txBody>
+          <a:bodyPr/>
+          <a:lstStyle/>
+          <a:p>
+            <a:pPr marL="0" indent="0">
+              <a:buNone/>
+            </a:pPr>
+            <a:r>
+              <a:rPr lang="en-US" dirty="0"/>
               <a:t>See the code…</a:t>
             </a:r>
           </a:p>
@@ -10891,7 +11087,7 @@
 </p:sld>
 </file>
 
-<file path=ppt/slides/slide18.xml><?xml version="1.0" encoding="utf-8"?>
+<file path=ppt/slides/slide19.xml><?xml version="1.0" encoding="utf-8"?>
 <p:sld xmlns:a="http://schemas.openxmlformats.org/drawingml/2006/main" xmlns:r="http://schemas.openxmlformats.org/officeDocument/2006/relationships" xmlns:p="http://schemas.openxmlformats.org/presentationml/2006/main">
   <p:cSld>
     <p:spTree>
@@ -12168,113 +12364,6 @@
 </p:sld>
 </file>
 
-<file path=ppt/slides/slide19.xml><?xml version="1.0" encoding="utf-8"?>
-<p:sld xmlns:a="http://schemas.openxmlformats.org/drawingml/2006/main" xmlns:r="http://schemas.openxmlformats.org/officeDocument/2006/relationships" xmlns:p="http://schemas.openxmlformats.org/presentationml/2006/main">
-  <p:cSld>
-    <p:spTree>
-      <p:nvGrpSpPr>
-        <p:cNvPr id="1" name=""/>
-        <p:cNvGrpSpPr/>
-        <p:nvPr/>
-      </p:nvGrpSpPr>
-      <p:grpSpPr>
-        <a:xfrm>
-          <a:off x="0" y="0"/>
-          <a:ext cx="0" cy="0"/>
-          <a:chOff x="0" y="0"/>
-          <a:chExt cx="0" cy="0"/>
-        </a:xfrm>
-      </p:grpSpPr>
-      <p:sp>
-        <p:nvSpPr>
-          <p:cNvPr id="2" name="Title 1"/>
-          <p:cNvSpPr>
-            <a:spLocks noGrp="1"/>
-          </p:cNvSpPr>
-          <p:nvPr>
-            <p:ph type="title"/>
-          </p:nvPr>
-        </p:nvSpPr>
-        <p:spPr/>
-        <p:txBody>
-          <a:bodyPr/>
-          <a:lstStyle/>
-          <a:p>
-            <a:r>
-              <a:rPr lang="en-US" dirty="0"/>
-              <a:t>Problem 3 – Large Dataset Calculations</a:t>
-            </a:r>
-          </a:p>
-        </p:txBody>
-      </p:sp>
-      <p:sp>
-        <p:nvSpPr>
-          <p:cNvPr id="3" name="Content Placeholder 2"/>
-          <p:cNvSpPr>
-            <a:spLocks noGrp="1"/>
-          </p:cNvSpPr>
-          <p:nvPr>
-            <p:ph idx="1"/>
-          </p:nvPr>
-        </p:nvSpPr>
-        <p:spPr/>
-        <p:txBody>
-          <a:bodyPr/>
-          <a:lstStyle/>
-          <a:p>
-            <a:pPr marL="0" indent="0">
-              <a:buNone/>
-            </a:pPr>
-            <a:r>
-              <a:rPr lang="en-US" dirty="0"/>
-              <a:t>Example: Find closest locations</a:t>
-            </a:r>
-          </a:p>
-          <a:p>
-            <a:pPr marL="0" indent="0">
-              <a:buNone/>
-            </a:pPr>
-            <a:endParaRPr lang="en-US" dirty="0"/>
-          </a:p>
-        </p:txBody>
-      </p:sp>
-      <p:pic>
-        <p:nvPicPr>
-          <p:cNvPr id="4" name="Picture 3"/>
-          <p:cNvPicPr>
-            <a:picLocks noChangeAspect="1"/>
-          </p:cNvPicPr>
-          <p:nvPr/>
-        </p:nvPicPr>
-        <p:blipFill>
-          <a:blip r:embed="rId2"/>
-          <a:stretch>
-            <a:fillRect/>
-          </a:stretch>
-        </p:blipFill>
-        <p:spPr>
-          <a:xfrm>
-            <a:off x="1100533" y="2532982"/>
-            <a:ext cx="10297582" cy="2183397"/>
-          </a:xfrm>
-          <a:prstGeom prst="rect">
-            <a:avLst/>
-          </a:prstGeom>
-        </p:spPr>
-      </p:pic>
-    </p:spTree>
-    <p:extLst>
-      <p:ext uri="{BB962C8B-B14F-4D97-AF65-F5344CB8AC3E}">
-        <p14:creationId xmlns:p14="http://schemas.microsoft.com/office/powerpoint/2010/main" val="1281562873"/>
-      </p:ext>
-    </p:extLst>
-  </p:cSld>
-  <p:clrMapOvr>
-    <a:masterClrMapping/>
-  </p:clrMapOvr>
-</p:sld>
-</file>
-
 <file path=ppt/slides/slide2.xml><?xml version="1.0" encoding="utf-8"?>
 <p:sld xmlns:a="http://schemas.openxmlformats.org/drawingml/2006/main" xmlns:r="http://schemas.openxmlformats.org/officeDocument/2006/relationships" xmlns:p="http://schemas.openxmlformats.org/presentationml/2006/main">
   <p:cSld>
@@ -12324,14 +12413,14 @@
             <p:ph idx="1"/>
             <p:extLst>
               <p:ext uri="{D42A27DB-BD31-4B8C-83A1-F6EECF244321}">
-                <p14:modId xmlns:p14="http://schemas.microsoft.com/office/powerpoint/2010/main" val="3588982039"/>
+                <p14:modId xmlns:p14="http://schemas.microsoft.com/office/powerpoint/2010/main" val="359647381"/>
               </p:ext>
             </p:extLst>
           </p:nvPr>
         </p:nvGraphicFramePr>
         <p:xfrm>
           <a:off x="838200" y="1825625"/>
-          <a:ext cx="10515600" cy="3017520"/>
+          <a:ext cx="10515600" cy="3291840"/>
         </p:xfrm>
         <a:graphic>
           <a:graphicData uri="http://schemas.openxmlformats.org/drawingml/2006/table">
@@ -12408,6 +12497,16 @@
                       <a:r>
                         <a:rPr lang="en-US" b="0" baseline="0" dirty="0"/>
                         <a:t>Parallelism</a:t>
+                      </a:r>
+                    </a:p>
+                    <a:p>
+                      <a:pPr marL="285750" indent="-285750">
+                        <a:buFont typeface="Arial" panose="020B0604020202020204" pitchFamily="34" charset="0"/>
+                        <a:buChar char="•"/>
+                      </a:pPr>
+                      <a:r>
+                        <a:rPr lang="en-US" b="0" baseline="0" dirty="0"/>
+                        <a:t>Code analysis</a:t>
                       </a:r>
                       <a:endParaRPr lang="en-US" b="0" dirty="0"/>
                     </a:p>
@@ -12648,15 +12747,7 @@
             </a:pPr>
             <a:r>
               <a:rPr lang="en-US" dirty="0"/>
-              <a:t>Solution 2: </a:t>
-            </a:r>
-            <a:r>
-              <a:rPr lang="en-US" dirty="0" err="1"/>
-              <a:t>Async</a:t>
-            </a:r>
-            <a:r>
-              <a:rPr lang="en-US" dirty="0"/>
-              <a:t>/await, no caching</a:t>
+              <a:t>Example: Find closest locations</a:t>
             </a:r>
           </a:p>
           <a:p>
@@ -12665,58 +12756,36 @@
             </a:pPr>
             <a:endParaRPr lang="en-US" dirty="0"/>
           </a:p>
-          <a:p>
-            <a:pPr marL="0" indent="0">
-              <a:buNone/>
-            </a:pPr>
-            <a:r>
-              <a:rPr lang="en-US" dirty="0"/>
-              <a:t>Solution 3: Distributed caching, no </a:t>
-            </a:r>
-            <a:r>
-              <a:rPr lang="en-US" dirty="0" err="1"/>
-              <a:t>async</a:t>
-            </a:r>
-            <a:r>
-              <a:rPr lang="en-US" dirty="0"/>
-              <a:t>/await</a:t>
-            </a:r>
-          </a:p>
-          <a:p>
-            <a:pPr marL="0" indent="0">
-              <a:buNone/>
-            </a:pPr>
-            <a:endParaRPr lang="en-US" dirty="0"/>
-          </a:p>
-          <a:p>
-            <a:pPr marL="0" indent="0">
-              <a:buNone/>
-            </a:pPr>
-            <a:r>
-              <a:rPr lang="en-US" dirty="0"/>
-              <a:t>Solution 4: Distributed caching, with </a:t>
-            </a:r>
-            <a:r>
-              <a:rPr lang="en-US" dirty="0" err="1"/>
-              <a:t>async</a:t>
-            </a:r>
-            <a:r>
-              <a:rPr lang="en-US" dirty="0"/>
-              <a:t>/await</a:t>
-            </a:r>
-          </a:p>
-          <a:p>
-            <a:pPr marL="0" indent="0">
-              <a:buNone/>
-            </a:pPr>
-            <a:endParaRPr lang="en-US" dirty="0"/>
-          </a:p>
         </p:txBody>
       </p:sp>
+      <p:pic>
+        <p:nvPicPr>
+          <p:cNvPr id="4" name="Picture 3"/>
+          <p:cNvPicPr>
+            <a:picLocks noChangeAspect="1"/>
+          </p:cNvPicPr>
+          <p:nvPr/>
+        </p:nvPicPr>
+        <p:blipFill>
+          <a:blip r:embed="rId2"/>
+          <a:stretch>
+            <a:fillRect/>
+          </a:stretch>
+        </p:blipFill>
+        <p:spPr>
+          <a:xfrm>
+            <a:off x="1100533" y="2532982"/>
+            <a:ext cx="10297582" cy="2183397"/>
+          </a:xfrm>
+          <a:prstGeom prst="rect">
+            <a:avLst/>
+          </a:prstGeom>
+        </p:spPr>
+      </p:pic>
     </p:spTree>
     <p:extLst>
       <p:ext uri="{BB962C8B-B14F-4D97-AF65-F5344CB8AC3E}">
-        <p14:creationId xmlns:p14="http://schemas.microsoft.com/office/powerpoint/2010/main" val="1197059623"/>
+        <p14:creationId xmlns:p14="http://schemas.microsoft.com/office/powerpoint/2010/main" val="1281562873"/>
       </p:ext>
     </p:extLst>
   </p:cSld>
@@ -12785,6 +12854,143 @@
             </a:pPr>
             <a:r>
               <a:rPr lang="en-US" dirty="0"/>
+              <a:t>Solution 2: </a:t>
+            </a:r>
+            <a:r>
+              <a:rPr lang="en-US" dirty="0" err="1"/>
+              <a:t>Async</a:t>
+            </a:r>
+            <a:r>
+              <a:rPr lang="en-US" dirty="0"/>
+              <a:t>/await, no caching</a:t>
+            </a:r>
+          </a:p>
+          <a:p>
+            <a:pPr marL="0" indent="0">
+              <a:buNone/>
+            </a:pPr>
+            <a:endParaRPr lang="en-US" dirty="0"/>
+          </a:p>
+          <a:p>
+            <a:pPr marL="0" indent="0">
+              <a:buNone/>
+            </a:pPr>
+            <a:r>
+              <a:rPr lang="en-US" dirty="0"/>
+              <a:t>Solution 3: Distributed caching, no </a:t>
+            </a:r>
+            <a:r>
+              <a:rPr lang="en-US" dirty="0" err="1"/>
+              <a:t>async</a:t>
+            </a:r>
+            <a:r>
+              <a:rPr lang="en-US" dirty="0"/>
+              <a:t>/await</a:t>
+            </a:r>
+          </a:p>
+          <a:p>
+            <a:pPr marL="0" indent="0">
+              <a:buNone/>
+            </a:pPr>
+            <a:endParaRPr lang="en-US" dirty="0"/>
+          </a:p>
+          <a:p>
+            <a:pPr marL="0" indent="0">
+              <a:buNone/>
+            </a:pPr>
+            <a:r>
+              <a:rPr lang="en-US" dirty="0"/>
+              <a:t>Solution 4: Distributed caching, with </a:t>
+            </a:r>
+            <a:r>
+              <a:rPr lang="en-US" dirty="0" err="1"/>
+              <a:t>async</a:t>
+            </a:r>
+            <a:r>
+              <a:rPr lang="en-US" dirty="0"/>
+              <a:t>/await</a:t>
+            </a:r>
+          </a:p>
+          <a:p>
+            <a:pPr marL="0" indent="0">
+              <a:buNone/>
+            </a:pPr>
+            <a:endParaRPr lang="en-US" dirty="0"/>
+          </a:p>
+        </p:txBody>
+      </p:sp>
+    </p:spTree>
+    <p:extLst>
+      <p:ext uri="{BB962C8B-B14F-4D97-AF65-F5344CB8AC3E}">
+        <p14:creationId xmlns:p14="http://schemas.microsoft.com/office/powerpoint/2010/main" val="1197059623"/>
+      </p:ext>
+    </p:extLst>
+  </p:cSld>
+  <p:clrMapOvr>
+    <a:masterClrMapping/>
+  </p:clrMapOvr>
+</p:sld>
+</file>
+
+<file path=ppt/slides/slide22.xml><?xml version="1.0" encoding="utf-8"?>
+<p:sld xmlns:a="http://schemas.openxmlformats.org/drawingml/2006/main" xmlns:r="http://schemas.openxmlformats.org/officeDocument/2006/relationships" xmlns:p="http://schemas.openxmlformats.org/presentationml/2006/main">
+  <p:cSld>
+    <p:spTree>
+      <p:nvGrpSpPr>
+        <p:cNvPr id="1" name=""/>
+        <p:cNvGrpSpPr/>
+        <p:nvPr/>
+      </p:nvGrpSpPr>
+      <p:grpSpPr>
+        <a:xfrm>
+          <a:off x="0" y="0"/>
+          <a:ext cx="0" cy="0"/>
+          <a:chOff x="0" y="0"/>
+          <a:chExt cx="0" cy="0"/>
+        </a:xfrm>
+      </p:grpSpPr>
+      <p:sp>
+        <p:nvSpPr>
+          <p:cNvPr id="2" name="Title 1"/>
+          <p:cNvSpPr>
+            <a:spLocks noGrp="1"/>
+          </p:cNvSpPr>
+          <p:nvPr>
+            <p:ph type="title"/>
+          </p:nvPr>
+        </p:nvSpPr>
+        <p:spPr/>
+        <p:txBody>
+          <a:bodyPr/>
+          <a:lstStyle/>
+          <a:p>
+            <a:r>
+              <a:rPr lang="en-US" dirty="0"/>
+              <a:t>Problem 3 – Large Dataset Calculations</a:t>
+            </a:r>
+          </a:p>
+        </p:txBody>
+      </p:sp>
+      <p:sp>
+        <p:nvSpPr>
+          <p:cNvPr id="3" name="Content Placeholder 2"/>
+          <p:cNvSpPr>
+            <a:spLocks noGrp="1"/>
+          </p:cNvSpPr>
+          <p:nvPr>
+            <p:ph idx="1"/>
+          </p:nvPr>
+        </p:nvSpPr>
+        <p:spPr/>
+        <p:txBody>
+          <a:bodyPr/>
+          <a:lstStyle/>
+          <a:p>
+            <a:pPr marL="0" indent="0">
+              <a:buNone/>
+            </a:pPr>
+            <a:r>
+              <a:rPr lang="en-US" dirty="0"/>
               <a:t>See the code…</a:t>
             </a:r>
           </a:p>
@@ -12803,7 +13009,7 @@
 </p:sld>
 </file>
 
-<file path=ppt/slides/slide22.xml><?xml version="1.0" encoding="utf-8"?>
+<file path=ppt/slides/slide23.xml><?xml version="1.0" encoding="utf-8"?>
 <p:sld xmlns:a="http://schemas.openxmlformats.org/drawingml/2006/main" xmlns:r="http://schemas.openxmlformats.org/officeDocument/2006/relationships" xmlns:p="http://schemas.openxmlformats.org/presentationml/2006/main">
   <p:cSld>
     <p:spTree>
@@ -13453,7 +13659,7 @@
 </p:sld>
 </file>
 
-<file path=ppt/slides/slide23.xml><?xml version="1.0" encoding="utf-8"?>
+<file path=ppt/slides/slide24.xml><?xml version="1.0" encoding="utf-8"?>
 <p:sld xmlns:a="http://schemas.openxmlformats.org/drawingml/2006/main" xmlns:r="http://schemas.openxmlformats.org/officeDocument/2006/relationships" xmlns:p="http://schemas.openxmlformats.org/presentationml/2006/main">
   <p:cSld>
     <p:spTree>
@@ -13607,7 +13813,7 @@
 </p:sld>
 </file>
 
-<file path=ppt/slides/slide24.xml><?xml version="1.0" encoding="utf-8"?>
+<file path=ppt/slides/slide25.xml><?xml version="1.0" encoding="utf-8"?>
 <p:sld xmlns:a="http://schemas.openxmlformats.org/drawingml/2006/main" xmlns:r="http://schemas.openxmlformats.org/officeDocument/2006/relationships" xmlns:p="http://schemas.openxmlformats.org/presentationml/2006/main">
   <p:cSld>
     <p:spTree>
@@ -13684,7 +13890,7 @@
 </p:sld>
 </file>
 
-<file path=ppt/slides/slide25.xml><?xml version="1.0" encoding="utf-8"?>
+<file path=ppt/slides/slide26.xml><?xml version="1.0" encoding="utf-8"?>
 <p:sld xmlns:a="http://schemas.openxmlformats.org/drawingml/2006/main" xmlns:r="http://schemas.openxmlformats.org/officeDocument/2006/relationships" xmlns:p="http://schemas.openxmlformats.org/presentationml/2006/main">
   <p:cSld>
     <p:spTree>
@@ -14098,148 +14304,6 @@
 </p:sld>
 </file>
 
-<file path=ppt/slides/slide26.xml><?xml version="1.0" encoding="utf-8"?>
-<p:sld xmlns:a="http://schemas.openxmlformats.org/drawingml/2006/main" xmlns:r="http://schemas.openxmlformats.org/officeDocument/2006/relationships" xmlns:p="http://schemas.openxmlformats.org/presentationml/2006/main">
-  <p:cSld>
-    <p:spTree>
-      <p:nvGrpSpPr>
-        <p:cNvPr id="1" name=""/>
-        <p:cNvGrpSpPr/>
-        <p:nvPr/>
-      </p:nvGrpSpPr>
-      <p:grpSpPr>
-        <a:xfrm>
-          <a:off x="0" y="0"/>
-          <a:ext cx="0" cy="0"/>
-          <a:chOff x="0" y="0"/>
-          <a:chExt cx="0" cy="0"/>
-        </a:xfrm>
-      </p:grpSpPr>
-      <p:sp>
-        <p:nvSpPr>
-          <p:cNvPr id="2" name="Title 1"/>
-          <p:cNvSpPr>
-            <a:spLocks noGrp="1"/>
-          </p:cNvSpPr>
-          <p:nvPr>
-            <p:ph type="title"/>
-          </p:nvPr>
-        </p:nvSpPr>
-        <p:spPr/>
-        <p:txBody>
-          <a:bodyPr/>
-          <a:lstStyle/>
-          <a:p>
-            <a:r>
-              <a:rPr lang="en-US" dirty="0"/>
-              <a:t>What About Scale?</a:t>
-            </a:r>
-          </a:p>
-        </p:txBody>
-      </p:sp>
-      <p:sp>
-        <p:nvSpPr>
-          <p:cNvPr id="3" name="Content Placeholder 2"/>
-          <p:cNvSpPr>
-            <a:spLocks noGrp="1"/>
-          </p:cNvSpPr>
-          <p:nvPr>
-            <p:ph idx="1"/>
-          </p:nvPr>
-        </p:nvSpPr>
-        <p:spPr/>
-        <p:txBody>
-          <a:bodyPr/>
-          <a:lstStyle/>
-          <a:p>
-            <a:pPr marL="0" indent="0">
-              <a:buNone/>
-            </a:pPr>
-            <a:r>
-              <a:rPr lang="en-US" dirty="0"/>
-              <a:t>Scaling </a:t>
-            </a:r>
-            <a:r>
-              <a:rPr lang="en-US" b="1" dirty="0"/>
-              <a:t>UP</a:t>
-            </a:r>
-            <a:r>
-              <a:rPr lang="en-US" dirty="0"/>
-              <a:t> amplified caching &amp; </a:t>
-            </a:r>
-            <a:r>
-              <a:rPr lang="en-US" dirty="0" err="1"/>
-              <a:t>async</a:t>
-            </a:r>
-            <a:r>
-              <a:rPr lang="en-US" dirty="0"/>
-              <a:t> improvements </a:t>
-            </a:r>
-          </a:p>
-          <a:p>
-            <a:pPr marL="0" indent="0">
-              <a:buNone/>
-            </a:pPr>
-            <a:r>
-              <a:rPr lang="en-US" dirty="0"/>
-              <a:t>more than scaling </a:t>
-            </a:r>
-            <a:r>
-              <a:rPr lang="en-US" b="1" dirty="0"/>
-              <a:t>OUT</a:t>
-            </a:r>
-          </a:p>
-          <a:p>
-            <a:pPr marL="0" indent="0">
-              <a:buNone/>
-            </a:pPr>
-            <a:endParaRPr lang="en-US" b="1" dirty="0"/>
-          </a:p>
-          <a:p>
-            <a:pPr marL="0" indent="0">
-              <a:buNone/>
-            </a:pPr>
-            <a:endParaRPr lang="en-US" dirty="0"/>
-          </a:p>
-        </p:txBody>
-      </p:sp>
-      <p:graphicFrame>
-        <p:nvGraphicFramePr>
-          <p:cNvPr id="7" name="Chart 6"/>
-          <p:cNvGraphicFramePr>
-            <a:graphicFrameLocks/>
-          </p:cNvGraphicFramePr>
-          <p:nvPr>
-            <p:extLst>
-              <p:ext uri="{D42A27DB-BD31-4B8C-83A1-F6EECF244321}">
-                <p14:modId xmlns:p14="http://schemas.microsoft.com/office/powerpoint/2010/main" val="3105272955"/>
-              </p:ext>
-            </p:extLst>
-          </p:nvPr>
-        </p:nvGraphicFramePr>
-        <p:xfrm>
-          <a:off x="3307582" y="3001945"/>
-          <a:ext cx="4572000" cy="2743200"/>
-        </p:xfrm>
-        <a:graphic>
-          <a:graphicData uri="http://schemas.openxmlformats.org/drawingml/2006/chart">
-            <c:chart xmlns:c="http://schemas.openxmlformats.org/drawingml/2006/chart" xmlns:r="http://schemas.openxmlformats.org/officeDocument/2006/relationships" r:id="rId2"/>
-          </a:graphicData>
-        </a:graphic>
-      </p:graphicFrame>
-    </p:spTree>
-    <p:extLst>
-      <p:ext uri="{BB962C8B-B14F-4D97-AF65-F5344CB8AC3E}">
-        <p14:creationId xmlns:p14="http://schemas.microsoft.com/office/powerpoint/2010/main" val="3490009930"/>
-      </p:ext>
-    </p:extLst>
-  </p:cSld>
-  <p:clrMapOvr>
-    <a:masterClrMapping/>
-  </p:clrMapOvr>
-</p:sld>
-</file>
-
 <file path=ppt/slides/slide27.xml><?xml version="1.0" encoding="utf-8"?>
 <p:sld xmlns:a="http://schemas.openxmlformats.org/drawingml/2006/main" xmlns:r="http://schemas.openxmlformats.org/officeDocument/2006/relationships" xmlns:p="http://schemas.openxmlformats.org/presentationml/2006/main">
   <p:cSld>
@@ -14274,28 +14338,94 @@
           <a:p>
             <a:r>
               <a:rPr lang="en-US" dirty="0"/>
-              <a:t>More Scaling Results</a:t>
-            </a:r>
+              <a:t>What About Scale?</a:t>
+            </a:r>
+          </a:p>
+        </p:txBody>
+      </p:sp>
+      <p:sp>
+        <p:nvSpPr>
+          <p:cNvPr id="3" name="Content Placeholder 2"/>
+          <p:cNvSpPr>
+            <a:spLocks noGrp="1"/>
+          </p:cNvSpPr>
+          <p:nvPr>
+            <p:ph idx="1"/>
+          </p:nvPr>
+        </p:nvSpPr>
+        <p:spPr/>
+        <p:txBody>
+          <a:bodyPr/>
+          <a:lstStyle/>
+          <a:p>
+            <a:pPr marL="0" indent="0">
+              <a:buNone/>
+            </a:pPr>
+            <a:r>
+              <a:rPr lang="en-US" dirty="0"/>
+              <a:t>Scaling </a:t>
+            </a:r>
+            <a:r>
+              <a:rPr lang="en-US" b="1" dirty="0"/>
+              <a:t>UP</a:t>
+            </a:r>
+            <a:r>
+              <a:rPr lang="en-US" dirty="0"/>
+              <a:t> amplified caching &amp; </a:t>
+            </a:r>
+            <a:r>
+              <a:rPr lang="en-US" dirty="0" err="1"/>
+              <a:t>async</a:t>
+            </a:r>
+            <a:r>
+              <a:rPr lang="en-US" dirty="0"/>
+              <a:t> improvements </a:t>
+            </a:r>
+          </a:p>
+          <a:p>
+            <a:pPr marL="0" indent="0">
+              <a:buNone/>
+            </a:pPr>
+            <a:r>
+              <a:rPr lang="en-US" dirty="0"/>
+              <a:t>more than scaling </a:t>
+            </a:r>
+            <a:r>
+              <a:rPr lang="en-US" b="1" dirty="0"/>
+              <a:t>OUT</a:t>
+            </a:r>
+          </a:p>
+          <a:p>
+            <a:pPr marL="0" indent="0">
+              <a:buNone/>
+            </a:pPr>
+            <a:endParaRPr lang="en-US" b="1" dirty="0"/>
+          </a:p>
+          <a:p>
+            <a:pPr marL="0" indent="0">
+              <a:buNone/>
+            </a:pPr>
+            <a:endParaRPr lang="en-US" dirty="0"/>
           </a:p>
         </p:txBody>
       </p:sp>
       <p:graphicFrame>
         <p:nvGraphicFramePr>
-          <p:cNvPr id="5" name="Chart 4"/>
+          <p:cNvPr id="7" name="Chart 6"/>
           <p:cNvGraphicFramePr>
             <a:graphicFrameLocks/>
           </p:cNvGraphicFramePr>
           <p:nvPr>
             <p:extLst>
               <p:ext uri="{D42A27DB-BD31-4B8C-83A1-F6EECF244321}">
-                <p14:modId xmlns:p14="http://schemas.microsoft.com/office/powerpoint/2010/main" val="3950028962"/>
+                <p14:modId xmlns:p14="http://schemas.microsoft.com/office/powerpoint/2010/main" val="3105272955"/>
               </p:ext>
             </p:extLst>
           </p:nvPr>
         </p:nvGraphicFramePr>
         <p:xfrm>
-          <a:off x="3317631" y="1690688"/>
-          <a:ext cx="5092840" cy="4115978"/>
+          <a:off x="3307582" y="3001945"/>
+          <a:ext cx="4572000" cy="2743200"/>
         </p:xfrm>
         <a:graphic>
           <a:graphicData uri="http://schemas.openxmlformats.org/drawingml/2006/chart">
@@ -14306,7 +14436,7 @@
     </p:spTree>
     <p:extLst>
       <p:ext uri="{BB962C8B-B14F-4D97-AF65-F5344CB8AC3E}">
-        <p14:creationId xmlns:p14="http://schemas.microsoft.com/office/powerpoint/2010/main" val="3057169335"/>
+        <p14:creationId xmlns:p14="http://schemas.microsoft.com/office/powerpoint/2010/main" val="3490009930"/>
       </p:ext>
     </p:extLst>
   </p:cSld>
@@ -14350,100 +14480,39 @@
           <a:p>
             <a:r>
               <a:rPr lang="en-US" dirty="0"/>
-              <a:t>Conclusion</a:t>
+              <a:t>More Scaling Results</a:t>
             </a:r>
           </a:p>
         </p:txBody>
       </p:sp>
-      <p:sp>
-        <p:nvSpPr>
-          <p:cNvPr id="3" name="Content Placeholder 2"/>
-          <p:cNvSpPr>
-            <a:spLocks noGrp="1"/>
-          </p:cNvSpPr>
+      <p:graphicFrame>
+        <p:nvGraphicFramePr>
+          <p:cNvPr id="5" name="Chart 4"/>
+          <p:cNvGraphicFramePr>
+            <a:graphicFrameLocks/>
+          </p:cNvGraphicFramePr>
           <p:nvPr>
-            <p:ph idx="1"/>
+            <p:extLst>
+              <p:ext uri="{D42A27DB-BD31-4B8C-83A1-F6EECF244321}">
+                <p14:modId xmlns:p14="http://schemas.microsoft.com/office/powerpoint/2010/main" val="3950028962"/>
+              </p:ext>
+            </p:extLst>
           </p:nvPr>
-        </p:nvSpPr>
-        <p:spPr/>
-        <p:txBody>
-          <a:bodyPr/>
-          <a:lstStyle/>
-          <a:p>
-            <a:pPr marL="0" indent="0">
-              <a:buNone/>
-            </a:pPr>
-            <a:r>
-              <a:rPr lang="en-US" dirty="0"/>
-              <a:t>Load Testing</a:t>
-            </a:r>
-          </a:p>
-          <a:p>
-            <a:pPr lvl="1"/>
-            <a:endParaRPr lang="en-US" dirty="0"/>
-          </a:p>
-          <a:p>
-            <a:pPr lvl="1"/>
-            <a:r>
-              <a:rPr lang="en-US" dirty="0"/>
-              <a:t>Load testing is cyclical – build, test, adjust, repeat</a:t>
-            </a:r>
-          </a:p>
-          <a:p>
-            <a:pPr lvl="1"/>
-            <a:r>
-              <a:rPr lang="en-US" dirty="0"/>
-              <a:t>If possible, run using Visual Studio Team Services (in Azure)</a:t>
-            </a:r>
-          </a:p>
-          <a:p>
-            <a:pPr lvl="1"/>
-            <a:r>
-              <a:rPr lang="en-US" dirty="0"/>
-              <a:t>Try various scenarios</a:t>
-            </a:r>
-          </a:p>
-          <a:p>
-            <a:pPr lvl="2"/>
-            <a:r>
-              <a:rPr lang="en-US" dirty="0"/>
-              <a:t>surge vs gradual usage</a:t>
-            </a:r>
-          </a:p>
-          <a:p>
-            <a:pPr lvl="2"/>
-            <a:r>
-              <a:rPr lang="en-US" dirty="0"/>
-              <a:t>sporadic vs sustained</a:t>
-            </a:r>
-          </a:p>
-          <a:p>
-            <a:pPr lvl="1"/>
-            <a:r>
-              <a:rPr lang="en-US" dirty="0"/>
-              <a:t>Verbose logging, if possible</a:t>
-            </a:r>
-          </a:p>
-          <a:p>
-            <a:pPr lvl="2"/>
-            <a:r>
-              <a:rPr lang="en-US" dirty="0"/>
-              <a:t>stopwatch timings</a:t>
-            </a:r>
-          </a:p>
-          <a:p>
-            <a:pPr lvl="2"/>
-            <a:r>
-              <a:rPr lang="en-US" dirty="0"/>
-              <a:t>data queries</a:t>
-            </a:r>
-          </a:p>
-        </p:txBody>
-      </p:sp>
+        </p:nvGraphicFramePr>
+        <p:xfrm>
+          <a:off x="3317631" y="1690688"/>
+          <a:ext cx="5092840" cy="4115978"/>
+        </p:xfrm>
+        <a:graphic>
+          <a:graphicData uri="http://schemas.openxmlformats.org/drawingml/2006/chart">
+            <c:chart xmlns:c="http://schemas.openxmlformats.org/drawingml/2006/chart" xmlns:r="http://schemas.openxmlformats.org/officeDocument/2006/relationships" r:id="rId2"/>
+          </a:graphicData>
+        </a:graphic>
+      </p:graphicFrame>
     </p:spTree>
     <p:extLst>
       <p:ext uri="{BB962C8B-B14F-4D97-AF65-F5344CB8AC3E}">
-        <p14:creationId xmlns:p14="http://schemas.microsoft.com/office/powerpoint/2010/main" val="4113271397"/>
+        <p14:creationId xmlns:p14="http://schemas.microsoft.com/office/powerpoint/2010/main" val="3057169335"/>
       </p:ext>
     </p:extLst>
   </p:cSld>
@@ -14487,7 +14556,7 @@
           <a:p>
             <a:r>
               <a:rPr lang="en-US" dirty="0"/>
-              <a:t>Conclusion (continued)</a:t>
+              <a:t>Conclusion</a:t>
             </a:r>
           </a:p>
         </p:txBody>
@@ -14512,7 +14581,7 @@
             </a:pPr>
             <a:r>
               <a:rPr lang="en-US" dirty="0"/>
-              <a:t>Caching</a:t>
+              <a:t>Load Testing</a:t>
             </a:r>
           </a:p>
           <a:p>
@@ -14523,66 +14592,64 @@
             <a:pPr lvl="1"/>
             <a:r>
               <a:rPr lang="en-US" dirty="0"/>
-              <a:t>Determine forced expiration vs timed expiration</a:t>
+              <a:t>Load testing is cyclical – build, test, adjust, repeat</a:t>
             </a:r>
           </a:p>
           <a:p>
             <a:pPr lvl="1"/>
             <a:r>
               <a:rPr lang="en-US" dirty="0"/>
-              <a:t>In-memory vs distributed vs hybrid</a:t>
+              <a:t>If possible, run using Visual Studio Team Services (in Azure)</a:t>
             </a:r>
           </a:p>
           <a:p>
             <a:pPr lvl="1"/>
-            <a:endParaRPr lang="en-US" dirty="0"/>
-          </a:p>
-          <a:p>
-            <a:pPr marL="0" indent="0">
-              <a:buNone/>
-            </a:pPr>
-            <a:r>
-              <a:rPr lang="en-US" dirty="0" err="1"/>
-              <a:t>Redis</a:t>
-            </a:r>
-            <a:endParaRPr lang="en-US" dirty="0"/>
+            <a:r>
+              <a:rPr lang="en-US" dirty="0"/>
+              <a:t>Try various scenarios</a:t>
+            </a:r>
+          </a:p>
+          <a:p>
+            <a:pPr lvl="2"/>
+            <a:r>
+              <a:rPr lang="en-US" dirty="0"/>
+              <a:t>surge vs gradual usage</a:t>
+            </a:r>
+          </a:p>
+          <a:p>
+            <a:pPr lvl="2"/>
+            <a:r>
+              <a:rPr lang="en-US" dirty="0"/>
+              <a:t>sporadic vs sustained</a:t>
+            </a:r>
           </a:p>
           <a:p>
             <a:pPr lvl="1"/>
             <a:r>
-              <a:rPr lang="en-US" dirty="0">
-                <a:hlinkClick r:id="rId2"/>
-              </a:rPr>
-              <a:t>https://azure.microsoft.com/en-us/services/cache/</a:t>
-            </a:r>
-            <a:endParaRPr lang="en-US" dirty="0"/>
-          </a:p>
-          <a:p>
-            <a:pPr lvl="1"/>
-            <a:r>
-              <a:rPr lang="en-US" dirty="0">
-                <a:hlinkClick r:id="rId3"/>
-              </a:rPr>
-              <a:t>https://github.com/StackExchange/StackExchange.Redis</a:t>
-            </a:r>
-            <a:endParaRPr lang="en-US" dirty="0"/>
-          </a:p>
-          <a:p>
-            <a:pPr lvl="1"/>
-            <a:endParaRPr lang="en-US" dirty="0"/>
-          </a:p>
-          <a:p>
-            <a:pPr marL="0" indent="0">
-              <a:buNone/>
-            </a:pPr>
-            <a:endParaRPr lang="en-US" dirty="0"/>
+              <a:rPr lang="en-US" dirty="0"/>
+              <a:t>Verbose logging, if possible</a:t>
+            </a:r>
+          </a:p>
+          <a:p>
+            <a:pPr lvl="2"/>
+            <a:r>
+              <a:rPr lang="en-US" dirty="0"/>
+              <a:t>stopwatch timings</a:t>
+            </a:r>
+          </a:p>
+          <a:p>
+            <a:pPr lvl="2"/>
+            <a:r>
+              <a:rPr lang="en-US" dirty="0"/>
+              <a:t>data queries</a:t>
+            </a:r>
           </a:p>
         </p:txBody>
       </p:sp>
     </p:spTree>
     <p:extLst>
       <p:ext uri="{BB962C8B-B14F-4D97-AF65-F5344CB8AC3E}">
-        <p14:creationId xmlns:p14="http://schemas.microsoft.com/office/powerpoint/2010/main" val="187865884"/>
+        <p14:creationId xmlns:p14="http://schemas.microsoft.com/office/powerpoint/2010/main" val="4113271397"/>
       </p:ext>
     </p:extLst>
   </p:cSld>
@@ -14905,12 +14972,7 @@
             <p:ph type="title"/>
           </p:nvPr>
         </p:nvSpPr>
-        <p:spPr>
-          <a:xfrm>
-            <a:off x="852616" y="365125"/>
-            <a:ext cx="10515600" cy="1325563"/>
-          </a:xfrm>
-        </p:spPr>
+        <p:spPr/>
         <p:txBody>
           <a:bodyPr/>
           <a:lstStyle/>
@@ -14942,7 +15004,7 @@
             </a:pPr>
             <a:r>
               <a:rPr lang="en-US" dirty="0"/>
-              <a:t>Asynchronous / Parallel Processing</a:t>
+              <a:t>Caching</a:t>
             </a:r>
           </a:p>
           <a:p>
@@ -14953,75 +15015,66 @@
             <a:pPr lvl="1"/>
             <a:r>
               <a:rPr lang="en-US" dirty="0"/>
-              <a:t>Not always ideal</a:t>
+              <a:t>Determine forced expiration vs timed expiration</a:t>
             </a:r>
           </a:p>
           <a:p>
             <a:pPr lvl="1"/>
             <a:r>
               <a:rPr lang="en-US" dirty="0"/>
-              <a:t>Can better balance load</a:t>
-            </a:r>
-          </a:p>
-          <a:p>
-            <a:pPr lvl="2"/>
-            <a:r>
-              <a:rPr lang="en-US" dirty="0"/>
-              <a:t>high-volume threading scenarios</a:t>
-            </a:r>
-          </a:p>
-          <a:p>
-            <a:pPr lvl="2"/>
-            <a:r>
-              <a:rPr lang="en-US" dirty="0"/>
-              <a:t>high-volume network- or storage-intensive operations</a:t>
-            </a:r>
-          </a:p>
-          <a:p>
-            <a:pPr marL="914400" lvl="2" indent="0">
+              <a:t>In-memory vs distributed vs hybrid</a:t>
+            </a:r>
+          </a:p>
+          <a:p>
+            <a:pPr lvl="1"/>
+            <a:endParaRPr lang="en-US" dirty="0"/>
+          </a:p>
+          <a:p>
+            <a:pPr marL="0" indent="0">
+              <a:buNone/>
+            </a:pPr>
+            <a:r>
+              <a:rPr lang="en-US" dirty="0" err="1"/>
+              <a:t>Redis</a:t>
+            </a:r>
+            <a:endParaRPr lang="en-US" dirty="0"/>
+          </a:p>
+          <a:p>
+            <a:pPr lvl="1"/>
+            <a:r>
+              <a:rPr lang="en-US" dirty="0">
+                <a:hlinkClick r:id="rId2"/>
+              </a:rPr>
+              <a:t>https://azure.microsoft.com/en-us/services/cache/</a:t>
+            </a:r>
+            <a:endParaRPr lang="en-US" dirty="0"/>
+          </a:p>
+          <a:p>
+            <a:pPr lvl="1"/>
+            <a:r>
+              <a:rPr lang="en-US" dirty="0">
+                <a:hlinkClick r:id="rId3"/>
+              </a:rPr>
+              <a:t>https://github.com/StackExchange/StackExchange.Redis</a:t>
+            </a:r>
+            <a:endParaRPr lang="en-US" dirty="0"/>
+          </a:p>
+          <a:p>
+            <a:pPr lvl="1"/>
+            <a:endParaRPr lang="en-US" dirty="0"/>
+          </a:p>
+          <a:p>
+            <a:pPr marL="0" indent="0">
               <a:buNone/>
             </a:pPr>
             <a:endParaRPr lang="en-US" dirty="0"/>
-          </a:p>
-          <a:p>
-            <a:pPr marL="0" indent="0">
-              <a:buNone/>
-            </a:pPr>
-            <a:r>
-              <a:rPr lang="en-US" dirty="0"/>
-              <a:t>More info: </a:t>
-            </a:r>
-            <a:r>
-              <a:rPr lang="en-US" u="sng" dirty="0">
-                <a:solidFill>
-                  <a:schemeClr val="accent1"/>
-                </a:solidFill>
-                <a:hlinkClick r:id="rId2"/>
-              </a:rPr>
-              <a:t>http://blog.stephencleary.com/</a:t>
-            </a:r>
-            <a:endParaRPr lang="en-US" u="sng" dirty="0">
-              <a:solidFill>
-                <a:schemeClr val="accent1"/>
-              </a:solidFill>
-            </a:endParaRPr>
-          </a:p>
-          <a:p>
-            <a:pPr marL="0" indent="0">
-              <a:buNone/>
-            </a:pPr>
-            <a:endParaRPr lang="en-US" u="sng" dirty="0">
-              <a:solidFill>
-                <a:schemeClr val="accent1"/>
-              </a:solidFill>
-            </a:endParaRPr>
           </a:p>
         </p:txBody>
       </p:sp>
     </p:spTree>
     <p:extLst>
       <p:ext uri="{BB962C8B-B14F-4D97-AF65-F5344CB8AC3E}">
-        <p14:creationId xmlns:p14="http://schemas.microsoft.com/office/powerpoint/2010/main" val="1508870788"/>
+        <p14:creationId xmlns:p14="http://schemas.microsoft.com/office/powerpoint/2010/main" val="187865884"/>
       </p:ext>
     </p:extLst>
   </p:cSld>
@@ -15058,7 +15111,12 @@
             <p:ph type="title"/>
           </p:nvPr>
         </p:nvSpPr>
-        <p:spPr/>
+        <p:spPr>
+          <a:xfrm>
+            <a:off x="852616" y="365125"/>
+            <a:ext cx="10515600" cy="1325563"/>
+          </a:xfrm>
+        </p:spPr>
         <p:txBody>
           <a:bodyPr/>
           <a:lstStyle/>
@@ -15090,6 +15148,154 @@
             </a:pPr>
             <a:r>
               <a:rPr lang="en-US" dirty="0"/>
+              <a:t>Asynchronous / Parallel Processing</a:t>
+            </a:r>
+          </a:p>
+          <a:p>
+            <a:pPr lvl="1"/>
+            <a:endParaRPr lang="en-US" dirty="0"/>
+          </a:p>
+          <a:p>
+            <a:pPr lvl="1"/>
+            <a:r>
+              <a:rPr lang="en-US" dirty="0"/>
+              <a:t>Not always ideal</a:t>
+            </a:r>
+          </a:p>
+          <a:p>
+            <a:pPr lvl="1"/>
+            <a:r>
+              <a:rPr lang="en-US" dirty="0"/>
+              <a:t>Can better balance load</a:t>
+            </a:r>
+          </a:p>
+          <a:p>
+            <a:pPr lvl="2"/>
+            <a:r>
+              <a:rPr lang="en-US" dirty="0"/>
+              <a:t>high-volume threading scenarios</a:t>
+            </a:r>
+          </a:p>
+          <a:p>
+            <a:pPr lvl="2"/>
+            <a:r>
+              <a:rPr lang="en-US" dirty="0"/>
+              <a:t>high-volume network- or storage-intensive operations</a:t>
+            </a:r>
+          </a:p>
+          <a:p>
+            <a:pPr marL="914400" lvl="2" indent="0">
+              <a:buNone/>
+            </a:pPr>
+            <a:endParaRPr lang="en-US" dirty="0"/>
+          </a:p>
+          <a:p>
+            <a:pPr marL="0" indent="0">
+              <a:buNone/>
+            </a:pPr>
+            <a:r>
+              <a:rPr lang="en-US" dirty="0"/>
+              <a:t>More info: </a:t>
+            </a:r>
+            <a:r>
+              <a:rPr lang="en-US" u="sng" dirty="0">
+                <a:solidFill>
+                  <a:schemeClr val="accent1"/>
+                </a:solidFill>
+                <a:hlinkClick r:id="rId2"/>
+              </a:rPr>
+              <a:t>http://blog.stephencleary.com/</a:t>
+            </a:r>
+            <a:endParaRPr lang="en-US" u="sng" dirty="0">
+              <a:solidFill>
+                <a:schemeClr val="accent1"/>
+              </a:solidFill>
+            </a:endParaRPr>
+          </a:p>
+          <a:p>
+            <a:pPr marL="0" indent="0">
+              <a:buNone/>
+            </a:pPr>
+            <a:endParaRPr lang="en-US" u="sng" dirty="0">
+              <a:solidFill>
+                <a:schemeClr val="accent1"/>
+              </a:solidFill>
+            </a:endParaRPr>
+          </a:p>
+        </p:txBody>
+      </p:sp>
+    </p:spTree>
+    <p:extLst>
+      <p:ext uri="{BB962C8B-B14F-4D97-AF65-F5344CB8AC3E}">
+        <p14:creationId xmlns:p14="http://schemas.microsoft.com/office/powerpoint/2010/main" val="1508870788"/>
+      </p:ext>
+    </p:extLst>
+  </p:cSld>
+  <p:clrMapOvr>
+    <a:masterClrMapping/>
+  </p:clrMapOvr>
+</p:sld>
+</file>
+
+<file path=ppt/slides/slide32.xml><?xml version="1.0" encoding="utf-8"?>
+<p:sld xmlns:a="http://schemas.openxmlformats.org/drawingml/2006/main" xmlns:r="http://schemas.openxmlformats.org/officeDocument/2006/relationships" xmlns:p="http://schemas.openxmlformats.org/presentationml/2006/main">
+  <p:cSld>
+    <p:spTree>
+      <p:nvGrpSpPr>
+        <p:cNvPr id="1" name=""/>
+        <p:cNvGrpSpPr/>
+        <p:nvPr/>
+      </p:nvGrpSpPr>
+      <p:grpSpPr>
+        <a:xfrm>
+          <a:off x="0" y="0"/>
+          <a:ext cx="0" cy="0"/>
+          <a:chOff x="0" y="0"/>
+          <a:chExt cx="0" cy="0"/>
+        </a:xfrm>
+      </p:grpSpPr>
+      <p:sp>
+        <p:nvSpPr>
+          <p:cNvPr id="2" name="Title 1"/>
+          <p:cNvSpPr>
+            <a:spLocks noGrp="1"/>
+          </p:cNvSpPr>
+          <p:nvPr>
+            <p:ph type="title"/>
+          </p:nvPr>
+        </p:nvSpPr>
+        <p:spPr/>
+        <p:txBody>
+          <a:bodyPr/>
+          <a:lstStyle/>
+          <a:p>
+            <a:r>
+              <a:rPr lang="en-US" dirty="0"/>
+              <a:t>Conclusion (continued)</a:t>
+            </a:r>
+          </a:p>
+        </p:txBody>
+      </p:sp>
+      <p:sp>
+        <p:nvSpPr>
+          <p:cNvPr id="3" name="Content Placeholder 2"/>
+          <p:cNvSpPr>
+            <a:spLocks noGrp="1"/>
+          </p:cNvSpPr>
+          <p:nvPr>
+            <p:ph idx="1"/>
+          </p:nvPr>
+        </p:nvSpPr>
+        <p:spPr/>
+        <p:txBody>
+          <a:bodyPr/>
+          <a:lstStyle/>
+          <a:p>
+            <a:pPr marL="0" indent="0">
+              <a:buNone/>
+            </a:pPr>
+            <a:r>
+              <a:rPr lang="en-US" dirty="0"/>
               <a:t>Scaling</a:t>
             </a:r>
           </a:p>
@@ -15176,7 +15382,7 @@
 </p:sld>
 </file>
 
-<file path=ppt/slides/slide32.xml><?xml version="1.0" encoding="utf-8"?>
+<file path=ppt/slides/slide33.xml><?xml version="1.0" encoding="utf-8"?>
 <p:sld xmlns:a="http://schemas.openxmlformats.org/drawingml/2006/main" xmlns:r="http://schemas.openxmlformats.org/officeDocument/2006/relationships" xmlns:p="http://schemas.openxmlformats.org/presentationml/2006/main">
   <p:cSld>
     <p:spTree>
@@ -16578,14 +16784,14 @@
           <a:p>
             <a:r>
               <a:rPr lang="en-US" dirty="0"/>
-              <a:t>Performance Testing – Old School</a:t>
+              <a:t>Load / Performance Testing</a:t>
             </a:r>
           </a:p>
         </p:txBody>
       </p:sp>
       <p:sp>
         <p:nvSpPr>
-          <p:cNvPr id="3" name="Content Placeholder 2"/>
+          <p:cNvPr id="4" name="Content Placeholder 3"/>
           <p:cNvSpPr>
             <a:spLocks noGrp="1"/>
           </p:cNvSpPr>
@@ -16593,135 +16799,44 @@
             <p:ph idx="1"/>
           </p:nvPr>
         </p:nvSpPr>
-        <p:spPr/>
+        <p:spPr>
+          <a:xfrm>
+            <a:off x="838200" y="1825624"/>
+            <a:ext cx="10515600" cy="4151663"/>
+          </a:xfrm>
+        </p:spPr>
         <p:txBody>
-          <a:bodyPr/>
+          <a:bodyPr anchor="ctr"/>
           <a:lstStyle/>
           <a:p>
-            <a:pPr marL="0" indent="0">
+            <a:pPr marL="0" indent="0" algn="ctr">
+              <a:buNone/>
+            </a:pPr>
+            <a:r>
+              <a:rPr lang="en-US" i="1" dirty="0"/>
+              <a:t>“The best time to begin load testing was two iterations ago.</a:t>
+            </a:r>
+            <a:br>
+              <a:rPr lang="en-US" i="1" dirty="0"/>
+            </a:br>
+            <a:r>
+              <a:rPr lang="en-US" i="1" dirty="0"/>
+              <a:t>The second best time is now”</a:t>
+            </a:r>
+          </a:p>
+          <a:p>
+            <a:pPr marL="0" indent="0" algn="ctr">
               <a:buNone/>
             </a:pPr>
             <a:endParaRPr lang="en-US" dirty="0"/>
           </a:p>
           <a:p>
-            <a:pPr marL="0" indent="0">
+            <a:pPr marL="0" indent="0" algn="ctr">
               <a:buNone/>
             </a:pPr>
-            <a:endParaRPr lang="en-US" dirty="0"/>
-          </a:p>
-        </p:txBody>
-      </p:sp>
-      <p:pic>
-        <p:nvPicPr>
-          <p:cNvPr id="4" name="Picture 3"/>
-          <p:cNvPicPr>
-            <a:picLocks noChangeAspect="1"/>
-          </p:cNvPicPr>
-          <p:nvPr/>
-        </p:nvPicPr>
-        <p:blipFill>
-          <a:blip r:embed="rId2">
-            <a:extLst>
-              <a:ext uri="{28A0092B-C50C-407E-A947-70E740481C1C}">
-                <a14:useLocalDpi xmlns:a14="http://schemas.microsoft.com/office/drawing/2010/main" val="0"/>
-              </a:ext>
-            </a:extLst>
-          </a:blip>
-          <a:stretch>
-            <a:fillRect/>
-          </a:stretch>
-        </p:blipFill>
-        <p:spPr>
-          <a:xfrm>
-            <a:off x="838200" y="1615652"/>
-            <a:ext cx="4520293" cy="4561311"/>
-          </a:xfrm>
-          <a:prstGeom prst="rect">
-            <a:avLst/>
-          </a:prstGeom>
-        </p:spPr>
-      </p:pic>
-      <p:sp>
-        <p:nvSpPr>
-          <p:cNvPr id="5" name="TextBox 4"/>
-          <p:cNvSpPr txBox="1"/>
-          <p:nvPr/>
-        </p:nvSpPr>
-        <p:spPr>
-          <a:xfrm>
-            <a:off x="5586884" y="1825625"/>
-            <a:ext cx="5104562" cy="3108543"/>
-          </a:xfrm>
-          <a:prstGeom prst="rect">
-            <a:avLst/>
-          </a:prstGeom>
-          <a:noFill/>
-        </p:spPr>
-        <p:txBody>
-          <a:bodyPr wrap="square" rtlCol="0">
-            <a:spAutoFit/>
-          </a:bodyPr>
-          <a:lstStyle/>
-          <a:p>
-            <a:pPr marL="285750" indent="-285750">
-              <a:buFont typeface="Arial" panose="020B0604020202020204" pitchFamily="34" charset="0"/>
-              <a:buChar char="•"/>
-            </a:pPr>
-            <a:r>
-              <a:rPr lang="en-US" sz="2800" dirty="0" err="1"/>
-              <a:t>Perfmon</a:t>
-            </a:r>
-            <a:endParaRPr lang="en-US" sz="2800" dirty="0"/>
-          </a:p>
-          <a:p>
-            <a:pPr marL="285750" indent="-285750">
-              <a:buFont typeface="Arial" panose="020B0604020202020204" pitchFamily="34" charset="0"/>
-              <a:buChar char="•"/>
-            </a:pPr>
-            <a:endParaRPr lang="en-US" sz="2800" dirty="0"/>
-          </a:p>
-          <a:p>
-            <a:pPr marL="285750" indent="-285750">
-              <a:buFont typeface="Arial" panose="020B0604020202020204" pitchFamily="34" charset="0"/>
-              <a:buChar char="•"/>
-            </a:pPr>
-            <a:r>
-              <a:rPr lang="en-US" sz="2800" dirty="0"/>
-              <a:t>CPU Utilization</a:t>
-            </a:r>
-          </a:p>
-          <a:p>
-            <a:pPr marL="285750" indent="-285750">
-              <a:buFont typeface="Arial" panose="020B0604020202020204" pitchFamily="34" charset="0"/>
-              <a:buChar char="•"/>
-            </a:pPr>
-            <a:endParaRPr lang="en-US" sz="2800" dirty="0"/>
-          </a:p>
-          <a:p>
-            <a:pPr marL="285750" indent="-285750">
-              <a:buFont typeface="Arial" panose="020B0604020202020204" pitchFamily="34" charset="0"/>
-              <a:buChar char="•"/>
-            </a:pPr>
-            <a:r>
-              <a:rPr lang="en-US" sz="2800" dirty="0"/>
-              <a:t>Memory Utilization</a:t>
-            </a:r>
-          </a:p>
-          <a:p>
-            <a:pPr marL="285750" indent="-285750">
-              <a:buFont typeface="Arial" panose="020B0604020202020204" pitchFamily="34" charset="0"/>
-              <a:buChar char="•"/>
-            </a:pPr>
-            <a:endParaRPr lang="en-US" sz="2800" dirty="0"/>
-          </a:p>
-          <a:p>
-            <a:pPr marL="285750" indent="-285750">
-              <a:buFont typeface="Arial" panose="020B0604020202020204" pitchFamily="34" charset="0"/>
-              <a:buChar char="•"/>
-            </a:pPr>
-            <a:r>
-              <a:rPr lang="en-US" sz="2800" dirty="0"/>
-              <a:t>Network Utilization</a:t>
+            <a:r>
+              <a:rPr lang="en-US" dirty="0"/>
+              <a:t>- Ancient Proverb</a:t>
             </a:r>
           </a:p>
         </p:txBody>
@@ -16729,7 +16844,7 @@
     </p:spTree>
     <p:extLst>
       <p:ext uri="{BB962C8B-B14F-4D97-AF65-F5344CB8AC3E}">
-        <p14:creationId xmlns:p14="http://schemas.microsoft.com/office/powerpoint/2010/main" val="2678778974"/>
+        <p14:creationId xmlns:p14="http://schemas.microsoft.com/office/powerpoint/2010/main" val="1036282691"/>
       </p:ext>
     </p:extLst>
   </p:cSld>
